--- a/chapter_01/lecture_01.pptx
+++ b/chapter_01/lecture_01.pptx
@@ -122,6 +122,11 @@
       </a:defRPr>
     </a:lvl9pPr>
   </p:defaultTextStyle>
+  <p:extLst>
+    <p:ext uri="{EFAFB233-063F-42B5-8137-9DF3F51BA10A}">
+      <p15:sldGuideLst xmlns:p15="http://schemas.microsoft.com/office/powerpoint/2012/main"/>
+    </p:ext>
+  </p:extLst>
 </p:presentation>
 </file>
 
@@ -272,7 +277,7 @@
           <a:p>
             <a:fld id="{E9616433-4C9A-564D-8A82-9DE10BC7F657}" type="datetimeFigureOut">
               <a:rPr lang="en-US" smtClean="0"/>
-              <a:t>5/4/20</a:t>
+              <a:t>5/5/20</a:t>
             </a:fld>
             <a:endParaRPr lang="en-US"/>
           </a:p>
@@ -470,7 +475,7 @@
           <a:p>
             <a:fld id="{E9616433-4C9A-564D-8A82-9DE10BC7F657}" type="datetimeFigureOut">
               <a:rPr lang="en-US" smtClean="0"/>
-              <a:t>5/4/20</a:t>
+              <a:t>5/5/20</a:t>
             </a:fld>
             <a:endParaRPr lang="en-US"/>
           </a:p>
@@ -678,7 +683,7 @@
           <a:p>
             <a:fld id="{E9616433-4C9A-564D-8A82-9DE10BC7F657}" type="datetimeFigureOut">
               <a:rPr lang="en-US" smtClean="0"/>
-              <a:t>5/4/20</a:t>
+              <a:t>5/5/20</a:t>
             </a:fld>
             <a:endParaRPr lang="en-US"/>
           </a:p>
@@ -876,7 +881,7 @@
           <a:p>
             <a:fld id="{E9616433-4C9A-564D-8A82-9DE10BC7F657}" type="datetimeFigureOut">
               <a:rPr lang="en-US" smtClean="0"/>
-              <a:t>5/4/20</a:t>
+              <a:t>5/5/20</a:t>
             </a:fld>
             <a:endParaRPr lang="en-US"/>
           </a:p>
@@ -1151,7 +1156,7 @@
           <a:p>
             <a:fld id="{E9616433-4C9A-564D-8A82-9DE10BC7F657}" type="datetimeFigureOut">
               <a:rPr lang="en-US" smtClean="0"/>
-              <a:t>5/4/20</a:t>
+              <a:t>5/5/20</a:t>
             </a:fld>
             <a:endParaRPr lang="en-US"/>
           </a:p>
@@ -1416,7 +1421,7 @@
           <a:p>
             <a:fld id="{E9616433-4C9A-564D-8A82-9DE10BC7F657}" type="datetimeFigureOut">
               <a:rPr lang="en-US" smtClean="0"/>
-              <a:t>5/4/20</a:t>
+              <a:t>5/5/20</a:t>
             </a:fld>
             <a:endParaRPr lang="en-US"/>
           </a:p>
@@ -1828,7 +1833,7 @@
           <a:p>
             <a:fld id="{E9616433-4C9A-564D-8A82-9DE10BC7F657}" type="datetimeFigureOut">
               <a:rPr lang="en-US" smtClean="0"/>
-              <a:t>5/4/20</a:t>
+              <a:t>5/5/20</a:t>
             </a:fld>
             <a:endParaRPr lang="en-US"/>
           </a:p>
@@ -1969,7 +1974,7 @@
           <a:p>
             <a:fld id="{E9616433-4C9A-564D-8A82-9DE10BC7F657}" type="datetimeFigureOut">
               <a:rPr lang="en-US" smtClean="0"/>
-              <a:t>5/4/20</a:t>
+              <a:t>5/5/20</a:t>
             </a:fld>
             <a:endParaRPr lang="en-US"/>
           </a:p>
@@ -2082,7 +2087,7 @@
           <a:p>
             <a:fld id="{E9616433-4C9A-564D-8A82-9DE10BC7F657}" type="datetimeFigureOut">
               <a:rPr lang="en-US" smtClean="0"/>
-              <a:t>5/4/20</a:t>
+              <a:t>5/5/20</a:t>
             </a:fld>
             <a:endParaRPr lang="en-US"/>
           </a:p>
@@ -2393,7 +2398,7 @@
           <a:p>
             <a:fld id="{E9616433-4C9A-564D-8A82-9DE10BC7F657}" type="datetimeFigureOut">
               <a:rPr lang="en-US" smtClean="0"/>
-              <a:t>5/4/20</a:t>
+              <a:t>5/5/20</a:t>
             </a:fld>
             <a:endParaRPr lang="en-US"/>
           </a:p>
@@ -2681,7 +2686,7 @@
           <a:p>
             <a:fld id="{E9616433-4C9A-564D-8A82-9DE10BC7F657}" type="datetimeFigureOut">
               <a:rPr lang="en-US" smtClean="0"/>
-              <a:t>5/4/20</a:t>
+              <a:t>5/5/20</a:t>
             </a:fld>
             <a:endParaRPr lang="en-US"/>
           </a:p>
@@ -2922,7 +2927,7 @@
           <a:p>
             <a:fld id="{E9616433-4C9A-564D-8A82-9DE10BC7F657}" type="datetimeFigureOut">
               <a:rPr lang="en-US" smtClean="0"/>
-              <a:t>5/4/20</a:t>
+              <a:t>5/5/20</a:t>
             </a:fld>
             <a:endParaRPr lang="en-US"/>
           </a:p>
@@ -3454,7 +3459,19 @@
           <a:p>
             <a:r>
               <a:rPr lang="en-US" dirty="0"/>
-              <a:t>1.4 – The While Statement</a:t>
+              <a:t>1.4 – The </a:t>
+            </a:r>
+            <a:r>
+              <a:rPr lang="en-US" sz="3000" dirty="0">
+                <a:latin typeface="Menlo" panose="020B0609030804020204" pitchFamily="49" charset="0"/>
+                <a:ea typeface="Menlo" panose="020B0609030804020204" pitchFamily="49" charset="0"/>
+                <a:cs typeface="Menlo" panose="020B0609030804020204" pitchFamily="49" charset="0"/>
+              </a:rPr>
+              <a:t>while</a:t>
+            </a:r>
+            <a:r>
+              <a:rPr lang="en-US" dirty="0"/>
+              <a:t> Statement</a:t>
             </a:r>
           </a:p>
         </p:txBody>
@@ -4170,7 +4187,15 @@
           <a:p>
             <a:r>
               <a:rPr lang="en-US" dirty="0"/>
-              <a:t>blocks { }</a:t>
+              <a:t>blocks </a:t>
+            </a:r>
+            <a:r>
+              <a:rPr lang="en-US" dirty="0">
+                <a:latin typeface="Menlo" panose="020B0609030804020204" pitchFamily="49" charset="0"/>
+                <a:ea typeface="Menlo" panose="020B0609030804020204" pitchFamily="49" charset="0"/>
+                <a:cs typeface="Menlo" panose="020B0609030804020204" pitchFamily="49" charset="0"/>
+              </a:rPr>
+              <a:t>{ }</a:t>
             </a:r>
           </a:p>
           <a:p>
@@ -4182,7 +4207,11 @@
           <a:p>
             <a:pPr lvl="1"/>
             <a:r>
-              <a:rPr lang="en-US" dirty="0"/>
+              <a:rPr lang="en-US" dirty="0">
+                <a:latin typeface="Menlo" panose="020B0609030804020204" pitchFamily="49" charset="0"/>
+                <a:ea typeface="Menlo" panose="020B0609030804020204" pitchFamily="49" charset="0"/>
+                <a:cs typeface="Menlo" panose="020B0609030804020204" pitchFamily="49" charset="0"/>
+              </a:rPr>
               <a:t>&lt;=, +=, ++</a:t>
             </a:r>
           </a:p>
@@ -4204,6 +4233,653 @@
   <p:clrMapOvr>
     <a:masterClrMapping/>
   </p:clrMapOvr>
+  <p:timing>
+    <p:tnLst>
+      <p:par>
+        <p:cTn id="1" dur="indefinite" restart="never" nodeType="tmRoot">
+          <p:childTnLst>
+            <p:seq concurrent="1" nextAc="seek">
+              <p:cTn id="2" dur="indefinite" nodeType="mainSeq">
+                <p:childTnLst>
+                  <p:par>
+                    <p:cTn id="3" fill="hold">
+                      <p:stCondLst>
+                        <p:cond delay="indefinite"/>
+                      </p:stCondLst>
+                      <p:childTnLst>
+                        <p:par>
+                          <p:cTn id="4" fill="hold">
+                            <p:stCondLst>
+                              <p:cond delay="0"/>
+                            </p:stCondLst>
+                            <p:childTnLst>
+                              <p:par>
+                                <p:cTn id="5" presetID="1" presetClass="entr" presetSubtype="0" fill="hold" nodeType="clickEffect">
+                                  <p:stCondLst>
+                                    <p:cond delay="0"/>
+                                  </p:stCondLst>
+                                  <p:childTnLst>
+                                    <p:set>
+                                      <p:cBhvr>
+                                        <p:cTn id="6" dur="1" fill="hold">
+                                          <p:stCondLst>
+                                            <p:cond delay="0"/>
+                                          </p:stCondLst>
+                                        </p:cTn>
+                                        <p:tgtEl>
+                                          <p:spTgt spid="6">
+                                            <p:txEl>
+                                              <p:pRg st="0" end="0"/>
+                                            </p:txEl>
+                                          </p:spTgt>
+                                        </p:tgtEl>
+                                        <p:attrNameLst>
+                                          <p:attrName>style.visibility</p:attrName>
+                                        </p:attrNameLst>
+                                      </p:cBhvr>
+                                      <p:to>
+                                        <p:strVal val="visible"/>
+                                      </p:to>
+                                    </p:set>
+                                  </p:childTnLst>
+                                </p:cTn>
+                              </p:par>
+                              <p:par>
+                                <p:cTn id="7" presetID="1" presetClass="entr" presetSubtype="0" fill="hold" nodeType="withEffect">
+                                  <p:stCondLst>
+                                    <p:cond delay="0"/>
+                                  </p:stCondLst>
+                                  <p:childTnLst>
+                                    <p:set>
+                                      <p:cBhvr>
+                                        <p:cTn id="8" dur="1" fill="hold">
+                                          <p:stCondLst>
+                                            <p:cond delay="0"/>
+                                          </p:stCondLst>
+                                        </p:cTn>
+                                        <p:tgtEl>
+                                          <p:spTgt spid="6">
+                                            <p:txEl>
+                                              <p:pRg st="1" end="1"/>
+                                            </p:txEl>
+                                          </p:spTgt>
+                                        </p:tgtEl>
+                                        <p:attrNameLst>
+                                          <p:attrName>style.visibility</p:attrName>
+                                        </p:attrNameLst>
+                                      </p:cBhvr>
+                                      <p:to>
+                                        <p:strVal val="visible"/>
+                                      </p:to>
+                                    </p:set>
+                                  </p:childTnLst>
+                                </p:cTn>
+                              </p:par>
+                            </p:childTnLst>
+                          </p:cTn>
+                        </p:par>
+                      </p:childTnLst>
+                    </p:cTn>
+                  </p:par>
+                  <p:par>
+                    <p:cTn id="9" fill="hold">
+                      <p:stCondLst>
+                        <p:cond delay="indefinite"/>
+                      </p:stCondLst>
+                      <p:childTnLst>
+                        <p:par>
+                          <p:cTn id="10" fill="hold">
+                            <p:stCondLst>
+                              <p:cond delay="0"/>
+                            </p:stCondLst>
+                            <p:childTnLst>
+                              <p:par>
+                                <p:cTn id="11" presetID="1" presetClass="entr" presetSubtype="0" fill="hold" nodeType="clickEffect">
+                                  <p:stCondLst>
+                                    <p:cond delay="0"/>
+                                  </p:stCondLst>
+                                  <p:childTnLst>
+                                    <p:set>
+                                      <p:cBhvr>
+                                        <p:cTn id="12" dur="1" fill="hold">
+                                          <p:stCondLst>
+                                            <p:cond delay="0"/>
+                                          </p:stCondLst>
+                                        </p:cTn>
+                                        <p:tgtEl>
+                                          <p:spTgt spid="4">
+                                            <p:txEl>
+                                              <p:pRg st="0" end="0"/>
+                                            </p:txEl>
+                                          </p:spTgt>
+                                        </p:tgtEl>
+                                        <p:attrNameLst>
+                                          <p:attrName>style.visibility</p:attrName>
+                                        </p:attrNameLst>
+                                      </p:cBhvr>
+                                      <p:to>
+                                        <p:strVal val="visible"/>
+                                      </p:to>
+                                    </p:set>
+                                  </p:childTnLst>
+                                </p:cTn>
+                              </p:par>
+                              <p:par>
+                                <p:cTn id="13" presetID="1" presetClass="entr" presetSubtype="0" fill="hold" nodeType="withEffect">
+                                  <p:stCondLst>
+                                    <p:cond delay="0"/>
+                                  </p:stCondLst>
+                                  <p:childTnLst>
+                                    <p:set>
+                                      <p:cBhvr>
+                                        <p:cTn id="14" dur="1" fill="hold">
+                                          <p:stCondLst>
+                                            <p:cond delay="0"/>
+                                          </p:stCondLst>
+                                        </p:cTn>
+                                        <p:tgtEl>
+                                          <p:spTgt spid="4">
+                                            <p:txEl>
+                                              <p:pRg st="1" end="1"/>
+                                            </p:txEl>
+                                          </p:spTgt>
+                                        </p:tgtEl>
+                                        <p:attrNameLst>
+                                          <p:attrName>style.visibility</p:attrName>
+                                        </p:attrNameLst>
+                                      </p:cBhvr>
+                                      <p:to>
+                                        <p:strVal val="visible"/>
+                                      </p:to>
+                                    </p:set>
+                                  </p:childTnLst>
+                                </p:cTn>
+                              </p:par>
+                              <p:par>
+                                <p:cTn id="15" presetID="1" presetClass="entr" presetSubtype="0" fill="hold" nodeType="withEffect">
+                                  <p:stCondLst>
+                                    <p:cond delay="0"/>
+                                  </p:stCondLst>
+                                  <p:childTnLst>
+                                    <p:set>
+                                      <p:cBhvr>
+                                        <p:cTn id="16" dur="1" fill="hold">
+                                          <p:stCondLst>
+                                            <p:cond delay="0"/>
+                                          </p:stCondLst>
+                                        </p:cTn>
+                                        <p:tgtEl>
+                                          <p:spTgt spid="4">
+                                            <p:txEl>
+                                              <p:pRg st="2" end="2"/>
+                                            </p:txEl>
+                                          </p:spTgt>
+                                        </p:tgtEl>
+                                        <p:attrNameLst>
+                                          <p:attrName>style.visibility</p:attrName>
+                                        </p:attrNameLst>
+                                      </p:cBhvr>
+                                      <p:to>
+                                        <p:strVal val="visible"/>
+                                      </p:to>
+                                    </p:set>
+                                  </p:childTnLst>
+                                </p:cTn>
+                              </p:par>
+                              <p:par>
+                                <p:cTn id="17" presetID="1" presetClass="entr" presetSubtype="0" fill="hold" nodeType="withEffect">
+                                  <p:stCondLst>
+                                    <p:cond delay="0"/>
+                                  </p:stCondLst>
+                                  <p:childTnLst>
+                                    <p:set>
+                                      <p:cBhvr>
+                                        <p:cTn id="18" dur="1" fill="hold">
+                                          <p:stCondLst>
+                                            <p:cond delay="0"/>
+                                          </p:stCondLst>
+                                        </p:cTn>
+                                        <p:tgtEl>
+                                          <p:spTgt spid="4">
+                                            <p:txEl>
+                                              <p:pRg st="3" end="3"/>
+                                            </p:txEl>
+                                          </p:spTgt>
+                                        </p:tgtEl>
+                                        <p:attrNameLst>
+                                          <p:attrName>style.visibility</p:attrName>
+                                        </p:attrNameLst>
+                                      </p:cBhvr>
+                                      <p:to>
+                                        <p:strVal val="visible"/>
+                                      </p:to>
+                                    </p:set>
+                                  </p:childTnLst>
+                                </p:cTn>
+                              </p:par>
+                              <p:par>
+                                <p:cTn id="19" presetID="1" presetClass="entr" presetSubtype="0" fill="hold" nodeType="withEffect">
+                                  <p:stCondLst>
+                                    <p:cond delay="0"/>
+                                  </p:stCondLst>
+                                  <p:childTnLst>
+                                    <p:set>
+                                      <p:cBhvr>
+                                        <p:cTn id="20" dur="1" fill="hold">
+                                          <p:stCondLst>
+                                            <p:cond delay="0"/>
+                                          </p:stCondLst>
+                                        </p:cTn>
+                                        <p:tgtEl>
+                                          <p:spTgt spid="4">
+                                            <p:txEl>
+                                              <p:pRg st="4" end="4"/>
+                                            </p:txEl>
+                                          </p:spTgt>
+                                        </p:tgtEl>
+                                        <p:attrNameLst>
+                                          <p:attrName>style.visibility</p:attrName>
+                                        </p:attrNameLst>
+                                      </p:cBhvr>
+                                      <p:to>
+                                        <p:strVal val="visible"/>
+                                      </p:to>
+                                    </p:set>
+                                  </p:childTnLst>
+                                </p:cTn>
+                              </p:par>
+                              <p:par>
+                                <p:cTn id="21" presetID="1" presetClass="entr" presetSubtype="0" fill="hold" nodeType="withEffect">
+                                  <p:stCondLst>
+                                    <p:cond delay="0"/>
+                                  </p:stCondLst>
+                                  <p:childTnLst>
+                                    <p:set>
+                                      <p:cBhvr>
+                                        <p:cTn id="22" dur="1" fill="hold">
+                                          <p:stCondLst>
+                                            <p:cond delay="0"/>
+                                          </p:stCondLst>
+                                        </p:cTn>
+                                        <p:tgtEl>
+                                          <p:spTgt spid="4">
+                                            <p:txEl>
+                                              <p:pRg st="5" end="5"/>
+                                            </p:txEl>
+                                          </p:spTgt>
+                                        </p:tgtEl>
+                                        <p:attrNameLst>
+                                          <p:attrName>style.visibility</p:attrName>
+                                        </p:attrNameLst>
+                                      </p:cBhvr>
+                                      <p:to>
+                                        <p:strVal val="visible"/>
+                                      </p:to>
+                                    </p:set>
+                                  </p:childTnLst>
+                                </p:cTn>
+                              </p:par>
+                              <p:par>
+                                <p:cTn id="23" presetID="1" presetClass="entr" presetSubtype="0" fill="hold" nodeType="withEffect">
+                                  <p:stCondLst>
+                                    <p:cond delay="0"/>
+                                  </p:stCondLst>
+                                  <p:childTnLst>
+                                    <p:set>
+                                      <p:cBhvr>
+                                        <p:cTn id="24" dur="1" fill="hold">
+                                          <p:stCondLst>
+                                            <p:cond delay="0"/>
+                                          </p:stCondLst>
+                                        </p:cTn>
+                                        <p:tgtEl>
+                                          <p:spTgt spid="4">
+                                            <p:txEl>
+                                              <p:pRg st="6" end="6"/>
+                                            </p:txEl>
+                                          </p:spTgt>
+                                        </p:tgtEl>
+                                        <p:attrNameLst>
+                                          <p:attrName>style.visibility</p:attrName>
+                                        </p:attrNameLst>
+                                      </p:cBhvr>
+                                      <p:to>
+                                        <p:strVal val="visible"/>
+                                      </p:to>
+                                    </p:set>
+                                  </p:childTnLst>
+                                </p:cTn>
+                              </p:par>
+                              <p:par>
+                                <p:cTn id="25" presetID="1" presetClass="entr" presetSubtype="0" fill="hold" nodeType="withEffect">
+                                  <p:stCondLst>
+                                    <p:cond delay="0"/>
+                                  </p:stCondLst>
+                                  <p:childTnLst>
+                                    <p:set>
+                                      <p:cBhvr>
+                                        <p:cTn id="26" dur="1" fill="hold">
+                                          <p:stCondLst>
+                                            <p:cond delay="0"/>
+                                          </p:stCondLst>
+                                        </p:cTn>
+                                        <p:tgtEl>
+                                          <p:spTgt spid="4">
+                                            <p:txEl>
+                                              <p:pRg st="7" end="7"/>
+                                            </p:txEl>
+                                          </p:spTgt>
+                                        </p:tgtEl>
+                                        <p:attrNameLst>
+                                          <p:attrName>style.visibility</p:attrName>
+                                        </p:attrNameLst>
+                                      </p:cBhvr>
+                                      <p:to>
+                                        <p:strVal val="visible"/>
+                                      </p:to>
+                                    </p:set>
+                                  </p:childTnLst>
+                                </p:cTn>
+                              </p:par>
+                              <p:par>
+                                <p:cTn id="27" presetID="1" presetClass="entr" presetSubtype="0" fill="hold" nodeType="withEffect">
+                                  <p:stCondLst>
+                                    <p:cond delay="0"/>
+                                  </p:stCondLst>
+                                  <p:childTnLst>
+                                    <p:set>
+                                      <p:cBhvr>
+                                        <p:cTn id="28" dur="1" fill="hold">
+                                          <p:stCondLst>
+                                            <p:cond delay="0"/>
+                                          </p:stCondLst>
+                                        </p:cTn>
+                                        <p:tgtEl>
+                                          <p:spTgt spid="4">
+                                            <p:txEl>
+                                              <p:pRg st="8" end="8"/>
+                                            </p:txEl>
+                                          </p:spTgt>
+                                        </p:tgtEl>
+                                        <p:attrNameLst>
+                                          <p:attrName>style.visibility</p:attrName>
+                                        </p:attrNameLst>
+                                      </p:cBhvr>
+                                      <p:to>
+                                        <p:strVal val="visible"/>
+                                      </p:to>
+                                    </p:set>
+                                  </p:childTnLst>
+                                </p:cTn>
+                              </p:par>
+                              <p:par>
+                                <p:cTn id="29" presetID="1" presetClass="entr" presetSubtype="0" fill="hold" nodeType="withEffect">
+                                  <p:stCondLst>
+                                    <p:cond delay="0"/>
+                                  </p:stCondLst>
+                                  <p:childTnLst>
+                                    <p:set>
+                                      <p:cBhvr>
+                                        <p:cTn id="30" dur="1" fill="hold">
+                                          <p:stCondLst>
+                                            <p:cond delay="0"/>
+                                          </p:stCondLst>
+                                        </p:cTn>
+                                        <p:tgtEl>
+                                          <p:spTgt spid="4">
+                                            <p:txEl>
+                                              <p:pRg st="9" end="9"/>
+                                            </p:txEl>
+                                          </p:spTgt>
+                                        </p:tgtEl>
+                                        <p:attrNameLst>
+                                          <p:attrName>style.visibility</p:attrName>
+                                        </p:attrNameLst>
+                                      </p:cBhvr>
+                                      <p:to>
+                                        <p:strVal val="visible"/>
+                                      </p:to>
+                                    </p:set>
+                                  </p:childTnLst>
+                                </p:cTn>
+                              </p:par>
+                              <p:par>
+                                <p:cTn id="31" presetID="1" presetClass="entr" presetSubtype="0" fill="hold" nodeType="withEffect">
+                                  <p:stCondLst>
+                                    <p:cond delay="0"/>
+                                  </p:stCondLst>
+                                  <p:childTnLst>
+                                    <p:set>
+                                      <p:cBhvr>
+                                        <p:cTn id="32" dur="1" fill="hold">
+                                          <p:stCondLst>
+                                            <p:cond delay="0"/>
+                                          </p:stCondLst>
+                                        </p:cTn>
+                                        <p:tgtEl>
+                                          <p:spTgt spid="4">
+                                            <p:txEl>
+                                              <p:pRg st="10" end="10"/>
+                                            </p:txEl>
+                                          </p:spTgt>
+                                        </p:tgtEl>
+                                        <p:attrNameLst>
+                                          <p:attrName>style.visibility</p:attrName>
+                                        </p:attrNameLst>
+                                      </p:cBhvr>
+                                      <p:to>
+                                        <p:strVal val="visible"/>
+                                      </p:to>
+                                    </p:set>
+                                  </p:childTnLst>
+                                </p:cTn>
+                              </p:par>
+                            </p:childTnLst>
+                          </p:cTn>
+                        </p:par>
+                      </p:childTnLst>
+                    </p:cTn>
+                  </p:par>
+                  <p:par>
+                    <p:cTn id="33" fill="hold">
+                      <p:stCondLst>
+                        <p:cond delay="indefinite"/>
+                      </p:stCondLst>
+                      <p:childTnLst>
+                        <p:par>
+                          <p:cTn id="34" fill="hold">
+                            <p:stCondLst>
+                              <p:cond delay="0"/>
+                            </p:stCondLst>
+                            <p:childTnLst>
+                              <p:par>
+                                <p:cTn id="35" presetID="1" presetClass="entr" presetSubtype="0" fill="hold" nodeType="clickEffect">
+                                  <p:stCondLst>
+                                    <p:cond delay="0"/>
+                                  </p:stCondLst>
+                                  <p:childTnLst>
+                                    <p:set>
+                                      <p:cBhvr>
+                                        <p:cTn id="36" dur="1" fill="hold">
+                                          <p:stCondLst>
+                                            <p:cond delay="0"/>
+                                          </p:stCondLst>
+                                        </p:cTn>
+                                        <p:tgtEl>
+                                          <p:spTgt spid="6">
+                                            <p:txEl>
+                                              <p:pRg st="2" end="2"/>
+                                            </p:txEl>
+                                          </p:spTgt>
+                                        </p:tgtEl>
+                                        <p:attrNameLst>
+                                          <p:attrName>style.visibility</p:attrName>
+                                        </p:attrNameLst>
+                                      </p:cBhvr>
+                                      <p:to>
+                                        <p:strVal val="visible"/>
+                                      </p:to>
+                                    </p:set>
+                                  </p:childTnLst>
+                                </p:cTn>
+                              </p:par>
+                            </p:childTnLst>
+                          </p:cTn>
+                        </p:par>
+                      </p:childTnLst>
+                    </p:cTn>
+                  </p:par>
+                  <p:par>
+                    <p:cTn id="37" fill="hold">
+                      <p:stCondLst>
+                        <p:cond delay="indefinite"/>
+                      </p:stCondLst>
+                      <p:childTnLst>
+                        <p:par>
+                          <p:cTn id="38" fill="hold">
+                            <p:stCondLst>
+                              <p:cond delay="0"/>
+                            </p:stCondLst>
+                            <p:childTnLst>
+                              <p:par>
+                                <p:cTn id="39" presetID="1" presetClass="entr" presetSubtype="0" fill="hold" nodeType="clickEffect">
+                                  <p:stCondLst>
+                                    <p:cond delay="0"/>
+                                  </p:stCondLst>
+                                  <p:childTnLst>
+                                    <p:set>
+                                      <p:cBhvr>
+                                        <p:cTn id="40" dur="1" fill="hold">
+                                          <p:stCondLst>
+                                            <p:cond delay="0"/>
+                                          </p:stCondLst>
+                                        </p:cTn>
+                                        <p:tgtEl>
+                                          <p:spTgt spid="6">
+                                            <p:txEl>
+                                              <p:pRg st="3" end="3"/>
+                                            </p:txEl>
+                                          </p:spTgt>
+                                        </p:tgtEl>
+                                        <p:attrNameLst>
+                                          <p:attrName>style.visibility</p:attrName>
+                                        </p:attrNameLst>
+                                      </p:cBhvr>
+                                      <p:to>
+                                        <p:strVal val="visible"/>
+                                      </p:to>
+                                    </p:set>
+                                  </p:childTnLst>
+                                </p:cTn>
+                              </p:par>
+                              <p:par>
+                                <p:cTn id="41" presetID="1" presetClass="entr" presetSubtype="0" fill="hold" nodeType="withEffect">
+                                  <p:stCondLst>
+                                    <p:cond delay="0"/>
+                                  </p:stCondLst>
+                                  <p:childTnLst>
+                                    <p:set>
+                                      <p:cBhvr>
+                                        <p:cTn id="42" dur="1" fill="hold">
+                                          <p:stCondLst>
+                                            <p:cond delay="0"/>
+                                          </p:stCondLst>
+                                        </p:cTn>
+                                        <p:tgtEl>
+                                          <p:spTgt spid="6">
+                                            <p:txEl>
+                                              <p:pRg st="4" end="4"/>
+                                            </p:txEl>
+                                          </p:spTgt>
+                                        </p:tgtEl>
+                                        <p:attrNameLst>
+                                          <p:attrName>style.visibility</p:attrName>
+                                        </p:attrNameLst>
+                                      </p:cBhvr>
+                                      <p:to>
+                                        <p:strVal val="visible"/>
+                                      </p:to>
+                                    </p:set>
+                                  </p:childTnLst>
+                                </p:cTn>
+                              </p:par>
+                            </p:childTnLst>
+                          </p:cTn>
+                        </p:par>
+                      </p:childTnLst>
+                    </p:cTn>
+                  </p:par>
+                  <p:par>
+                    <p:cTn id="43" fill="hold">
+                      <p:stCondLst>
+                        <p:cond delay="indefinite"/>
+                      </p:stCondLst>
+                      <p:childTnLst>
+                        <p:par>
+                          <p:cTn id="44" fill="hold">
+                            <p:stCondLst>
+                              <p:cond delay="0"/>
+                            </p:stCondLst>
+                            <p:childTnLst>
+                              <p:par>
+                                <p:cTn id="45" presetID="1" presetClass="entr" presetSubtype="0" fill="hold" nodeType="clickEffect">
+                                  <p:stCondLst>
+                                    <p:cond delay="0"/>
+                                  </p:stCondLst>
+                                  <p:childTnLst>
+                                    <p:set>
+                                      <p:cBhvr>
+                                        <p:cTn id="46" dur="1" fill="hold">
+                                          <p:stCondLst>
+                                            <p:cond delay="0"/>
+                                          </p:stCondLst>
+                                        </p:cTn>
+                                        <p:tgtEl>
+                                          <p:spTgt spid="6">
+                                            <p:txEl>
+                                              <p:pRg st="5" end="5"/>
+                                            </p:txEl>
+                                          </p:spTgt>
+                                        </p:tgtEl>
+                                        <p:attrNameLst>
+                                          <p:attrName>style.visibility</p:attrName>
+                                        </p:attrNameLst>
+                                      </p:cBhvr>
+                                      <p:to>
+                                        <p:strVal val="visible"/>
+                                      </p:to>
+                                    </p:set>
+                                  </p:childTnLst>
+                                </p:cTn>
+                              </p:par>
+                            </p:childTnLst>
+                          </p:cTn>
+                        </p:par>
+                      </p:childTnLst>
+                    </p:cTn>
+                  </p:par>
+                </p:childTnLst>
+              </p:cTn>
+              <p:prevCondLst>
+                <p:cond evt="onPrev" delay="0">
+                  <p:tgtEl>
+                    <p:sldTgt/>
+                  </p:tgtEl>
+                </p:cond>
+              </p:prevCondLst>
+              <p:nextCondLst>
+                <p:cond evt="onNext" delay="0">
+                  <p:tgtEl>
+                    <p:sldTgt/>
+                  </p:tgtEl>
+                </p:cond>
+              </p:nextCondLst>
+            </p:seq>
+          </p:childTnLst>
+        </p:cTn>
+      </p:par>
+    </p:tnLst>
+  </p:timing>
 </p:sld>
 </file>
 
@@ -4247,7 +4923,19 @@
           <a:p>
             <a:r>
               <a:rPr lang="en-US" dirty="0"/>
-              <a:t>1.4 – The For Statement</a:t>
+              <a:t>1.4 – The </a:t>
+            </a:r>
+            <a:r>
+              <a:rPr lang="en-US" sz="3000" dirty="0">
+                <a:latin typeface="Menlo" panose="020B0609030804020204" pitchFamily="49" charset="0"/>
+                <a:ea typeface="Menlo" panose="020B0609030804020204" pitchFamily="49" charset="0"/>
+                <a:cs typeface="Menlo" panose="020B0609030804020204" pitchFamily="49" charset="0"/>
+              </a:rPr>
+              <a:t>for</a:t>
+            </a:r>
+            <a:r>
+              <a:rPr lang="en-US" dirty="0"/>
+              <a:t> Statement</a:t>
             </a:r>
           </a:p>
         </p:txBody>
@@ -4279,8 +4967,16 @@
           <a:lstStyle/>
           <a:p>
             <a:r>
+              <a:rPr lang="en-US" dirty="0">
+                <a:latin typeface="Menlo" panose="020B0609030804020204" pitchFamily="49" charset="0"/>
+                <a:ea typeface="Menlo" panose="020B0609030804020204" pitchFamily="49" charset="0"/>
+                <a:cs typeface="Menlo" panose="020B0609030804020204" pitchFamily="49" charset="0"/>
+              </a:rPr>
+              <a:t>for</a:t>
+            </a:r>
+            <a:r>
               <a:rPr lang="en-US" dirty="0"/>
-              <a:t>”header”</a:t>
+              <a:t> ”header”</a:t>
             </a:r>
           </a:p>
           <a:p>
@@ -4972,6 +5668,475 @@
   <p:clrMapOvr>
     <a:masterClrMapping/>
   </p:clrMapOvr>
+  <p:timing>
+    <p:tnLst>
+      <p:par>
+        <p:cTn id="1" dur="indefinite" restart="never" nodeType="tmRoot">
+          <p:childTnLst>
+            <p:seq concurrent="1" nextAc="seek">
+              <p:cTn id="2" dur="indefinite" nodeType="mainSeq">
+                <p:childTnLst>
+                  <p:par>
+                    <p:cTn id="3" fill="hold">
+                      <p:stCondLst>
+                        <p:cond delay="indefinite"/>
+                      </p:stCondLst>
+                      <p:childTnLst>
+                        <p:par>
+                          <p:cTn id="4" fill="hold">
+                            <p:stCondLst>
+                              <p:cond delay="0"/>
+                            </p:stCondLst>
+                            <p:childTnLst>
+                              <p:par>
+                                <p:cTn id="5" presetID="1" presetClass="entr" presetSubtype="0" fill="hold" nodeType="clickEffect">
+                                  <p:stCondLst>
+                                    <p:cond delay="0"/>
+                                  </p:stCondLst>
+                                  <p:childTnLst>
+                                    <p:set>
+                                      <p:cBhvr>
+                                        <p:cTn id="6" dur="1" fill="hold">
+                                          <p:stCondLst>
+                                            <p:cond delay="0"/>
+                                          </p:stCondLst>
+                                        </p:cTn>
+                                        <p:tgtEl>
+                                          <p:spTgt spid="3">
+                                            <p:txEl>
+                                              <p:pRg st="0" end="0"/>
+                                            </p:txEl>
+                                          </p:spTgt>
+                                        </p:tgtEl>
+                                        <p:attrNameLst>
+                                          <p:attrName>style.visibility</p:attrName>
+                                        </p:attrNameLst>
+                                      </p:cBhvr>
+                                      <p:to>
+                                        <p:strVal val="visible"/>
+                                      </p:to>
+                                    </p:set>
+                                  </p:childTnLst>
+                                </p:cTn>
+                              </p:par>
+                              <p:par>
+                                <p:cTn id="7" presetID="1" presetClass="entr" presetSubtype="0" fill="hold" nodeType="withEffect">
+                                  <p:stCondLst>
+                                    <p:cond delay="0"/>
+                                  </p:stCondLst>
+                                  <p:childTnLst>
+                                    <p:set>
+                                      <p:cBhvr>
+                                        <p:cTn id="8" dur="1" fill="hold">
+                                          <p:stCondLst>
+                                            <p:cond delay="0"/>
+                                          </p:stCondLst>
+                                        </p:cTn>
+                                        <p:tgtEl>
+                                          <p:spTgt spid="3">
+                                            <p:txEl>
+                                              <p:pRg st="1" end="1"/>
+                                            </p:txEl>
+                                          </p:spTgt>
+                                        </p:tgtEl>
+                                        <p:attrNameLst>
+                                          <p:attrName>style.visibility</p:attrName>
+                                        </p:attrNameLst>
+                                      </p:cBhvr>
+                                      <p:to>
+                                        <p:strVal val="visible"/>
+                                      </p:to>
+                                    </p:set>
+                                  </p:childTnLst>
+                                </p:cTn>
+                              </p:par>
+                              <p:par>
+                                <p:cTn id="9" presetID="1" presetClass="entr" presetSubtype="0" fill="hold" nodeType="withEffect">
+                                  <p:stCondLst>
+                                    <p:cond delay="0"/>
+                                  </p:stCondLst>
+                                  <p:childTnLst>
+                                    <p:set>
+                                      <p:cBhvr>
+                                        <p:cTn id="10" dur="1" fill="hold">
+                                          <p:stCondLst>
+                                            <p:cond delay="0"/>
+                                          </p:stCondLst>
+                                        </p:cTn>
+                                        <p:tgtEl>
+                                          <p:spTgt spid="3">
+                                            <p:txEl>
+                                              <p:pRg st="2" end="2"/>
+                                            </p:txEl>
+                                          </p:spTgt>
+                                        </p:tgtEl>
+                                        <p:attrNameLst>
+                                          <p:attrName>style.visibility</p:attrName>
+                                        </p:attrNameLst>
+                                      </p:cBhvr>
+                                      <p:to>
+                                        <p:strVal val="visible"/>
+                                      </p:to>
+                                    </p:set>
+                                  </p:childTnLst>
+                                </p:cTn>
+                              </p:par>
+                              <p:par>
+                                <p:cTn id="11" presetID="1" presetClass="entr" presetSubtype="0" fill="hold" nodeType="withEffect">
+                                  <p:stCondLst>
+                                    <p:cond delay="0"/>
+                                  </p:stCondLst>
+                                  <p:childTnLst>
+                                    <p:set>
+                                      <p:cBhvr>
+                                        <p:cTn id="12" dur="1" fill="hold">
+                                          <p:stCondLst>
+                                            <p:cond delay="0"/>
+                                          </p:stCondLst>
+                                        </p:cTn>
+                                        <p:tgtEl>
+                                          <p:spTgt spid="3">
+                                            <p:txEl>
+                                              <p:pRg st="3" end="3"/>
+                                            </p:txEl>
+                                          </p:spTgt>
+                                        </p:tgtEl>
+                                        <p:attrNameLst>
+                                          <p:attrName>style.visibility</p:attrName>
+                                        </p:attrNameLst>
+                                      </p:cBhvr>
+                                      <p:to>
+                                        <p:strVal val="visible"/>
+                                      </p:to>
+                                    </p:set>
+                                  </p:childTnLst>
+                                </p:cTn>
+                              </p:par>
+                            </p:childTnLst>
+                          </p:cTn>
+                        </p:par>
+                      </p:childTnLst>
+                    </p:cTn>
+                  </p:par>
+                  <p:par>
+                    <p:cTn id="13" fill="hold">
+                      <p:stCondLst>
+                        <p:cond delay="indefinite"/>
+                      </p:stCondLst>
+                      <p:childTnLst>
+                        <p:par>
+                          <p:cTn id="14" fill="hold">
+                            <p:stCondLst>
+                              <p:cond delay="0"/>
+                            </p:stCondLst>
+                            <p:childTnLst>
+                              <p:par>
+                                <p:cTn id="15" presetID="1" presetClass="entr" presetSubtype="0" fill="hold" nodeType="clickEffect">
+                                  <p:stCondLst>
+                                    <p:cond delay="0"/>
+                                  </p:stCondLst>
+                                  <p:childTnLst>
+                                    <p:set>
+                                      <p:cBhvr>
+                                        <p:cTn id="16" dur="1" fill="hold">
+                                          <p:stCondLst>
+                                            <p:cond delay="0"/>
+                                          </p:stCondLst>
+                                        </p:cTn>
+                                        <p:tgtEl>
+                                          <p:spTgt spid="4">
+                                            <p:txEl>
+                                              <p:pRg st="0" end="0"/>
+                                            </p:txEl>
+                                          </p:spTgt>
+                                        </p:tgtEl>
+                                        <p:attrNameLst>
+                                          <p:attrName>style.visibility</p:attrName>
+                                        </p:attrNameLst>
+                                      </p:cBhvr>
+                                      <p:to>
+                                        <p:strVal val="visible"/>
+                                      </p:to>
+                                    </p:set>
+                                  </p:childTnLst>
+                                </p:cTn>
+                              </p:par>
+                              <p:par>
+                                <p:cTn id="17" presetID="1" presetClass="entr" presetSubtype="0" fill="hold" nodeType="withEffect">
+                                  <p:stCondLst>
+                                    <p:cond delay="0"/>
+                                  </p:stCondLst>
+                                  <p:childTnLst>
+                                    <p:set>
+                                      <p:cBhvr>
+                                        <p:cTn id="18" dur="1" fill="hold">
+                                          <p:stCondLst>
+                                            <p:cond delay="0"/>
+                                          </p:stCondLst>
+                                        </p:cTn>
+                                        <p:tgtEl>
+                                          <p:spTgt spid="4">
+                                            <p:txEl>
+                                              <p:pRg st="1" end="1"/>
+                                            </p:txEl>
+                                          </p:spTgt>
+                                        </p:tgtEl>
+                                        <p:attrNameLst>
+                                          <p:attrName>style.visibility</p:attrName>
+                                        </p:attrNameLst>
+                                      </p:cBhvr>
+                                      <p:to>
+                                        <p:strVal val="visible"/>
+                                      </p:to>
+                                    </p:set>
+                                  </p:childTnLst>
+                                </p:cTn>
+                              </p:par>
+                              <p:par>
+                                <p:cTn id="19" presetID="1" presetClass="entr" presetSubtype="0" fill="hold" nodeType="withEffect">
+                                  <p:stCondLst>
+                                    <p:cond delay="0"/>
+                                  </p:stCondLst>
+                                  <p:childTnLst>
+                                    <p:set>
+                                      <p:cBhvr>
+                                        <p:cTn id="20" dur="1" fill="hold">
+                                          <p:stCondLst>
+                                            <p:cond delay="0"/>
+                                          </p:stCondLst>
+                                        </p:cTn>
+                                        <p:tgtEl>
+                                          <p:spTgt spid="4">
+                                            <p:txEl>
+                                              <p:pRg st="2" end="2"/>
+                                            </p:txEl>
+                                          </p:spTgt>
+                                        </p:tgtEl>
+                                        <p:attrNameLst>
+                                          <p:attrName>style.visibility</p:attrName>
+                                        </p:attrNameLst>
+                                      </p:cBhvr>
+                                      <p:to>
+                                        <p:strVal val="visible"/>
+                                      </p:to>
+                                    </p:set>
+                                  </p:childTnLst>
+                                </p:cTn>
+                              </p:par>
+                              <p:par>
+                                <p:cTn id="21" presetID="1" presetClass="entr" presetSubtype="0" fill="hold" nodeType="withEffect">
+                                  <p:stCondLst>
+                                    <p:cond delay="0"/>
+                                  </p:stCondLst>
+                                  <p:childTnLst>
+                                    <p:set>
+                                      <p:cBhvr>
+                                        <p:cTn id="22" dur="1" fill="hold">
+                                          <p:stCondLst>
+                                            <p:cond delay="0"/>
+                                          </p:stCondLst>
+                                        </p:cTn>
+                                        <p:tgtEl>
+                                          <p:spTgt spid="4">
+                                            <p:txEl>
+                                              <p:pRg st="3" end="3"/>
+                                            </p:txEl>
+                                          </p:spTgt>
+                                        </p:tgtEl>
+                                        <p:attrNameLst>
+                                          <p:attrName>style.visibility</p:attrName>
+                                        </p:attrNameLst>
+                                      </p:cBhvr>
+                                      <p:to>
+                                        <p:strVal val="visible"/>
+                                      </p:to>
+                                    </p:set>
+                                  </p:childTnLst>
+                                </p:cTn>
+                              </p:par>
+                              <p:par>
+                                <p:cTn id="23" presetID="1" presetClass="entr" presetSubtype="0" fill="hold" nodeType="withEffect">
+                                  <p:stCondLst>
+                                    <p:cond delay="0"/>
+                                  </p:stCondLst>
+                                  <p:childTnLst>
+                                    <p:set>
+                                      <p:cBhvr>
+                                        <p:cTn id="24" dur="1" fill="hold">
+                                          <p:stCondLst>
+                                            <p:cond delay="0"/>
+                                          </p:stCondLst>
+                                        </p:cTn>
+                                        <p:tgtEl>
+                                          <p:spTgt spid="4">
+                                            <p:txEl>
+                                              <p:pRg st="4" end="4"/>
+                                            </p:txEl>
+                                          </p:spTgt>
+                                        </p:tgtEl>
+                                        <p:attrNameLst>
+                                          <p:attrName>style.visibility</p:attrName>
+                                        </p:attrNameLst>
+                                      </p:cBhvr>
+                                      <p:to>
+                                        <p:strVal val="visible"/>
+                                      </p:to>
+                                    </p:set>
+                                  </p:childTnLst>
+                                </p:cTn>
+                              </p:par>
+                              <p:par>
+                                <p:cTn id="25" presetID="1" presetClass="entr" presetSubtype="0" fill="hold" nodeType="withEffect">
+                                  <p:stCondLst>
+                                    <p:cond delay="0"/>
+                                  </p:stCondLst>
+                                  <p:childTnLst>
+                                    <p:set>
+                                      <p:cBhvr>
+                                        <p:cTn id="26" dur="1" fill="hold">
+                                          <p:stCondLst>
+                                            <p:cond delay="0"/>
+                                          </p:stCondLst>
+                                        </p:cTn>
+                                        <p:tgtEl>
+                                          <p:spTgt spid="4">
+                                            <p:txEl>
+                                              <p:pRg st="5" end="5"/>
+                                            </p:txEl>
+                                          </p:spTgt>
+                                        </p:tgtEl>
+                                        <p:attrNameLst>
+                                          <p:attrName>style.visibility</p:attrName>
+                                        </p:attrNameLst>
+                                      </p:cBhvr>
+                                      <p:to>
+                                        <p:strVal val="visible"/>
+                                      </p:to>
+                                    </p:set>
+                                  </p:childTnLst>
+                                </p:cTn>
+                              </p:par>
+                              <p:par>
+                                <p:cTn id="27" presetID="1" presetClass="entr" presetSubtype="0" fill="hold" nodeType="withEffect">
+                                  <p:stCondLst>
+                                    <p:cond delay="0"/>
+                                  </p:stCondLst>
+                                  <p:childTnLst>
+                                    <p:set>
+                                      <p:cBhvr>
+                                        <p:cTn id="28" dur="1" fill="hold">
+                                          <p:stCondLst>
+                                            <p:cond delay="0"/>
+                                          </p:stCondLst>
+                                        </p:cTn>
+                                        <p:tgtEl>
+                                          <p:spTgt spid="4">
+                                            <p:txEl>
+                                              <p:pRg st="6" end="6"/>
+                                            </p:txEl>
+                                          </p:spTgt>
+                                        </p:tgtEl>
+                                        <p:attrNameLst>
+                                          <p:attrName>style.visibility</p:attrName>
+                                        </p:attrNameLst>
+                                      </p:cBhvr>
+                                      <p:to>
+                                        <p:strVal val="visible"/>
+                                      </p:to>
+                                    </p:set>
+                                  </p:childTnLst>
+                                </p:cTn>
+                              </p:par>
+                              <p:par>
+                                <p:cTn id="29" presetID="1" presetClass="entr" presetSubtype="0" fill="hold" nodeType="withEffect">
+                                  <p:stCondLst>
+                                    <p:cond delay="0"/>
+                                  </p:stCondLst>
+                                  <p:childTnLst>
+                                    <p:set>
+                                      <p:cBhvr>
+                                        <p:cTn id="30" dur="1" fill="hold">
+                                          <p:stCondLst>
+                                            <p:cond delay="0"/>
+                                          </p:stCondLst>
+                                        </p:cTn>
+                                        <p:tgtEl>
+                                          <p:spTgt spid="4">
+                                            <p:txEl>
+                                              <p:pRg st="7" end="7"/>
+                                            </p:txEl>
+                                          </p:spTgt>
+                                        </p:tgtEl>
+                                        <p:attrNameLst>
+                                          <p:attrName>style.visibility</p:attrName>
+                                        </p:attrNameLst>
+                                      </p:cBhvr>
+                                      <p:to>
+                                        <p:strVal val="visible"/>
+                                      </p:to>
+                                    </p:set>
+                                  </p:childTnLst>
+                                </p:cTn>
+                              </p:par>
+                              <p:par>
+                                <p:cTn id="31" presetID="1" presetClass="entr" presetSubtype="0" fill="hold" nodeType="withEffect">
+                                  <p:stCondLst>
+                                    <p:cond delay="0"/>
+                                  </p:stCondLst>
+                                  <p:childTnLst>
+                                    <p:set>
+                                      <p:cBhvr>
+                                        <p:cTn id="32" dur="1" fill="hold">
+                                          <p:stCondLst>
+                                            <p:cond delay="0"/>
+                                          </p:stCondLst>
+                                        </p:cTn>
+                                        <p:tgtEl>
+                                          <p:spTgt spid="4">
+                                            <p:txEl>
+                                              <p:pRg st="8" end="8"/>
+                                            </p:txEl>
+                                          </p:spTgt>
+                                        </p:tgtEl>
+                                        <p:attrNameLst>
+                                          <p:attrName>style.visibility</p:attrName>
+                                        </p:attrNameLst>
+                                      </p:cBhvr>
+                                      <p:to>
+                                        <p:strVal val="visible"/>
+                                      </p:to>
+                                    </p:set>
+                                  </p:childTnLst>
+                                </p:cTn>
+                              </p:par>
+                            </p:childTnLst>
+                          </p:cTn>
+                        </p:par>
+                      </p:childTnLst>
+                    </p:cTn>
+                  </p:par>
+                </p:childTnLst>
+              </p:cTn>
+              <p:prevCondLst>
+                <p:cond evt="onPrev" delay="0">
+                  <p:tgtEl>
+                    <p:sldTgt/>
+                  </p:tgtEl>
+                </p:cond>
+              </p:prevCondLst>
+              <p:nextCondLst>
+                <p:cond evt="onNext" delay="0">
+                  <p:tgtEl>
+                    <p:sldTgt/>
+                  </p:tgtEl>
+                </p:cond>
+              </p:nextCondLst>
+            </p:seq>
+          </p:childTnLst>
+        </p:cTn>
+      </p:par>
+    </p:tnLst>
+  </p:timing>
 </p:sld>
 </file>
 
@@ -5722,6 +6887,506 @@
   <p:clrMapOvr>
     <a:masterClrMapping/>
   </p:clrMapOvr>
+  <p:timing>
+    <p:tnLst>
+      <p:par>
+        <p:cTn id="1" dur="indefinite" restart="never" nodeType="tmRoot">
+          <p:childTnLst>
+            <p:seq concurrent="1" nextAc="seek">
+              <p:cTn id="2" dur="indefinite" nodeType="mainSeq">
+                <p:childTnLst>
+                  <p:par>
+                    <p:cTn id="3" fill="hold">
+                      <p:stCondLst>
+                        <p:cond delay="indefinite"/>
+                      </p:stCondLst>
+                      <p:childTnLst>
+                        <p:par>
+                          <p:cTn id="4" fill="hold">
+                            <p:stCondLst>
+                              <p:cond delay="0"/>
+                            </p:stCondLst>
+                            <p:childTnLst>
+                              <p:par>
+                                <p:cTn id="5" presetID="1" presetClass="entr" presetSubtype="0" fill="hold" nodeType="clickEffect">
+                                  <p:stCondLst>
+                                    <p:cond delay="0"/>
+                                  </p:stCondLst>
+                                  <p:childTnLst>
+                                    <p:set>
+                                      <p:cBhvr>
+                                        <p:cTn id="6" dur="1" fill="hold">
+                                          <p:stCondLst>
+                                            <p:cond delay="0"/>
+                                          </p:stCondLst>
+                                        </p:cTn>
+                                        <p:tgtEl>
+                                          <p:spTgt spid="3">
+                                            <p:txEl>
+                                              <p:pRg st="0" end="0"/>
+                                            </p:txEl>
+                                          </p:spTgt>
+                                        </p:tgtEl>
+                                        <p:attrNameLst>
+                                          <p:attrName>style.visibility</p:attrName>
+                                        </p:attrNameLst>
+                                      </p:cBhvr>
+                                      <p:to>
+                                        <p:strVal val="visible"/>
+                                      </p:to>
+                                    </p:set>
+                                  </p:childTnLst>
+                                </p:cTn>
+                              </p:par>
+                              <p:par>
+                                <p:cTn id="7" presetID="1" presetClass="entr" presetSubtype="0" fill="hold" nodeType="withEffect">
+                                  <p:stCondLst>
+                                    <p:cond delay="0"/>
+                                  </p:stCondLst>
+                                  <p:childTnLst>
+                                    <p:set>
+                                      <p:cBhvr>
+                                        <p:cTn id="8" dur="1" fill="hold">
+                                          <p:stCondLst>
+                                            <p:cond delay="0"/>
+                                          </p:stCondLst>
+                                        </p:cTn>
+                                        <p:tgtEl>
+                                          <p:spTgt spid="3">
+                                            <p:txEl>
+                                              <p:pRg st="1" end="1"/>
+                                            </p:txEl>
+                                          </p:spTgt>
+                                        </p:tgtEl>
+                                        <p:attrNameLst>
+                                          <p:attrName>style.visibility</p:attrName>
+                                        </p:attrNameLst>
+                                      </p:cBhvr>
+                                      <p:to>
+                                        <p:strVal val="visible"/>
+                                      </p:to>
+                                    </p:set>
+                                  </p:childTnLst>
+                                </p:cTn>
+                              </p:par>
+                              <p:par>
+                                <p:cTn id="9" presetID="1" presetClass="entr" presetSubtype="0" fill="hold" nodeType="withEffect">
+                                  <p:stCondLst>
+                                    <p:cond delay="0"/>
+                                  </p:stCondLst>
+                                  <p:childTnLst>
+                                    <p:set>
+                                      <p:cBhvr>
+                                        <p:cTn id="10" dur="1" fill="hold">
+                                          <p:stCondLst>
+                                            <p:cond delay="0"/>
+                                          </p:stCondLst>
+                                        </p:cTn>
+                                        <p:tgtEl>
+                                          <p:spTgt spid="3">
+                                            <p:txEl>
+                                              <p:pRg st="2" end="2"/>
+                                            </p:txEl>
+                                          </p:spTgt>
+                                        </p:tgtEl>
+                                        <p:attrNameLst>
+                                          <p:attrName>style.visibility</p:attrName>
+                                        </p:attrNameLst>
+                                      </p:cBhvr>
+                                      <p:to>
+                                        <p:strVal val="visible"/>
+                                      </p:to>
+                                    </p:set>
+                                  </p:childTnLst>
+                                </p:cTn>
+                              </p:par>
+                              <p:par>
+                                <p:cTn id="11" presetID="1" presetClass="entr" presetSubtype="0" fill="hold" nodeType="withEffect">
+                                  <p:stCondLst>
+                                    <p:cond delay="0"/>
+                                  </p:stCondLst>
+                                  <p:childTnLst>
+                                    <p:set>
+                                      <p:cBhvr>
+                                        <p:cTn id="12" dur="1" fill="hold">
+                                          <p:stCondLst>
+                                            <p:cond delay="0"/>
+                                          </p:stCondLst>
+                                        </p:cTn>
+                                        <p:tgtEl>
+                                          <p:spTgt spid="3">
+                                            <p:txEl>
+                                              <p:pRg st="3" end="3"/>
+                                            </p:txEl>
+                                          </p:spTgt>
+                                        </p:tgtEl>
+                                        <p:attrNameLst>
+                                          <p:attrName>style.visibility</p:attrName>
+                                        </p:attrNameLst>
+                                      </p:cBhvr>
+                                      <p:to>
+                                        <p:strVal val="visible"/>
+                                      </p:to>
+                                    </p:set>
+                                  </p:childTnLst>
+                                </p:cTn>
+                              </p:par>
+                            </p:childTnLst>
+                          </p:cTn>
+                        </p:par>
+                      </p:childTnLst>
+                    </p:cTn>
+                  </p:par>
+                  <p:par>
+                    <p:cTn id="13" fill="hold">
+                      <p:stCondLst>
+                        <p:cond delay="indefinite"/>
+                      </p:stCondLst>
+                      <p:childTnLst>
+                        <p:par>
+                          <p:cTn id="14" fill="hold">
+                            <p:stCondLst>
+                              <p:cond delay="0"/>
+                            </p:stCondLst>
+                            <p:childTnLst>
+                              <p:par>
+                                <p:cTn id="15" presetID="1" presetClass="entr" presetSubtype="0" fill="hold" nodeType="clickEffect">
+                                  <p:stCondLst>
+                                    <p:cond delay="0"/>
+                                  </p:stCondLst>
+                                  <p:childTnLst>
+                                    <p:set>
+                                      <p:cBhvr>
+                                        <p:cTn id="16" dur="1" fill="hold">
+                                          <p:stCondLst>
+                                            <p:cond delay="0"/>
+                                          </p:stCondLst>
+                                        </p:cTn>
+                                        <p:tgtEl>
+                                          <p:spTgt spid="4">
+                                            <p:txEl>
+                                              <p:pRg st="0" end="0"/>
+                                            </p:txEl>
+                                          </p:spTgt>
+                                        </p:tgtEl>
+                                        <p:attrNameLst>
+                                          <p:attrName>style.visibility</p:attrName>
+                                        </p:attrNameLst>
+                                      </p:cBhvr>
+                                      <p:to>
+                                        <p:strVal val="visible"/>
+                                      </p:to>
+                                    </p:set>
+                                  </p:childTnLst>
+                                </p:cTn>
+                              </p:par>
+                              <p:par>
+                                <p:cTn id="17" presetID="1" presetClass="entr" presetSubtype="0" fill="hold" nodeType="withEffect">
+                                  <p:stCondLst>
+                                    <p:cond delay="0"/>
+                                  </p:stCondLst>
+                                  <p:childTnLst>
+                                    <p:set>
+                                      <p:cBhvr>
+                                        <p:cTn id="18" dur="1" fill="hold">
+                                          <p:stCondLst>
+                                            <p:cond delay="0"/>
+                                          </p:stCondLst>
+                                        </p:cTn>
+                                        <p:tgtEl>
+                                          <p:spTgt spid="4">
+                                            <p:txEl>
+                                              <p:pRg st="1" end="1"/>
+                                            </p:txEl>
+                                          </p:spTgt>
+                                        </p:tgtEl>
+                                        <p:attrNameLst>
+                                          <p:attrName>style.visibility</p:attrName>
+                                        </p:attrNameLst>
+                                      </p:cBhvr>
+                                      <p:to>
+                                        <p:strVal val="visible"/>
+                                      </p:to>
+                                    </p:set>
+                                  </p:childTnLst>
+                                </p:cTn>
+                              </p:par>
+                              <p:par>
+                                <p:cTn id="19" presetID="1" presetClass="entr" presetSubtype="0" fill="hold" nodeType="withEffect">
+                                  <p:stCondLst>
+                                    <p:cond delay="0"/>
+                                  </p:stCondLst>
+                                  <p:childTnLst>
+                                    <p:set>
+                                      <p:cBhvr>
+                                        <p:cTn id="20" dur="1" fill="hold">
+                                          <p:stCondLst>
+                                            <p:cond delay="0"/>
+                                          </p:stCondLst>
+                                        </p:cTn>
+                                        <p:tgtEl>
+                                          <p:spTgt spid="4">
+                                            <p:txEl>
+                                              <p:pRg st="2" end="2"/>
+                                            </p:txEl>
+                                          </p:spTgt>
+                                        </p:tgtEl>
+                                        <p:attrNameLst>
+                                          <p:attrName>style.visibility</p:attrName>
+                                        </p:attrNameLst>
+                                      </p:cBhvr>
+                                      <p:to>
+                                        <p:strVal val="visible"/>
+                                      </p:to>
+                                    </p:set>
+                                  </p:childTnLst>
+                                </p:cTn>
+                              </p:par>
+                              <p:par>
+                                <p:cTn id="21" presetID="1" presetClass="entr" presetSubtype="0" fill="hold" nodeType="withEffect">
+                                  <p:stCondLst>
+                                    <p:cond delay="0"/>
+                                  </p:stCondLst>
+                                  <p:childTnLst>
+                                    <p:set>
+                                      <p:cBhvr>
+                                        <p:cTn id="22" dur="1" fill="hold">
+                                          <p:stCondLst>
+                                            <p:cond delay="0"/>
+                                          </p:stCondLst>
+                                        </p:cTn>
+                                        <p:tgtEl>
+                                          <p:spTgt spid="4">
+                                            <p:txEl>
+                                              <p:pRg st="3" end="3"/>
+                                            </p:txEl>
+                                          </p:spTgt>
+                                        </p:tgtEl>
+                                        <p:attrNameLst>
+                                          <p:attrName>style.visibility</p:attrName>
+                                        </p:attrNameLst>
+                                      </p:cBhvr>
+                                      <p:to>
+                                        <p:strVal val="visible"/>
+                                      </p:to>
+                                    </p:set>
+                                  </p:childTnLst>
+                                </p:cTn>
+                              </p:par>
+                              <p:par>
+                                <p:cTn id="23" presetID="1" presetClass="entr" presetSubtype="0" fill="hold" nodeType="withEffect">
+                                  <p:stCondLst>
+                                    <p:cond delay="0"/>
+                                  </p:stCondLst>
+                                  <p:childTnLst>
+                                    <p:set>
+                                      <p:cBhvr>
+                                        <p:cTn id="24" dur="1" fill="hold">
+                                          <p:stCondLst>
+                                            <p:cond delay="0"/>
+                                          </p:stCondLst>
+                                        </p:cTn>
+                                        <p:tgtEl>
+                                          <p:spTgt spid="4">
+                                            <p:txEl>
+                                              <p:pRg st="4" end="4"/>
+                                            </p:txEl>
+                                          </p:spTgt>
+                                        </p:tgtEl>
+                                        <p:attrNameLst>
+                                          <p:attrName>style.visibility</p:attrName>
+                                        </p:attrNameLst>
+                                      </p:cBhvr>
+                                      <p:to>
+                                        <p:strVal val="visible"/>
+                                      </p:to>
+                                    </p:set>
+                                  </p:childTnLst>
+                                </p:cTn>
+                              </p:par>
+                              <p:par>
+                                <p:cTn id="25" presetID="1" presetClass="entr" presetSubtype="0" fill="hold" nodeType="withEffect">
+                                  <p:stCondLst>
+                                    <p:cond delay="0"/>
+                                  </p:stCondLst>
+                                  <p:childTnLst>
+                                    <p:set>
+                                      <p:cBhvr>
+                                        <p:cTn id="26" dur="1" fill="hold">
+                                          <p:stCondLst>
+                                            <p:cond delay="0"/>
+                                          </p:stCondLst>
+                                        </p:cTn>
+                                        <p:tgtEl>
+                                          <p:spTgt spid="4">
+                                            <p:txEl>
+                                              <p:pRg st="5" end="5"/>
+                                            </p:txEl>
+                                          </p:spTgt>
+                                        </p:tgtEl>
+                                        <p:attrNameLst>
+                                          <p:attrName>style.visibility</p:attrName>
+                                        </p:attrNameLst>
+                                      </p:cBhvr>
+                                      <p:to>
+                                        <p:strVal val="visible"/>
+                                      </p:to>
+                                    </p:set>
+                                  </p:childTnLst>
+                                </p:cTn>
+                              </p:par>
+                              <p:par>
+                                <p:cTn id="27" presetID="1" presetClass="entr" presetSubtype="0" fill="hold" nodeType="withEffect">
+                                  <p:stCondLst>
+                                    <p:cond delay="0"/>
+                                  </p:stCondLst>
+                                  <p:childTnLst>
+                                    <p:set>
+                                      <p:cBhvr>
+                                        <p:cTn id="28" dur="1" fill="hold">
+                                          <p:stCondLst>
+                                            <p:cond delay="0"/>
+                                          </p:stCondLst>
+                                        </p:cTn>
+                                        <p:tgtEl>
+                                          <p:spTgt spid="4">
+                                            <p:txEl>
+                                              <p:pRg st="6" end="6"/>
+                                            </p:txEl>
+                                          </p:spTgt>
+                                        </p:tgtEl>
+                                        <p:attrNameLst>
+                                          <p:attrName>style.visibility</p:attrName>
+                                        </p:attrNameLst>
+                                      </p:cBhvr>
+                                      <p:to>
+                                        <p:strVal val="visible"/>
+                                      </p:to>
+                                    </p:set>
+                                  </p:childTnLst>
+                                </p:cTn>
+                              </p:par>
+                              <p:par>
+                                <p:cTn id="29" presetID="1" presetClass="entr" presetSubtype="0" fill="hold" nodeType="withEffect">
+                                  <p:stCondLst>
+                                    <p:cond delay="0"/>
+                                  </p:stCondLst>
+                                  <p:childTnLst>
+                                    <p:set>
+                                      <p:cBhvr>
+                                        <p:cTn id="30" dur="1" fill="hold">
+                                          <p:stCondLst>
+                                            <p:cond delay="0"/>
+                                          </p:stCondLst>
+                                        </p:cTn>
+                                        <p:tgtEl>
+                                          <p:spTgt spid="4">
+                                            <p:txEl>
+                                              <p:pRg st="7" end="7"/>
+                                            </p:txEl>
+                                          </p:spTgt>
+                                        </p:tgtEl>
+                                        <p:attrNameLst>
+                                          <p:attrName>style.visibility</p:attrName>
+                                        </p:attrNameLst>
+                                      </p:cBhvr>
+                                      <p:to>
+                                        <p:strVal val="visible"/>
+                                      </p:to>
+                                    </p:set>
+                                  </p:childTnLst>
+                                </p:cTn>
+                              </p:par>
+                              <p:par>
+                                <p:cTn id="31" presetID="1" presetClass="entr" presetSubtype="0" fill="hold" nodeType="withEffect">
+                                  <p:stCondLst>
+                                    <p:cond delay="0"/>
+                                  </p:stCondLst>
+                                  <p:childTnLst>
+                                    <p:set>
+                                      <p:cBhvr>
+                                        <p:cTn id="32" dur="1" fill="hold">
+                                          <p:stCondLst>
+                                            <p:cond delay="0"/>
+                                          </p:stCondLst>
+                                        </p:cTn>
+                                        <p:tgtEl>
+                                          <p:spTgt spid="4">
+                                            <p:txEl>
+                                              <p:pRg st="8" end="8"/>
+                                            </p:txEl>
+                                          </p:spTgt>
+                                        </p:tgtEl>
+                                        <p:attrNameLst>
+                                          <p:attrName>style.visibility</p:attrName>
+                                        </p:attrNameLst>
+                                      </p:cBhvr>
+                                      <p:to>
+                                        <p:strVal val="visible"/>
+                                      </p:to>
+                                    </p:set>
+                                  </p:childTnLst>
+                                </p:cTn>
+                              </p:par>
+                              <p:par>
+                                <p:cTn id="33" presetID="1" presetClass="entr" presetSubtype="0" fill="hold" nodeType="withEffect">
+                                  <p:stCondLst>
+                                    <p:cond delay="0"/>
+                                  </p:stCondLst>
+                                  <p:childTnLst>
+                                    <p:set>
+                                      <p:cBhvr>
+                                        <p:cTn id="34" dur="1" fill="hold">
+                                          <p:stCondLst>
+                                            <p:cond delay="0"/>
+                                          </p:stCondLst>
+                                        </p:cTn>
+                                        <p:tgtEl>
+                                          <p:spTgt spid="4">
+                                            <p:txEl>
+                                              <p:pRg st="9" end="9"/>
+                                            </p:txEl>
+                                          </p:spTgt>
+                                        </p:tgtEl>
+                                        <p:attrNameLst>
+                                          <p:attrName>style.visibility</p:attrName>
+                                        </p:attrNameLst>
+                                      </p:cBhvr>
+                                      <p:to>
+                                        <p:strVal val="visible"/>
+                                      </p:to>
+                                    </p:set>
+                                  </p:childTnLst>
+                                </p:cTn>
+                              </p:par>
+                            </p:childTnLst>
+                          </p:cTn>
+                        </p:par>
+                      </p:childTnLst>
+                    </p:cTn>
+                  </p:par>
+                </p:childTnLst>
+              </p:cTn>
+              <p:prevCondLst>
+                <p:cond evt="onPrev" delay="0">
+                  <p:tgtEl>
+                    <p:sldTgt/>
+                  </p:tgtEl>
+                </p:cond>
+              </p:prevCondLst>
+              <p:nextCondLst>
+                <p:cond evt="onNext" delay="0">
+                  <p:tgtEl>
+                    <p:sldTgt/>
+                  </p:tgtEl>
+                </p:cond>
+              </p:nextCondLst>
+            </p:seq>
+          </p:childTnLst>
+        </p:cTn>
+      </p:par>
+    </p:tnLst>
+  </p:timing>
 </p:sld>
 </file>
 
@@ -5765,7 +7430,19 @@
           <a:p>
             <a:r>
               <a:rPr lang="en-US" dirty="0"/>
-              <a:t>1.4 – The If Statement</a:t>
+              <a:t>1.4 – The </a:t>
+            </a:r>
+            <a:r>
+              <a:rPr lang="en-US" sz="3000" dirty="0">
+                <a:latin typeface="Menlo" panose="020B0609030804020204" pitchFamily="49" charset="0"/>
+                <a:ea typeface="Menlo" panose="020B0609030804020204" pitchFamily="49" charset="0"/>
+                <a:cs typeface="Menlo" panose="020B0609030804020204" pitchFamily="49" charset="0"/>
+              </a:rPr>
+              <a:t>if</a:t>
+            </a:r>
+            <a:r>
+              <a:rPr lang="en-US" dirty="0"/>
+              <a:t> Statement</a:t>
             </a:r>
           </a:p>
         </p:txBody>
@@ -5862,14 +7539,19 @@
               </a:rPr>
               <a:t>#include &lt;iostream&gt;</a:t>
             </a:r>
-            <a:r>
-              <a:rPr lang="en-US" sz="1800" dirty="0">
-                <a:latin typeface="Menlo" panose="020B0609030804020204" pitchFamily="49" charset="0"/>
-                <a:ea typeface="Menlo" panose="020B0609030804020204" pitchFamily="49" charset="0"/>
-                <a:cs typeface="Menlo" panose="020B0609030804020204" pitchFamily="49" charset="0"/>
-              </a:rPr>
-              <a:t> </a:t>
-            </a:r>
+            <a:endParaRPr lang="en-US" sz="1800" dirty="0">
+              <a:latin typeface="Menlo" panose="020B0609030804020204" pitchFamily="49" charset="0"/>
+              <a:ea typeface="Menlo" panose="020B0609030804020204" pitchFamily="49" charset="0"/>
+              <a:cs typeface="Menlo" panose="020B0609030804020204" pitchFamily="49" charset="0"/>
+            </a:endParaRPr>
+          </a:p>
+          <a:p>
+            <a:pPr marL="0" indent="0">
+              <a:spcBef>
+                <a:spcPts val="400"/>
+              </a:spcBef>
+              <a:buNone/>
+            </a:pPr>
             <a:r>
               <a:rPr lang="en-US" sz="1800" b="1" dirty="0">
                 <a:solidFill>
@@ -7221,6 +8903,754 @@
   <p:clrMapOvr>
     <a:masterClrMapping/>
   </p:clrMapOvr>
+  <p:timing>
+    <p:tnLst>
+      <p:par>
+        <p:cTn id="1" dur="indefinite" restart="never" nodeType="tmRoot">
+          <p:childTnLst>
+            <p:seq concurrent="1" nextAc="seek">
+              <p:cTn id="2" dur="indefinite" nodeType="mainSeq">
+                <p:childTnLst>
+                  <p:par>
+                    <p:cTn id="3" fill="hold">
+                      <p:stCondLst>
+                        <p:cond delay="indefinite"/>
+                      </p:stCondLst>
+                      <p:childTnLst>
+                        <p:par>
+                          <p:cTn id="4" fill="hold">
+                            <p:stCondLst>
+                              <p:cond delay="0"/>
+                            </p:stCondLst>
+                            <p:childTnLst>
+                              <p:par>
+                                <p:cTn id="5" presetID="1" presetClass="entr" presetSubtype="0" fill="hold" nodeType="clickEffect">
+                                  <p:stCondLst>
+                                    <p:cond delay="0"/>
+                                  </p:stCondLst>
+                                  <p:childTnLst>
+                                    <p:set>
+                                      <p:cBhvr>
+                                        <p:cTn id="6" dur="1" fill="hold">
+                                          <p:stCondLst>
+                                            <p:cond delay="0"/>
+                                          </p:stCondLst>
+                                        </p:cTn>
+                                        <p:tgtEl>
+                                          <p:spTgt spid="3">
+                                            <p:txEl>
+                                              <p:pRg st="0" end="0"/>
+                                            </p:txEl>
+                                          </p:spTgt>
+                                        </p:tgtEl>
+                                        <p:attrNameLst>
+                                          <p:attrName>style.visibility</p:attrName>
+                                        </p:attrNameLst>
+                                      </p:cBhvr>
+                                      <p:to>
+                                        <p:strVal val="visible"/>
+                                      </p:to>
+                                    </p:set>
+                                  </p:childTnLst>
+                                </p:cTn>
+                              </p:par>
+                              <p:par>
+                                <p:cTn id="7" presetID="1" presetClass="entr" presetSubtype="0" fill="hold" nodeType="withEffect">
+                                  <p:stCondLst>
+                                    <p:cond delay="0"/>
+                                  </p:stCondLst>
+                                  <p:childTnLst>
+                                    <p:set>
+                                      <p:cBhvr>
+                                        <p:cTn id="8" dur="1" fill="hold">
+                                          <p:stCondLst>
+                                            <p:cond delay="0"/>
+                                          </p:stCondLst>
+                                        </p:cTn>
+                                        <p:tgtEl>
+                                          <p:spTgt spid="3">
+                                            <p:txEl>
+                                              <p:pRg st="1" end="1"/>
+                                            </p:txEl>
+                                          </p:spTgt>
+                                        </p:tgtEl>
+                                        <p:attrNameLst>
+                                          <p:attrName>style.visibility</p:attrName>
+                                        </p:attrNameLst>
+                                      </p:cBhvr>
+                                      <p:to>
+                                        <p:strVal val="visible"/>
+                                      </p:to>
+                                    </p:set>
+                                  </p:childTnLst>
+                                </p:cTn>
+                              </p:par>
+                            </p:childTnLst>
+                          </p:cTn>
+                        </p:par>
+                      </p:childTnLst>
+                    </p:cTn>
+                  </p:par>
+                  <p:par>
+                    <p:cTn id="9" fill="hold">
+                      <p:stCondLst>
+                        <p:cond delay="indefinite"/>
+                      </p:stCondLst>
+                      <p:childTnLst>
+                        <p:par>
+                          <p:cTn id="10" fill="hold">
+                            <p:stCondLst>
+                              <p:cond delay="0"/>
+                            </p:stCondLst>
+                            <p:childTnLst>
+                              <p:par>
+                                <p:cTn id="11" presetID="1" presetClass="entr" presetSubtype="0" fill="hold" nodeType="clickEffect">
+                                  <p:stCondLst>
+                                    <p:cond delay="0"/>
+                                  </p:stCondLst>
+                                  <p:childTnLst>
+                                    <p:set>
+                                      <p:cBhvr>
+                                        <p:cTn id="12" dur="1" fill="hold">
+                                          <p:stCondLst>
+                                            <p:cond delay="0"/>
+                                          </p:stCondLst>
+                                        </p:cTn>
+                                        <p:tgtEl>
+                                          <p:spTgt spid="4">
+                                            <p:txEl>
+                                              <p:pRg st="0" end="0"/>
+                                            </p:txEl>
+                                          </p:spTgt>
+                                        </p:tgtEl>
+                                        <p:attrNameLst>
+                                          <p:attrName>style.visibility</p:attrName>
+                                        </p:attrNameLst>
+                                      </p:cBhvr>
+                                      <p:to>
+                                        <p:strVal val="visible"/>
+                                      </p:to>
+                                    </p:set>
+                                  </p:childTnLst>
+                                </p:cTn>
+                              </p:par>
+                              <p:par>
+                                <p:cTn id="13" presetID="1" presetClass="entr" presetSubtype="0" fill="hold" nodeType="withEffect">
+                                  <p:stCondLst>
+                                    <p:cond delay="0"/>
+                                  </p:stCondLst>
+                                  <p:childTnLst>
+                                    <p:set>
+                                      <p:cBhvr>
+                                        <p:cTn id="14" dur="1" fill="hold">
+                                          <p:stCondLst>
+                                            <p:cond delay="0"/>
+                                          </p:stCondLst>
+                                        </p:cTn>
+                                        <p:tgtEl>
+                                          <p:spTgt spid="4">
+                                            <p:txEl>
+                                              <p:pRg st="1" end="1"/>
+                                            </p:txEl>
+                                          </p:spTgt>
+                                        </p:tgtEl>
+                                        <p:attrNameLst>
+                                          <p:attrName>style.visibility</p:attrName>
+                                        </p:attrNameLst>
+                                      </p:cBhvr>
+                                      <p:to>
+                                        <p:strVal val="visible"/>
+                                      </p:to>
+                                    </p:set>
+                                  </p:childTnLst>
+                                </p:cTn>
+                              </p:par>
+                              <p:par>
+                                <p:cTn id="15" presetID="1" presetClass="entr" presetSubtype="0" fill="hold" nodeType="withEffect">
+                                  <p:stCondLst>
+                                    <p:cond delay="0"/>
+                                  </p:stCondLst>
+                                  <p:childTnLst>
+                                    <p:set>
+                                      <p:cBhvr>
+                                        <p:cTn id="16" dur="1" fill="hold">
+                                          <p:stCondLst>
+                                            <p:cond delay="0"/>
+                                          </p:stCondLst>
+                                        </p:cTn>
+                                        <p:tgtEl>
+                                          <p:spTgt spid="4">
+                                            <p:txEl>
+                                              <p:pRg st="2" end="2"/>
+                                            </p:txEl>
+                                          </p:spTgt>
+                                        </p:tgtEl>
+                                        <p:attrNameLst>
+                                          <p:attrName>style.visibility</p:attrName>
+                                        </p:attrNameLst>
+                                      </p:cBhvr>
+                                      <p:to>
+                                        <p:strVal val="visible"/>
+                                      </p:to>
+                                    </p:set>
+                                  </p:childTnLst>
+                                </p:cTn>
+                              </p:par>
+                              <p:par>
+                                <p:cTn id="17" presetID="1" presetClass="entr" presetSubtype="0" fill="hold" nodeType="withEffect">
+                                  <p:stCondLst>
+                                    <p:cond delay="0"/>
+                                  </p:stCondLst>
+                                  <p:childTnLst>
+                                    <p:set>
+                                      <p:cBhvr>
+                                        <p:cTn id="18" dur="1" fill="hold">
+                                          <p:stCondLst>
+                                            <p:cond delay="0"/>
+                                          </p:stCondLst>
+                                        </p:cTn>
+                                        <p:tgtEl>
+                                          <p:spTgt spid="4">
+                                            <p:txEl>
+                                              <p:pRg st="3" end="3"/>
+                                            </p:txEl>
+                                          </p:spTgt>
+                                        </p:tgtEl>
+                                        <p:attrNameLst>
+                                          <p:attrName>style.visibility</p:attrName>
+                                        </p:attrNameLst>
+                                      </p:cBhvr>
+                                      <p:to>
+                                        <p:strVal val="visible"/>
+                                      </p:to>
+                                    </p:set>
+                                  </p:childTnLst>
+                                </p:cTn>
+                              </p:par>
+                              <p:par>
+                                <p:cTn id="19" presetID="1" presetClass="entr" presetSubtype="0" fill="hold" nodeType="withEffect">
+                                  <p:stCondLst>
+                                    <p:cond delay="0"/>
+                                  </p:stCondLst>
+                                  <p:childTnLst>
+                                    <p:set>
+                                      <p:cBhvr>
+                                        <p:cTn id="20" dur="1" fill="hold">
+                                          <p:stCondLst>
+                                            <p:cond delay="0"/>
+                                          </p:stCondLst>
+                                        </p:cTn>
+                                        <p:tgtEl>
+                                          <p:spTgt spid="4">
+                                            <p:txEl>
+                                              <p:pRg st="4" end="4"/>
+                                            </p:txEl>
+                                          </p:spTgt>
+                                        </p:tgtEl>
+                                        <p:attrNameLst>
+                                          <p:attrName>style.visibility</p:attrName>
+                                        </p:attrNameLst>
+                                      </p:cBhvr>
+                                      <p:to>
+                                        <p:strVal val="visible"/>
+                                      </p:to>
+                                    </p:set>
+                                  </p:childTnLst>
+                                </p:cTn>
+                              </p:par>
+                              <p:par>
+                                <p:cTn id="21" presetID="1" presetClass="entr" presetSubtype="0" fill="hold" nodeType="withEffect">
+                                  <p:stCondLst>
+                                    <p:cond delay="0"/>
+                                  </p:stCondLst>
+                                  <p:childTnLst>
+                                    <p:set>
+                                      <p:cBhvr>
+                                        <p:cTn id="22" dur="1" fill="hold">
+                                          <p:stCondLst>
+                                            <p:cond delay="0"/>
+                                          </p:stCondLst>
+                                        </p:cTn>
+                                        <p:tgtEl>
+                                          <p:spTgt spid="4">
+                                            <p:txEl>
+                                              <p:pRg st="5" end="5"/>
+                                            </p:txEl>
+                                          </p:spTgt>
+                                        </p:tgtEl>
+                                        <p:attrNameLst>
+                                          <p:attrName>style.visibility</p:attrName>
+                                        </p:attrNameLst>
+                                      </p:cBhvr>
+                                      <p:to>
+                                        <p:strVal val="visible"/>
+                                      </p:to>
+                                    </p:set>
+                                  </p:childTnLst>
+                                </p:cTn>
+                              </p:par>
+                              <p:par>
+                                <p:cTn id="23" presetID="1" presetClass="entr" presetSubtype="0" fill="hold" nodeType="withEffect">
+                                  <p:stCondLst>
+                                    <p:cond delay="0"/>
+                                  </p:stCondLst>
+                                  <p:childTnLst>
+                                    <p:set>
+                                      <p:cBhvr>
+                                        <p:cTn id="24" dur="1" fill="hold">
+                                          <p:stCondLst>
+                                            <p:cond delay="0"/>
+                                          </p:stCondLst>
+                                        </p:cTn>
+                                        <p:tgtEl>
+                                          <p:spTgt spid="4">
+                                            <p:txEl>
+                                              <p:pRg st="6" end="6"/>
+                                            </p:txEl>
+                                          </p:spTgt>
+                                        </p:tgtEl>
+                                        <p:attrNameLst>
+                                          <p:attrName>style.visibility</p:attrName>
+                                        </p:attrNameLst>
+                                      </p:cBhvr>
+                                      <p:to>
+                                        <p:strVal val="visible"/>
+                                      </p:to>
+                                    </p:set>
+                                  </p:childTnLst>
+                                </p:cTn>
+                              </p:par>
+                              <p:par>
+                                <p:cTn id="25" presetID="1" presetClass="entr" presetSubtype="0" fill="hold" nodeType="withEffect">
+                                  <p:stCondLst>
+                                    <p:cond delay="0"/>
+                                  </p:stCondLst>
+                                  <p:childTnLst>
+                                    <p:set>
+                                      <p:cBhvr>
+                                        <p:cTn id="26" dur="1" fill="hold">
+                                          <p:stCondLst>
+                                            <p:cond delay="0"/>
+                                          </p:stCondLst>
+                                        </p:cTn>
+                                        <p:tgtEl>
+                                          <p:spTgt spid="4">
+                                            <p:txEl>
+                                              <p:pRg st="7" end="7"/>
+                                            </p:txEl>
+                                          </p:spTgt>
+                                        </p:tgtEl>
+                                        <p:attrNameLst>
+                                          <p:attrName>style.visibility</p:attrName>
+                                        </p:attrNameLst>
+                                      </p:cBhvr>
+                                      <p:to>
+                                        <p:strVal val="visible"/>
+                                      </p:to>
+                                    </p:set>
+                                  </p:childTnLst>
+                                </p:cTn>
+                              </p:par>
+                              <p:par>
+                                <p:cTn id="27" presetID="1" presetClass="entr" presetSubtype="0" fill="hold" nodeType="withEffect">
+                                  <p:stCondLst>
+                                    <p:cond delay="0"/>
+                                  </p:stCondLst>
+                                  <p:childTnLst>
+                                    <p:set>
+                                      <p:cBhvr>
+                                        <p:cTn id="28" dur="1" fill="hold">
+                                          <p:stCondLst>
+                                            <p:cond delay="0"/>
+                                          </p:stCondLst>
+                                        </p:cTn>
+                                        <p:tgtEl>
+                                          <p:spTgt spid="4">
+                                            <p:txEl>
+                                              <p:pRg st="8" end="8"/>
+                                            </p:txEl>
+                                          </p:spTgt>
+                                        </p:tgtEl>
+                                        <p:attrNameLst>
+                                          <p:attrName>style.visibility</p:attrName>
+                                        </p:attrNameLst>
+                                      </p:cBhvr>
+                                      <p:to>
+                                        <p:strVal val="visible"/>
+                                      </p:to>
+                                    </p:set>
+                                  </p:childTnLst>
+                                </p:cTn>
+                              </p:par>
+                              <p:par>
+                                <p:cTn id="29" presetID="1" presetClass="entr" presetSubtype="0" fill="hold" nodeType="withEffect">
+                                  <p:stCondLst>
+                                    <p:cond delay="0"/>
+                                  </p:stCondLst>
+                                  <p:childTnLst>
+                                    <p:set>
+                                      <p:cBhvr>
+                                        <p:cTn id="30" dur="1" fill="hold">
+                                          <p:stCondLst>
+                                            <p:cond delay="0"/>
+                                          </p:stCondLst>
+                                        </p:cTn>
+                                        <p:tgtEl>
+                                          <p:spTgt spid="4">
+                                            <p:txEl>
+                                              <p:pRg st="9" end="9"/>
+                                            </p:txEl>
+                                          </p:spTgt>
+                                        </p:tgtEl>
+                                        <p:attrNameLst>
+                                          <p:attrName>style.visibility</p:attrName>
+                                        </p:attrNameLst>
+                                      </p:cBhvr>
+                                      <p:to>
+                                        <p:strVal val="visible"/>
+                                      </p:to>
+                                    </p:set>
+                                  </p:childTnLst>
+                                </p:cTn>
+                              </p:par>
+                              <p:par>
+                                <p:cTn id="31" presetID="1" presetClass="entr" presetSubtype="0" fill="hold" nodeType="withEffect">
+                                  <p:stCondLst>
+                                    <p:cond delay="0"/>
+                                  </p:stCondLst>
+                                  <p:childTnLst>
+                                    <p:set>
+                                      <p:cBhvr>
+                                        <p:cTn id="32" dur="1" fill="hold">
+                                          <p:stCondLst>
+                                            <p:cond delay="0"/>
+                                          </p:stCondLst>
+                                        </p:cTn>
+                                        <p:tgtEl>
+                                          <p:spTgt spid="4">
+                                            <p:txEl>
+                                              <p:pRg st="10" end="10"/>
+                                            </p:txEl>
+                                          </p:spTgt>
+                                        </p:tgtEl>
+                                        <p:attrNameLst>
+                                          <p:attrName>style.visibility</p:attrName>
+                                        </p:attrNameLst>
+                                      </p:cBhvr>
+                                      <p:to>
+                                        <p:strVal val="visible"/>
+                                      </p:to>
+                                    </p:set>
+                                  </p:childTnLst>
+                                </p:cTn>
+                              </p:par>
+                              <p:par>
+                                <p:cTn id="33" presetID="1" presetClass="entr" presetSubtype="0" fill="hold" nodeType="withEffect">
+                                  <p:stCondLst>
+                                    <p:cond delay="0"/>
+                                  </p:stCondLst>
+                                  <p:childTnLst>
+                                    <p:set>
+                                      <p:cBhvr>
+                                        <p:cTn id="34" dur="1" fill="hold">
+                                          <p:stCondLst>
+                                            <p:cond delay="0"/>
+                                          </p:stCondLst>
+                                        </p:cTn>
+                                        <p:tgtEl>
+                                          <p:spTgt spid="4">
+                                            <p:txEl>
+                                              <p:pRg st="11" end="11"/>
+                                            </p:txEl>
+                                          </p:spTgt>
+                                        </p:tgtEl>
+                                        <p:attrNameLst>
+                                          <p:attrName>style.visibility</p:attrName>
+                                        </p:attrNameLst>
+                                      </p:cBhvr>
+                                      <p:to>
+                                        <p:strVal val="visible"/>
+                                      </p:to>
+                                    </p:set>
+                                  </p:childTnLst>
+                                </p:cTn>
+                              </p:par>
+                              <p:par>
+                                <p:cTn id="35" presetID="1" presetClass="entr" presetSubtype="0" fill="hold" nodeType="withEffect">
+                                  <p:stCondLst>
+                                    <p:cond delay="0"/>
+                                  </p:stCondLst>
+                                  <p:childTnLst>
+                                    <p:set>
+                                      <p:cBhvr>
+                                        <p:cTn id="36" dur="1" fill="hold">
+                                          <p:stCondLst>
+                                            <p:cond delay="0"/>
+                                          </p:stCondLst>
+                                        </p:cTn>
+                                        <p:tgtEl>
+                                          <p:spTgt spid="4">
+                                            <p:txEl>
+                                              <p:pRg st="12" end="12"/>
+                                            </p:txEl>
+                                          </p:spTgt>
+                                        </p:tgtEl>
+                                        <p:attrNameLst>
+                                          <p:attrName>style.visibility</p:attrName>
+                                        </p:attrNameLst>
+                                      </p:cBhvr>
+                                      <p:to>
+                                        <p:strVal val="visible"/>
+                                      </p:to>
+                                    </p:set>
+                                  </p:childTnLst>
+                                </p:cTn>
+                              </p:par>
+                              <p:par>
+                                <p:cTn id="37" presetID="1" presetClass="entr" presetSubtype="0" fill="hold" nodeType="withEffect">
+                                  <p:stCondLst>
+                                    <p:cond delay="0"/>
+                                  </p:stCondLst>
+                                  <p:childTnLst>
+                                    <p:set>
+                                      <p:cBhvr>
+                                        <p:cTn id="38" dur="1" fill="hold">
+                                          <p:stCondLst>
+                                            <p:cond delay="0"/>
+                                          </p:stCondLst>
+                                        </p:cTn>
+                                        <p:tgtEl>
+                                          <p:spTgt spid="4">
+                                            <p:txEl>
+                                              <p:pRg st="13" end="13"/>
+                                            </p:txEl>
+                                          </p:spTgt>
+                                        </p:tgtEl>
+                                        <p:attrNameLst>
+                                          <p:attrName>style.visibility</p:attrName>
+                                        </p:attrNameLst>
+                                      </p:cBhvr>
+                                      <p:to>
+                                        <p:strVal val="visible"/>
+                                      </p:to>
+                                    </p:set>
+                                  </p:childTnLst>
+                                </p:cTn>
+                              </p:par>
+                              <p:par>
+                                <p:cTn id="39" presetID="1" presetClass="entr" presetSubtype="0" fill="hold" nodeType="withEffect">
+                                  <p:stCondLst>
+                                    <p:cond delay="0"/>
+                                  </p:stCondLst>
+                                  <p:childTnLst>
+                                    <p:set>
+                                      <p:cBhvr>
+                                        <p:cTn id="40" dur="1" fill="hold">
+                                          <p:stCondLst>
+                                            <p:cond delay="0"/>
+                                          </p:stCondLst>
+                                        </p:cTn>
+                                        <p:tgtEl>
+                                          <p:spTgt spid="4">
+                                            <p:txEl>
+                                              <p:pRg st="14" end="14"/>
+                                            </p:txEl>
+                                          </p:spTgt>
+                                        </p:tgtEl>
+                                        <p:attrNameLst>
+                                          <p:attrName>style.visibility</p:attrName>
+                                        </p:attrNameLst>
+                                      </p:cBhvr>
+                                      <p:to>
+                                        <p:strVal val="visible"/>
+                                      </p:to>
+                                    </p:set>
+                                  </p:childTnLst>
+                                </p:cTn>
+                              </p:par>
+                              <p:par>
+                                <p:cTn id="41" presetID="1" presetClass="entr" presetSubtype="0" fill="hold" nodeType="withEffect">
+                                  <p:stCondLst>
+                                    <p:cond delay="0"/>
+                                  </p:stCondLst>
+                                  <p:childTnLst>
+                                    <p:set>
+                                      <p:cBhvr>
+                                        <p:cTn id="42" dur="1" fill="hold">
+                                          <p:stCondLst>
+                                            <p:cond delay="0"/>
+                                          </p:stCondLst>
+                                        </p:cTn>
+                                        <p:tgtEl>
+                                          <p:spTgt spid="4">
+                                            <p:txEl>
+                                              <p:pRg st="15" end="15"/>
+                                            </p:txEl>
+                                          </p:spTgt>
+                                        </p:tgtEl>
+                                        <p:attrNameLst>
+                                          <p:attrName>style.visibility</p:attrName>
+                                        </p:attrNameLst>
+                                      </p:cBhvr>
+                                      <p:to>
+                                        <p:strVal val="visible"/>
+                                      </p:to>
+                                    </p:set>
+                                  </p:childTnLst>
+                                </p:cTn>
+                              </p:par>
+                              <p:par>
+                                <p:cTn id="43" presetID="1" presetClass="entr" presetSubtype="0" fill="hold" nodeType="withEffect">
+                                  <p:stCondLst>
+                                    <p:cond delay="0"/>
+                                  </p:stCondLst>
+                                  <p:childTnLst>
+                                    <p:set>
+                                      <p:cBhvr>
+                                        <p:cTn id="44" dur="1" fill="hold">
+                                          <p:stCondLst>
+                                            <p:cond delay="0"/>
+                                          </p:stCondLst>
+                                        </p:cTn>
+                                        <p:tgtEl>
+                                          <p:spTgt spid="4">
+                                            <p:txEl>
+                                              <p:pRg st="16" end="16"/>
+                                            </p:txEl>
+                                          </p:spTgt>
+                                        </p:tgtEl>
+                                        <p:attrNameLst>
+                                          <p:attrName>style.visibility</p:attrName>
+                                        </p:attrNameLst>
+                                      </p:cBhvr>
+                                      <p:to>
+                                        <p:strVal val="visible"/>
+                                      </p:to>
+                                    </p:set>
+                                  </p:childTnLst>
+                                </p:cTn>
+                              </p:par>
+                              <p:par>
+                                <p:cTn id="45" presetID="1" presetClass="entr" presetSubtype="0" fill="hold" nodeType="withEffect">
+                                  <p:stCondLst>
+                                    <p:cond delay="0"/>
+                                  </p:stCondLst>
+                                  <p:childTnLst>
+                                    <p:set>
+                                      <p:cBhvr>
+                                        <p:cTn id="46" dur="1" fill="hold">
+                                          <p:stCondLst>
+                                            <p:cond delay="0"/>
+                                          </p:stCondLst>
+                                        </p:cTn>
+                                        <p:tgtEl>
+                                          <p:spTgt spid="4">
+                                            <p:txEl>
+                                              <p:pRg st="17" end="17"/>
+                                            </p:txEl>
+                                          </p:spTgt>
+                                        </p:tgtEl>
+                                        <p:attrNameLst>
+                                          <p:attrName>style.visibility</p:attrName>
+                                        </p:attrNameLst>
+                                      </p:cBhvr>
+                                      <p:to>
+                                        <p:strVal val="visible"/>
+                                      </p:to>
+                                    </p:set>
+                                  </p:childTnLst>
+                                </p:cTn>
+                              </p:par>
+                              <p:par>
+                                <p:cTn id="47" presetID="1" presetClass="entr" presetSubtype="0" fill="hold" nodeType="withEffect">
+                                  <p:stCondLst>
+                                    <p:cond delay="0"/>
+                                  </p:stCondLst>
+                                  <p:childTnLst>
+                                    <p:set>
+                                      <p:cBhvr>
+                                        <p:cTn id="48" dur="1" fill="hold">
+                                          <p:stCondLst>
+                                            <p:cond delay="0"/>
+                                          </p:stCondLst>
+                                        </p:cTn>
+                                        <p:tgtEl>
+                                          <p:spTgt spid="4">
+                                            <p:txEl>
+                                              <p:pRg st="18" end="18"/>
+                                            </p:txEl>
+                                          </p:spTgt>
+                                        </p:tgtEl>
+                                        <p:attrNameLst>
+                                          <p:attrName>style.visibility</p:attrName>
+                                        </p:attrNameLst>
+                                      </p:cBhvr>
+                                      <p:to>
+                                        <p:strVal val="visible"/>
+                                      </p:to>
+                                    </p:set>
+                                  </p:childTnLst>
+                                </p:cTn>
+                              </p:par>
+                              <p:par>
+                                <p:cTn id="49" presetID="1" presetClass="entr" presetSubtype="0" fill="hold" nodeType="withEffect">
+                                  <p:stCondLst>
+                                    <p:cond delay="0"/>
+                                  </p:stCondLst>
+                                  <p:childTnLst>
+                                    <p:set>
+                                      <p:cBhvr>
+                                        <p:cTn id="50" dur="1" fill="hold">
+                                          <p:stCondLst>
+                                            <p:cond delay="0"/>
+                                          </p:stCondLst>
+                                        </p:cTn>
+                                        <p:tgtEl>
+                                          <p:spTgt spid="4">
+                                            <p:txEl>
+                                              <p:pRg st="19" end="19"/>
+                                            </p:txEl>
+                                          </p:spTgt>
+                                        </p:tgtEl>
+                                        <p:attrNameLst>
+                                          <p:attrName>style.visibility</p:attrName>
+                                        </p:attrNameLst>
+                                      </p:cBhvr>
+                                      <p:to>
+                                        <p:strVal val="visible"/>
+                                      </p:to>
+                                    </p:set>
+                                  </p:childTnLst>
+                                </p:cTn>
+                              </p:par>
+                            </p:childTnLst>
+                          </p:cTn>
+                        </p:par>
+                      </p:childTnLst>
+                    </p:cTn>
+                  </p:par>
+                </p:childTnLst>
+              </p:cTn>
+              <p:prevCondLst>
+                <p:cond evt="onPrev" delay="0">
+                  <p:tgtEl>
+                    <p:sldTgt/>
+                  </p:tgtEl>
+                </p:cond>
+              </p:prevCondLst>
+              <p:nextCondLst>
+                <p:cond evt="onNext" delay="0">
+                  <p:tgtEl>
+                    <p:sldTgt/>
+                  </p:tgtEl>
+                </p:cond>
+              </p:nextCondLst>
+            </p:seq>
+          </p:childTnLst>
+        </p:cTn>
+      </p:par>
+    </p:tnLst>
+  </p:timing>
 </p:sld>
 </file>
 
@@ -7336,12 +9766,24 @@
               <a:t>The </a:t>
             </a:r>
             <a:r>
-              <a:rPr lang="en-US" dirty="0" err="1"/>
+              <a:rPr lang="en-US" dirty="0" err="1">
+                <a:latin typeface="Menlo" panose="020B0609030804020204" pitchFamily="49" charset="0"/>
+                <a:ea typeface="Menlo" panose="020B0609030804020204" pitchFamily="49" charset="0"/>
+                <a:cs typeface="Menlo" panose="020B0609030804020204" pitchFamily="49" charset="0"/>
+              </a:rPr>
               <a:t>Sales_item</a:t>
             </a:r>
             <a:r>
+              <a:rPr lang="en-US" dirty="0">
+                <a:latin typeface="Menlo" panose="020B0609030804020204" pitchFamily="49" charset="0"/>
+                <a:ea typeface="Menlo" panose="020B0609030804020204" pitchFamily="49" charset="0"/>
+                <a:cs typeface="Menlo" panose="020B0609030804020204" pitchFamily="49" charset="0"/>
+              </a:rPr>
+              <a:t> </a:t>
+            </a:r>
+            <a:r>
               <a:rPr lang="en-US" dirty="0"/>
-              <a:t> Class</a:t>
+              <a:t>Class</a:t>
             </a:r>
           </a:p>
           <a:p>
@@ -7354,26 +9796,78 @@
           <a:p>
             <a:pPr lvl="2"/>
             <a:r>
-              <a:rPr lang="en-US" dirty="0" err="1"/>
+              <a:rPr lang="en-US" dirty="0" err="1">
+                <a:latin typeface="Menlo" panose="020B0609030804020204" pitchFamily="49" charset="0"/>
+                <a:ea typeface="Menlo" panose="020B0609030804020204" pitchFamily="49" charset="0"/>
+                <a:cs typeface="Menlo" panose="020B0609030804020204" pitchFamily="49" charset="0"/>
+              </a:rPr>
               <a:t>isbn</a:t>
             </a:r>
             <a:r>
+              <a:rPr lang="en-US" dirty="0">
+                <a:latin typeface="Menlo" panose="020B0609030804020204" pitchFamily="49" charset="0"/>
+                <a:ea typeface="Menlo" panose="020B0609030804020204" pitchFamily="49" charset="0"/>
+                <a:cs typeface="Menlo" panose="020B0609030804020204" pitchFamily="49" charset="0"/>
+              </a:rPr>
+              <a:t>() </a:t>
+            </a:r>
+            <a:r>
               <a:rPr lang="en-US" dirty="0"/>
-              <a:t>() fetches ISBN</a:t>
+              <a:t>fetches ISBN</a:t>
             </a:r>
           </a:p>
           <a:p>
             <a:pPr lvl="2"/>
             <a:r>
+              <a:rPr lang="en-US" dirty="0">
+                <a:latin typeface="Menlo" panose="020B0609030804020204" pitchFamily="49" charset="0"/>
+                <a:ea typeface="Menlo" panose="020B0609030804020204" pitchFamily="49" charset="0"/>
+                <a:cs typeface="Menlo" panose="020B0609030804020204" pitchFamily="49" charset="0"/>
+              </a:rPr>
+              <a:t>&lt;&lt;</a:t>
+            </a:r>
+            <a:r>
               <a:rPr lang="en-US" dirty="0"/>
-              <a:t>&lt;&lt; and &gt;&gt; to read and write</a:t>
+              <a:t> and </a:t>
+            </a:r>
+            <a:r>
+              <a:rPr lang="en-US" dirty="0">
+                <a:latin typeface="Menlo" panose="020B0609030804020204" pitchFamily="49" charset="0"/>
+                <a:ea typeface="Menlo" panose="020B0609030804020204" pitchFamily="49" charset="0"/>
+                <a:cs typeface="Menlo" panose="020B0609030804020204" pitchFamily="49" charset="0"/>
+              </a:rPr>
+              <a:t>&gt;&gt;</a:t>
+            </a:r>
+            <a:r>
+              <a:rPr lang="en-US" dirty="0"/>
+              <a:t> to read and write</a:t>
             </a:r>
           </a:p>
           <a:p>
             <a:pPr lvl="2"/>
             <a:r>
+              <a:rPr lang="en-US" dirty="0">
+                <a:latin typeface="Menlo" panose="020B0609030804020204" pitchFamily="49" charset="0"/>
+                <a:ea typeface="Menlo" panose="020B0609030804020204" pitchFamily="49" charset="0"/>
+                <a:cs typeface="Menlo" panose="020B0609030804020204" pitchFamily="49" charset="0"/>
+              </a:rPr>
+              <a:t>+</a:t>
+            </a:r>
+            <a:r>
               <a:rPr lang="en-US" dirty="0"/>
-              <a:t>+ and += (if same ISBN)</a:t>
+              <a:t> and </a:t>
+            </a:r>
+            <a:r>
+              <a:rPr lang="en-US" dirty="0">
+                <a:latin typeface="Menlo" panose="020B0609030804020204" pitchFamily="49" charset="0"/>
+                <a:ea typeface="Menlo" panose="020B0609030804020204" pitchFamily="49" charset="0"/>
+                <a:cs typeface="Menlo" panose="020B0609030804020204" pitchFamily="49" charset="0"/>
+              </a:rPr>
+              <a:t>+=</a:t>
+            </a:r>
+            <a:r>
+              <a:rPr lang="en-US" dirty="0"/>
+              <a:t> (if same ISBN)</a:t>
             </a:r>
           </a:p>
           <a:p>
@@ -7481,6 +9975,511 @@
   <p:clrMapOvr>
     <a:masterClrMapping/>
   </p:clrMapOvr>
+  <p:timing>
+    <p:tnLst>
+      <p:par>
+        <p:cTn id="1" dur="indefinite" restart="never" nodeType="tmRoot">
+          <p:childTnLst>
+            <p:seq concurrent="1" nextAc="seek">
+              <p:cTn id="2" dur="indefinite" nodeType="mainSeq">
+                <p:childTnLst>
+                  <p:par>
+                    <p:cTn id="3" fill="hold">
+                      <p:stCondLst>
+                        <p:cond delay="indefinite"/>
+                      </p:stCondLst>
+                      <p:childTnLst>
+                        <p:par>
+                          <p:cTn id="4" fill="hold">
+                            <p:stCondLst>
+                              <p:cond delay="0"/>
+                            </p:stCondLst>
+                            <p:childTnLst>
+                              <p:par>
+                                <p:cTn id="5" presetID="1" presetClass="entr" presetSubtype="0" fill="hold" nodeType="clickEffect">
+                                  <p:stCondLst>
+                                    <p:cond delay="0"/>
+                                  </p:stCondLst>
+                                  <p:childTnLst>
+                                    <p:set>
+                                      <p:cBhvr>
+                                        <p:cTn id="6" dur="1" fill="hold">
+                                          <p:stCondLst>
+                                            <p:cond delay="0"/>
+                                          </p:stCondLst>
+                                        </p:cTn>
+                                        <p:tgtEl>
+                                          <p:spTgt spid="3">
+                                            <p:txEl>
+                                              <p:pRg st="0" end="0"/>
+                                            </p:txEl>
+                                          </p:spTgt>
+                                        </p:tgtEl>
+                                        <p:attrNameLst>
+                                          <p:attrName>style.visibility</p:attrName>
+                                        </p:attrNameLst>
+                                      </p:cBhvr>
+                                      <p:to>
+                                        <p:strVal val="visible"/>
+                                      </p:to>
+                                    </p:set>
+                                  </p:childTnLst>
+                                </p:cTn>
+                              </p:par>
+                              <p:par>
+                                <p:cTn id="7" presetID="1" presetClass="entr" presetSubtype="0" fill="hold" nodeType="withEffect">
+                                  <p:stCondLst>
+                                    <p:cond delay="0"/>
+                                  </p:stCondLst>
+                                  <p:childTnLst>
+                                    <p:set>
+                                      <p:cBhvr>
+                                        <p:cTn id="8" dur="1" fill="hold">
+                                          <p:stCondLst>
+                                            <p:cond delay="0"/>
+                                          </p:stCondLst>
+                                        </p:cTn>
+                                        <p:tgtEl>
+                                          <p:spTgt spid="3">
+                                            <p:txEl>
+                                              <p:pRg st="1" end="1"/>
+                                            </p:txEl>
+                                          </p:spTgt>
+                                        </p:tgtEl>
+                                        <p:attrNameLst>
+                                          <p:attrName>style.visibility</p:attrName>
+                                        </p:attrNameLst>
+                                      </p:cBhvr>
+                                      <p:to>
+                                        <p:strVal val="visible"/>
+                                      </p:to>
+                                    </p:set>
+                                  </p:childTnLst>
+                                </p:cTn>
+                              </p:par>
+                              <p:par>
+                                <p:cTn id="9" presetID="1" presetClass="entr" presetSubtype="0" fill="hold" nodeType="withEffect">
+                                  <p:stCondLst>
+                                    <p:cond delay="0"/>
+                                  </p:stCondLst>
+                                  <p:childTnLst>
+                                    <p:set>
+                                      <p:cBhvr>
+                                        <p:cTn id="10" dur="1" fill="hold">
+                                          <p:stCondLst>
+                                            <p:cond delay="0"/>
+                                          </p:stCondLst>
+                                        </p:cTn>
+                                        <p:tgtEl>
+                                          <p:spTgt spid="3">
+                                            <p:txEl>
+                                              <p:pRg st="2" end="2"/>
+                                            </p:txEl>
+                                          </p:spTgt>
+                                        </p:tgtEl>
+                                        <p:attrNameLst>
+                                          <p:attrName>style.visibility</p:attrName>
+                                        </p:attrNameLst>
+                                      </p:cBhvr>
+                                      <p:to>
+                                        <p:strVal val="visible"/>
+                                      </p:to>
+                                    </p:set>
+                                  </p:childTnLst>
+                                </p:cTn>
+                              </p:par>
+                              <p:par>
+                                <p:cTn id="11" presetID="1" presetClass="entr" presetSubtype="0" fill="hold" nodeType="withEffect">
+                                  <p:stCondLst>
+                                    <p:cond delay="0"/>
+                                  </p:stCondLst>
+                                  <p:childTnLst>
+                                    <p:set>
+                                      <p:cBhvr>
+                                        <p:cTn id="12" dur="1" fill="hold">
+                                          <p:stCondLst>
+                                            <p:cond delay="0"/>
+                                          </p:stCondLst>
+                                        </p:cTn>
+                                        <p:tgtEl>
+                                          <p:spTgt spid="3">
+                                            <p:txEl>
+                                              <p:pRg st="3" end="3"/>
+                                            </p:txEl>
+                                          </p:spTgt>
+                                        </p:tgtEl>
+                                        <p:attrNameLst>
+                                          <p:attrName>style.visibility</p:attrName>
+                                        </p:attrNameLst>
+                                      </p:cBhvr>
+                                      <p:to>
+                                        <p:strVal val="visible"/>
+                                      </p:to>
+                                    </p:set>
+                                  </p:childTnLst>
+                                </p:cTn>
+                              </p:par>
+                              <p:par>
+                                <p:cTn id="13" presetID="1" presetClass="entr" presetSubtype="0" fill="hold" nodeType="withEffect">
+                                  <p:stCondLst>
+                                    <p:cond delay="0"/>
+                                  </p:stCondLst>
+                                  <p:childTnLst>
+                                    <p:set>
+                                      <p:cBhvr>
+                                        <p:cTn id="14" dur="1" fill="hold">
+                                          <p:stCondLst>
+                                            <p:cond delay="0"/>
+                                          </p:stCondLst>
+                                        </p:cTn>
+                                        <p:tgtEl>
+                                          <p:spTgt spid="3">
+                                            <p:txEl>
+                                              <p:pRg st="4" end="4"/>
+                                            </p:txEl>
+                                          </p:spTgt>
+                                        </p:tgtEl>
+                                        <p:attrNameLst>
+                                          <p:attrName>style.visibility</p:attrName>
+                                        </p:attrNameLst>
+                                      </p:cBhvr>
+                                      <p:to>
+                                        <p:strVal val="visible"/>
+                                      </p:to>
+                                    </p:set>
+                                  </p:childTnLst>
+                                </p:cTn>
+                              </p:par>
+                              <p:par>
+                                <p:cTn id="15" presetID="1" presetClass="entr" presetSubtype="0" fill="hold" nodeType="withEffect">
+                                  <p:stCondLst>
+                                    <p:cond delay="0"/>
+                                  </p:stCondLst>
+                                  <p:childTnLst>
+                                    <p:set>
+                                      <p:cBhvr>
+                                        <p:cTn id="16" dur="1" fill="hold">
+                                          <p:stCondLst>
+                                            <p:cond delay="0"/>
+                                          </p:stCondLst>
+                                        </p:cTn>
+                                        <p:tgtEl>
+                                          <p:spTgt spid="3">
+                                            <p:txEl>
+                                              <p:pRg st="5" end="5"/>
+                                            </p:txEl>
+                                          </p:spTgt>
+                                        </p:tgtEl>
+                                        <p:attrNameLst>
+                                          <p:attrName>style.visibility</p:attrName>
+                                        </p:attrNameLst>
+                                      </p:cBhvr>
+                                      <p:to>
+                                        <p:strVal val="visible"/>
+                                      </p:to>
+                                    </p:set>
+                                  </p:childTnLst>
+                                </p:cTn>
+                              </p:par>
+                            </p:childTnLst>
+                          </p:cTn>
+                        </p:par>
+                      </p:childTnLst>
+                    </p:cTn>
+                  </p:par>
+                  <p:par>
+                    <p:cTn id="17" fill="hold">
+                      <p:stCondLst>
+                        <p:cond delay="indefinite"/>
+                      </p:stCondLst>
+                      <p:childTnLst>
+                        <p:par>
+                          <p:cTn id="18" fill="hold">
+                            <p:stCondLst>
+                              <p:cond delay="0"/>
+                            </p:stCondLst>
+                            <p:childTnLst>
+                              <p:par>
+                                <p:cTn id="19" presetID="1" presetClass="entr" presetSubtype="0" fill="hold" nodeType="clickEffect">
+                                  <p:stCondLst>
+                                    <p:cond delay="0"/>
+                                  </p:stCondLst>
+                                  <p:childTnLst>
+                                    <p:set>
+                                      <p:cBhvr>
+                                        <p:cTn id="20" dur="1" fill="hold">
+                                          <p:stCondLst>
+                                            <p:cond delay="0"/>
+                                          </p:stCondLst>
+                                        </p:cTn>
+                                        <p:tgtEl>
+                                          <p:spTgt spid="4">
+                                            <p:txEl>
+                                              <p:pRg st="0" end="0"/>
+                                            </p:txEl>
+                                          </p:spTgt>
+                                        </p:tgtEl>
+                                        <p:attrNameLst>
+                                          <p:attrName>style.visibility</p:attrName>
+                                        </p:attrNameLst>
+                                      </p:cBhvr>
+                                      <p:to>
+                                        <p:strVal val="visible"/>
+                                      </p:to>
+                                    </p:set>
+                                  </p:childTnLst>
+                                </p:cTn>
+                              </p:par>
+                            </p:childTnLst>
+                          </p:cTn>
+                        </p:par>
+                      </p:childTnLst>
+                    </p:cTn>
+                  </p:par>
+                  <p:par>
+                    <p:cTn id="21" fill="hold">
+                      <p:stCondLst>
+                        <p:cond delay="indefinite"/>
+                      </p:stCondLst>
+                      <p:childTnLst>
+                        <p:par>
+                          <p:cTn id="22" fill="hold">
+                            <p:stCondLst>
+                              <p:cond delay="0"/>
+                            </p:stCondLst>
+                            <p:childTnLst>
+                              <p:par>
+                                <p:cTn id="23" presetID="1" presetClass="entr" presetSubtype="0" fill="hold" nodeType="clickEffect">
+                                  <p:stCondLst>
+                                    <p:cond delay="0"/>
+                                  </p:stCondLst>
+                                  <p:childTnLst>
+                                    <p:set>
+                                      <p:cBhvr>
+                                        <p:cTn id="24" dur="1" fill="hold">
+                                          <p:stCondLst>
+                                            <p:cond delay="0"/>
+                                          </p:stCondLst>
+                                        </p:cTn>
+                                        <p:tgtEl>
+                                          <p:spTgt spid="3">
+                                            <p:txEl>
+                                              <p:pRg st="6" end="6"/>
+                                            </p:txEl>
+                                          </p:spTgt>
+                                        </p:tgtEl>
+                                        <p:attrNameLst>
+                                          <p:attrName>style.visibility</p:attrName>
+                                        </p:attrNameLst>
+                                      </p:cBhvr>
+                                      <p:to>
+                                        <p:strVal val="visible"/>
+                                      </p:to>
+                                    </p:set>
+                                  </p:childTnLst>
+                                </p:cTn>
+                              </p:par>
+                              <p:par>
+                                <p:cTn id="25" presetID="1" presetClass="entr" presetSubtype="0" fill="hold" nodeType="withEffect">
+                                  <p:stCondLst>
+                                    <p:cond delay="0"/>
+                                  </p:stCondLst>
+                                  <p:childTnLst>
+                                    <p:set>
+                                      <p:cBhvr>
+                                        <p:cTn id="26" dur="1" fill="hold">
+                                          <p:stCondLst>
+                                            <p:cond delay="0"/>
+                                          </p:stCondLst>
+                                        </p:cTn>
+                                        <p:tgtEl>
+                                          <p:spTgt spid="3">
+                                            <p:txEl>
+                                              <p:pRg st="7" end="7"/>
+                                            </p:txEl>
+                                          </p:spTgt>
+                                        </p:tgtEl>
+                                        <p:attrNameLst>
+                                          <p:attrName>style.visibility</p:attrName>
+                                        </p:attrNameLst>
+                                      </p:cBhvr>
+                                      <p:to>
+                                        <p:strVal val="visible"/>
+                                      </p:to>
+                                    </p:set>
+                                  </p:childTnLst>
+                                </p:cTn>
+                              </p:par>
+                              <p:par>
+                                <p:cTn id="27" presetID="1" presetClass="entr" presetSubtype="0" fill="hold" nodeType="withEffect">
+                                  <p:stCondLst>
+                                    <p:cond delay="0"/>
+                                  </p:stCondLst>
+                                  <p:childTnLst>
+                                    <p:set>
+                                      <p:cBhvr>
+                                        <p:cTn id="28" dur="1" fill="hold">
+                                          <p:stCondLst>
+                                            <p:cond delay="0"/>
+                                          </p:stCondLst>
+                                        </p:cTn>
+                                        <p:tgtEl>
+                                          <p:spTgt spid="3">
+                                            <p:txEl>
+                                              <p:pRg st="8" end="8"/>
+                                            </p:txEl>
+                                          </p:spTgt>
+                                        </p:tgtEl>
+                                        <p:attrNameLst>
+                                          <p:attrName>style.visibility</p:attrName>
+                                        </p:attrNameLst>
+                                      </p:cBhvr>
+                                      <p:to>
+                                        <p:strVal val="visible"/>
+                                      </p:to>
+                                    </p:set>
+                                  </p:childTnLst>
+                                </p:cTn>
+                              </p:par>
+                              <p:par>
+                                <p:cTn id="29" presetID="1" presetClass="entr" presetSubtype="0" fill="hold" nodeType="withEffect">
+                                  <p:stCondLst>
+                                    <p:cond delay="0"/>
+                                  </p:stCondLst>
+                                  <p:childTnLst>
+                                    <p:set>
+                                      <p:cBhvr>
+                                        <p:cTn id="30" dur="1" fill="hold">
+                                          <p:stCondLst>
+                                            <p:cond delay="0"/>
+                                          </p:stCondLst>
+                                        </p:cTn>
+                                        <p:tgtEl>
+                                          <p:spTgt spid="3">
+                                            <p:txEl>
+                                              <p:pRg st="9" end="9"/>
+                                            </p:txEl>
+                                          </p:spTgt>
+                                        </p:tgtEl>
+                                        <p:attrNameLst>
+                                          <p:attrName>style.visibility</p:attrName>
+                                        </p:attrNameLst>
+                                      </p:cBhvr>
+                                      <p:to>
+                                        <p:strVal val="visible"/>
+                                      </p:to>
+                                    </p:set>
+                                  </p:childTnLst>
+                                </p:cTn>
+                              </p:par>
+                              <p:par>
+                                <p:cTn id="31" presetID="1" presetClass="entr" presetSubtype="0" fill="hold" nodeType="withEffect">
+                                  <p:stCondLst>
+                                    <p:cond delay="0"/>
+                                  </p:stCondLst>
+                                  <p:childTnLst>
+                                    <p:set>
+                                      <p:cBhvr>
+                                        <p:cTn id="32" dur="1" fill="hold">
+                                          <p:stCondLst>
+                                            <p:cond delay="0"/>
+                                          </p:stCondLst>
+                                        </p:cTn>
+                                        <p:tgtEl>
+                                          <p:spTgt spid="3">
+                                            <p:txEl>
+                                              <p:pRg st="10" end="10"/>
+                                            </p:txEl>
+                                          </p:spTgt>
+                                        </p:tgtEl>
+                                        <p:attrNameLst>
+                                          <p:attrName>style.visibility</p:attrName>
+                                        </p:attrNameLst>
+                                      </p:cBhvr>
+                                      <p:to>
+                                        <p:strVal val="visible"/>
+                                      </p:to>
+                                    </p:set>
+                                  </p:childTnLst>
+                                </p:cTn>
+                              </p:par>
+                            </p:childTnLst>
+                          </p:cTn>
+                        </p:par>
+                      </p:childTnLst>
+                    </p:cTn>
+                  </p:par>
+                  <p:par>
+                    <p:cTn id="33" fill="hold">
+                      <p:stCondLst>
+                        <p:cond delay="indefinite"/>
+                      </p:stCondLst>
+                      <p:childTnLst>
+                        <p:par>
+                          <p:cTn id="34" fill="hold">
+                            <p:stCondLst>
+                              <p:cond delay="0"/>
+                            </p:stCondLst>
+                            <p:childTnLst>
+                              <p:par>
+                                <p:cTn id="35" presetID="1" presetClass="entr" presetSubtype="0" fill="hold" nodeType="clickEffect">
+                                  <p:stCondLst>
+                                    <p:cond delay="0"/>
+                                  </p:stCondLst>
+                                  <p:childTnLst>
+                                    <p:set>
+                                      <p:cBhvr>
+                                        <p:cTn id="36" dur="1" fill="hold">
+                                          <p:stCondLst>
+                                            <p:cond delay="0"/>
+                                          </p:stCondLst>
+                                        </p:cTn>
+                                        <p:tgtEl>
+                                          <p:spTgt spid="4">
+                                            <p:txEl>
+                                              <p:pRg st="5" end="5"/>
+                                            </p:txEl>
+                                          </p:spTgt>
+                                        </p:tgtEl>
+                                        <p:attrNameLst>
+                                          <p:attrName>style.visibility</p:attrName>
+                                        </p:attrNameLst>
+                                      </p:cBhvr>
+                                      <p:to>
+                                        <p:strVal val="visible"/>
+                                      </p:to>
+                                    </p:set>
+                                  </p:childTnLst>
+                                </p:cTn>
+                              </p:par>
+                            </p:childTnLst>
+                          </p:cTn>
+                        </p:par>
+                      </p:childTnLst>
+                    </p:cTn>
+                  </p:par>
+                </p:childTnLst>
+              </p:cTn>
+              <p:prevCondLst>
+                <p:cond evt="onPrev" delay="0">
+                  <p:tgtEl>
+                    <p:sldTgt/>
+                  </p:tgtEl>
+                </p:cond>
+              </p:prevCondLst>
+              <p:nextCondLst>
+                <p:cond evt="onNext" delay="0">
+                  <p:tgtEl>
+                    <p:sldTgt/>
+                  </p:tgtEl>
+                </p:cond>
+              </p:nextCondLst>
+            </p:seq>
+          </p:childTnLst>
+        </p:cTn>
+      </p:par>
+    </p:tnLst>
+  </p:timing>
 </p:sld>
 </file>
 
@@ -7562,7 +10561,15 @@
           <a:p>
             <a:r>
               <a:rPr lang="en-US" dirty="0"/>
-              <a:t>Note the #include</a:t>
+              <a:t>Note the </a:t>
+            </a:r>
+            <a:r>
+              <a:rPr lang="en-US" dirty="0">
+                <a:latin typeface="Menlo" panose="020B0609030804020204" pitchFamily="49" charset="0"/>
+                <a:ea typeface="Menlo" panose="020B0609030804020204" pitchFamily="49" charset="0"/>
+                <a:cs typeface="Menlo" panose="020B0609030804020204" pitchFamily="49" charset="0"/>
+              </a:rPr>
+              <a:t>#include</a:t>
             </a:r>
           </a:p>
           <a:p>
@@ -8052,6 +11059,431 @@
   <p:clrMapOvr>
     <a:masterClrMapping/>
   </p:clrMapOvr>
+  <p:timing>
+    <p:tnLst>
+      <p:par>
+        <p:cTn id="1" dur="indefinite" restart="never" nodeType="tmRoot">
+          <p:childTnLst>
+            <p:seq concurrent="1" nextAc="seek">
+              <p:cTn id="2" dur="indefinite" nodeType="mainSeq">
+                <p:childTnLst>
+                  <p:par>
+                    <p:cTn id="3" fill="hold">
+                      <p:stCondLst>
+                        <p:cond delay="indefinite"/>
+                      </p:stCondLst>
+                      <p:childTnLst>
+                        <p:par>
+                          <p:cTn id="4" fill="hold">
+                            <p:stCondLst>
+                              <p:cond delay="0"/>
+                            </p:stCondLst>
+                            <p:childTnLst>
+                              <p:par>
+                                <p:cTn id="5" presetID="1" presetClass="entr" presetSubtype="0" fill="hold" nodeType="clickEffect">
+                                  <p:stCondLst>
+                                    <p:cond delay="0"/>
+                                  </p:stCondLst>
+                                  <p:childTnLst>
+                                    <p:set>
+                                      <p:cBhvr>
+                                        <p:cTn id="6" dur="1" fill="hold">
+                                          <p:stCondLst>
+                                            <p:cond delay="0"/>
+                                          </p:stCondLst>
+                                        </p:cTn>
+                                        <p:tgtEl>
+                                          <p:spTgt spid="4">
+                                            <p:txEl>
+                                              <p:pRg st="0" end="0"/>
+                                            </p:txEl>
+                                          </p:spTgt>
+                                        </p:tgtEl>
+                                        <p:attrNameLst>
+                                          <p:attrName>style.visibility</p:attrName>
+                                        </p:attrNameLst>
+                                      </p:cBhvr>
+                                      <p:to>
+                                        <p:strVal val="visible"/>
+                                      </p:to>
+                                    </p:set>
+                                  </p:childTnLst>
+                                </p:cTn>
+                              </p:par>
+                              <p:par>
+                                <p:cTn id="7" presetID="1" presetClass="entr" presetSubtype="0" fill="hold" nodeType="withEffect">
+                                  <p:stCondLst>
+                                    <p:cond delay="0"/>
+                                  </p:stCondLst>
+                                  <p:childTnLst>
+                                    <p:set>
+                                      <p:cBhvr>
+                                        <p:cTn id="8" dur="1" fill="hold">
+                                          <p:stCondLst>
+                                            <p:cond delay="0"/>
+                                          </p:stCondLst>
+                                        </p:cTn>
+                                        <p:tgtEl>
+                                          <p:spTgt spid="4">
+                                            <p:txEl>
+                                              <p:pRg st="1" end="1"/>
+                                            </p:txEl>
+                                          </p:spTgt>
+                                        </p:tgtEl>
+                                        <p:attrNameLst>
+                                          <p:attrName>style.visibility</p:attrName>
+                                        </p:attrNameLst>
+                                      </p:cBhvr>
+                                      <p:to>
+                                        <p:strVal val="visible"/>
+                                      </p:to>
+                                    </p:set>
+                                  </p:childTnLst>
+                                </p:cTn>
+                              </p:par>
+                              <p:par>
+                                <p:cTn id="9" presetID="1" presetClass="entr" presetSubtype="0" fill="hold" nodeType="withEffect">
+                                  <p:stCondLst>
+                                    <p:cond delay="0"/>
+                                  </p:stCondLst>
+                                  <p:childTnLst>
+                                    <p:set>
+                                      <p:cBhvr>
+                                        <p:cTn id="10" dur="1" fill="hold">
+                                          <p:stCondLst>
+                                            <p:cond delay="0"/>
+                                          </p:stCondLst>
+                                        </p:cTn>
+                                        <p:tgtEl>
+                                          <p:spTgt spid="4">
+                                            <p:txEl>
+                                              <p:pRg st="2" end="2"/>
+                                            </p:txEl>
+                                          </p:spTgt>
+                                        </p:tgtEl>
+                                        <p:attrNameLst>
+                                          <p:attrName>style.visibility</p:attrName>
+                                        </p:attrNameLst>
+                                      </p:cBhvr>
+                                      <p:to>
+                                        <p:strVal val="visible"/>
+                                      </p:to>
+                                    </p:set>
+                                  </p:childTnLst>
+                                </p:cTn>
+                              </p:par>
+                              <p:par>
+                                <p:cTn id="11" presetID="1" presetClass="entr" presetSubtype="0" fill="hold" nodeType="withEffect">
+                                  <p:stCondLst>
+                                    <p:cond delay="0"/>
+                                  </p:stCondLst>
+                                  <p:childTnLst>
+                                    <p:set>
+                                      <p:cBhvr>
+                                        <p:cTn id="12" dur="1" fill="hold">
+                                          <p:stCondLst>
+                                            <p:cond delay="0"/>
+                                          </p:stCondLst>
+                                        </p:cTn>
+                                        <p:tgtEl>
+                                          <p:spTgt spid="4">
+                                            <p:txEl>
+                                              <p:pRg st="3" end="3"/>
+                                            </p:txEl>
+                                          </p:spTgt>
+                                        </p:tgtEl>
+                                        <p:attrNameLst>
+                                          <p:attrName>style.visibility</p:attrName>
+                                        </p:attrNameLst>
+                                      </p:cBhvr>
+                                      <p:to>
+                                        <p:strVal val="visible"/>
+                                      </p:to>
+                                    </p:set>
+                                  </p:childTnLst>
+                                </p:cTn>
+                              </p:par>
+                              <p:par>
+                                <p:cTn id="13" presetID="1" presetClass="entr" presetSubtype="0" fill="hold" nodeType="withEffect">
+                                  <p:stCondLst>
+                                    <p:cond delay="0"/>
+                                  </p:stCondLst>
+                                  <p:childTnLst>
+                                    <p:set>
+                                      <p:cBhvr>
+                                        <p:cTn id="14" dur="1" fill="hold">
+                                          <p:stCondLst>
+                                            <p:cond delay="0"/>
+                                          </p:stCondLst>
+                                        </p:cTn>
+                                        <p:tgtEl>
+                                          <p:spTgt spid="4">
+                                            <p:txEl>
+                                              <p:pRg st="4" end="4"/>
+                                            </p:txEl>
+                                          </p:spTgt>
+                                        </p:tgtEl>
+                                        <p:attrNameLst>
+                                          <p:attrName>style.visibility</p:attrName>
+                                        </p:attrNameLst>
+                                      </p:cBhvr>
+                                      <p:to>
+                                        <p:strVal val="visible"/>
+                                      </p:to>
+                                    </p:set>
+                                  </p:childTnLst>
+                                </p:cTn>
+                              </p:par>
+                              <p:par>
+                                <p:cTn id="15" presetID="1" presetClass="entr" presetSubtype="0" fill="hold" nodeType="withEffect">
+                                  <p:stCondLst>
+                                    <p:cond delay="0"/>
+                                  </p:stCondLst>
+                                  <p:childTnLst>
+                                    <p:set>
+                                      <p:cBhvr>
+                                        <p:cTn id="16" dur="1" fill="hold">
+                                          <p:stCondLst>
+                                            <p:cond delay="0"/>
+                                          </p:stCondLst>
+                                        </p:cTn>
+                                        <p:tgtEl>
+                                          <p:spTgt spid="4">
+                                            <p:txEl>
+                                              <p:pRg st="5" end="5"/>
+                                            </p:txEl>
+                                          </p:spTgt>
+                                        </p:tgtEl>
+                                        <p:attrNameLst>
+                                          <p:attrName>style.visibility</p:attrName>
+                                        </p:attrNameLst>
+                                      </p:cBhvr>
+                                      <p:to>
+                                        <p:strVal val="visible"/>
+                                      </p:to>
+                                    </p:set>
+                                  </p:childTnLst>
+                                </p:cTn>
+                              </p:par>
+                              <p:par>
+                                <p:cTn id="17" presetID="1" presetClass="entr" presetSubtype="0" fill="hold" nodeType="withEffect">
+                                  <p:stCondLst>
+                                    <p:cond delay="0"/>
+                                  </p:stCondLst>
+                                  <p:childTnLst>
+                                    <p:set>
+                                      <p:cBhvr>
+                                        <p:cTn id="18" dur="1" fill="hold">
+                                          <p:stCondLst>
+                                            <p:cond delay="0"/>
+                                          </p:stCondLst>
+                                        </p:cTn>
+                                        <p:tgtEl>
+                                          <p:spTgt spid="4">
+                                            <p:txEl>
+                                              <p:pRg st="6" end="6"/>
+                                            </p:txEl>
+                                          </p:spTgt>
+                                        </p:tgtEl>
+                                        <p:attrNameLst>
+                                          <p:attrName>style.visibility</p:attrName>
+                                        </p:attrNameLst>
+                                      </p:cBhvr>
+                                      <p:to>
+                                        <p:strVal val="visible"/>
+                                      </p:to>
+                                    </p:set>
+                                  </p:childTnLst>
+                                </p:cTn>
+                              </p:par>
+                              <p:par>
+                                <p:cTn id="19" presetID="1" presetClass="entr" presetSubtype="0" fill="hold" nodeType="withEffect">
+                                  <p:stCondLst>
+                                    <p:cond delay="0"/>
+                                  </p:stCondLst>
+                                  <p:childTnLst>
+                                    <p:set>
+                                      <p:cBhvr>
+                                        <p:cTn id="20" dur="1" fill="hold">
+                                          <p:stCondLst>
+                                            <p:cond delay="0"/>
+                                          </p:stCondLst>
+                                        </p:cTn>
+                                        <p:tgtEl>
+                                          <p:spTgt spid="4">
+                                            <p:txEl>
+                                              <p:pRg st="7" end="7"/>
+                                            </p:txEl>
+                                          </p:spTgt>
+                                        </p:tgtEl>
+                                        <p:attrNameLst>
+                                          <p:attrName>style.visibility</p:attrName>
+                                        </p:attrNameLst>
+                                      </p:cBhvr>
+                                      <p:to>
+                                        <p:strVal val="visible"/>
+                                      </p:to>
+                                    </p:set>
+                                  </p:childTnLst>
+                                </p:cTn>
+                              </p:par>
+                            </p:childTnLst>
+                          </p:cTn>
+                        </p:par>
+                      </p:childTnLst>
+                    </p:cTn>
+                  </p:par>
+                  <p:par>
+                    <p:cTn id="21" fill="hold">
+                      <p:stCondLst>
+                        <p:cond delay="indefinite"/>
+                      </p:stCondLst>
+                      <p:childTnLst>
+                        <p:par>
+                          <p:cTn id="22" fill="hold">
+                            <p:stCondLst>
+                              <p:cond delay="0"/>
+                            </p:stCondLst>
+                            <p:childTnLst>
+                              <p:par>
+                                <p:cTn id="23" presetID="1" presetClass="entr" presetSubtype="0" fill="hold" nodeType="clickEffect">
+                                  <p:stCondLst>
+                                    <p:cond delay="0"/>
+                                  </p:stCondLst>
+                                  <p:childTnLst>
+                                    <p:set>
+                                      <p:cBhvr>
+                                        <p:cTn id="24" dur="1" fill="hold">
+                                          <p:stCondLst>
+                                            <p:cond delay="0"/>
+                                          </p:stCondLst>
+                                        </p:cTn>
+                                        <p:tgtEl>
+                                          <p:spTgt spid="3">
+                                            <p:txEl>
+                                              <p:pRg st="0" end="0"/>
+                                            </p:txEl>
+                                          </p:spTgt>
+                                        </p:tgtEl>
+                                        <p:attrNameLst>
+                                          <p:attrName>style.visibility</p:attrName>
+                                        </p:attrNameLst>
+                                      </p:cBhvr>
+                                      <p:to>
+                                        <p:strVal val="visible"/>
+                                      </p:to>
+                                    </p:set>
+                                  </p:childTnLst>
+                                </p:cTn>
+                              </p:par>
+                            </p:childTnLst>
+                          </p:cTn>
+                        </p:par>
+                      </p:childTnLst>
+                    </p:cTn>
+                  </p:par>
+                  <p:par>
+                    <p:cTn id="25" fill="hold">
+                      <p:stCondLst>
+                        <p:cond delay="indefinite"/>
+                      </p:stCondLst>
+                      <p:childTnLst>
+                        <p:par>
+                          <p:cTn id="26" fill="hold">
+                            <p:stCondLst>
+                              <p:cond delay="0"/>
+                            </p:stCondLst>
+                            <p:childTnLst>
+                              <p:par>
+                                <p:cTn id="27" presetID="1" presetClass="entr" presetSubtype="0" fill="hold" nodeType="clickEffect">
+                                  <p:stCondLst>
+                                    <p:cond delay="0"/>
+                                  </p:stCondLst>
+                                  <p:childTnLst>
+                                    <p:set>
+                                      <p:cBhvr>
+                                        <p:cTn id="28" dur="1" fill="hold">
+                                          <p:stCondLst>
+                                            <p:cond delay="0"/>
+                                          </p:stCondLst>
+                                        </p:cTn>
+                                        <p:tgtEl>
+                                          <p:spTgt spid="3">
+                                            <p:txEl>
+                                              <p:pRg st="1" end="1"/>
+                                            </p:txEl>
+                                          </p:spTgt>
+                                        </p:tgtEl>
+                                        <p:attrNameLst>
+                                          <p:attrName>style.visibility</p:attrName>
+                                        </p:attrNameLst>
+                                      </p:cBhvr>
+                                      <p:to>
+                                        <p:strVal val="visible"/>
+                                      </p:to>
+                                    </p:set>
+                                  </p:childTnLst>
+                                </p:cTn>
+                              </p:par>
+                              <p:par>
+                                <p:cTn id="29" presetID="1" presetClass="entr" presetSubtype="0" fill="hold" nodeType="withEffect">
+                                  <p:stCondLst>
+                                    <p:cond delay="0"/>
+                                  </p:stCondLst>
+                                  <p:childTnLst>
+                                    <p:set>
+                                      <p:cBhvr>
+                                        <p:cTn id="30" dur="1" fill="hold">
+                                          <p:stCondLst>
+                                            <p:cond delay="0"/>
+                                          </p:stCondLst>
+                                        </p:cTn>
+                                        <p:tgtEl>
+                                          <p:spTgt spid="3">
+                                            <p:txEl>
+                                              <p:pRg st="2" end="2"/>
+                                            </p:txEl>
+                                          </p:spTgt>
+                                        </p:tgtEl>
+                                        <p:attrNameLst>
+                                          <p:attrName>style.visibility</p:attrName>
+                                        </p:attrNameLst>
+                                      </p:cBhvr>
+                                      <p:to>
+                                        <p:strVal val="visible"/>
+                                      </p:to>
+                                    </p:set>
+                                  </p:childTnLst>
+                                </p:cTn>
+                              </p:par>
+                            </p:childTnLst>
+                          </p:cTn>
+                        </p:par>
+                      </p:childTnLst>
+                    </p:cTn>
+                  </p:par>
+                </p:childTnLst>
+              </p:cTn>
+              <p:prevCondLst>
+                <p:cond evt="onPrev" delay="0">
+                  <p:tgtEl>
+                    <p:sldTgt/>
+                  </p:tgtEl>
+                </p:cond>
+              </p:prevCondLst>
+              <p:nextCondLst>
+                <p:cond evt="onNext" delay="0">
+                  <p:tgtEl>
+                    <p:sldTgt/>
+                  </p:tgtEl>
+                </p:cond>
+              </p:nextCondLst>
+            </p:seq>
+          </p:childTnLst>
+        </p:cTn>
+      </p:par>
+    </p:tnLst>
+  </p:timing>
 </p:sld>
 </file>
 
@@ -8815,10 +12247,18 @@
           <a:lstStyle/>
           <a:p>
             <a:r>
-              <a:rPr lang="en-US" dirty="0" err="1"/>
+              <a:rPr lang="en-US" dirty="0" err="1">
+                <a:latin typeface="Menlo" panose="020B0609030804020204" pitchFamily="49" charset="0"/>
+                <a:ea typeface="Menlo" panose="020B0609030804020204" pitchFamily="49" charset="0"/>
+                <a:cs typeface="Menlo" panose="020B0609030804020204" pitchFamily="49" charset="0"/>
+              </a:rPr>
               <a:t>isbn</a:t>
             </a:r>
-            <a:endParaRPr lang="en-US" dirty="0"/>
+            <a:endParaRPr lang="en-US" dirty="0">
+              <a:latin typeface="Menlo" panose="020B0609030804020204" pitchFamily="49" charset="0"/>
+              <a:ea typeface="Menlo" panose="020B0609030804020204" pitchFamily="49" charset="0"/>
+              <a:cs typeface="Menlo" panose="020B0609030804020204" pitchFamily="49" charset="0"/>
+            </a:endParaRPr>
           </a:p>
           <a:p>
             <a:pPr lvl="1"/>
@@ -11456,6 +14896,490 @@
   <p:clrMapOvr>
     <a:masterClrMapping/>
   </p:clrMapOvr>
+  <p:timing>
+    <p:tnLst>
+      <p:par>
+        <p:cTn id="1" dur="indefinite" restart="never" nodeType="tmRoot">
+          <p:childTnLst>
+            <p:seq concurrent="1" nextAc="seek">
+              <p:cTn id="2" dur="indefinite" nodeType="mainSeq">
+                <p:childTnLst>
+                  <p:par>
+                    <p:cTn id="3" fill="hold">
+                      <p:stCondLst>
+                        <p:cond delay="indefinite"/>
+                      </p:stCondLst>
+                      <p:childTnLst>
+                        <p:par>
+                          <p:cTn id="4" fill="hold">
+                            <p:stCondLst>
+                              <p:cond delay="0"/>
+                            </p:stCondLst>
+                            <p:childTnLst>
+                              <p:par>
+                                <p:cTn id="5" presetID="1" presetClass="entr" presetSubtype="0" fill="hold" nodeType="clickEffect">
+                                  <p:stCondLst>
+                                    <p:cond delay="0"/>
+                                  </p:stCondLst>
+                                  <p:childTnLst>
+                                    <p:set>
+                                      <p:cBhvr>
+                                        <p:cTn id="6" dur="1" fill="hold">
+                                          <p:stCondLst>
+                                            <p:cond delay="0"/>
+                                          </p:stCondLst>
+                                        </p:cTn>
+                                        <p:tgtEl>
+                                          <p:spTgt spid="3">
+                                            <p:txEl>
+                                              <p:pRg st="0" end="0"/>
+                                            </p:txEl>
+                                          </p:spTgt>
+                                        </p:tgtEl>
+                                        <p:attrNameLst>
+                                          <p:attrName>style.visibility</p:attrName>
+                                        </p:attrNameLst>
+                                      </p:cBhvr>
+                                      <p:to>
+                                        <p:strVal val="visible"/>
+                                      </p:to>
+                                    </p:set>
+                                  </p:childTnLst>
+                                </p:cTn>
+                              </p:par>
+                            </p:childTnLst>
+                          </p:cTn>
+                        </p:par>
+                      </p:childTnLst>
+                    </p:cTn>
+                  </p:par>
+                  <p:par>
+                    <p:cTn id="7" fill="hold">
+                      <p:stCondLst>
+                        <p:cond delay="indefinite"/>
+                      </p:stCondLst>
+                      <p:childTnLst>
+                        <p:par>
+                          <p:cTn id="8" fill="hold">
+                            <p:stCondLst>
+                              <p:cond delay="0"/>
+                            </p:stCondLst>
+                            <p:childTnLst>
+                              <p:par>
+                                <p:cTn id="9" presetID="1" presetClass="entr" presetSubtype="0" fill="hold" nodeType="clickEffect">
+                                  <p:stCondLst>
+                                    <p:cond delay="0"/>
+                                  </p:stCondLst>
+                                  <p:childTnLst>
+                                    <p:set>
+                                      <p:cBhvr>
+                                        <p:cTn id="10" dur="1" fill="hold">
+                                          <p:stCondLst>
+                                            <p:cond delay="0"/>
+                                          </p:stCondLst>
+                                        </p:cTn>
+                                        <p:tgtEl>
+                                          <p:spTgt spid="3">
+                                            <p:txEl>
+                                              <p:pRg st="1" end="1"/>
+                                            </p:txEl>
+                                          </p:spTgt>
+                                        </p:tgtEl>
+                                        <p:attrNameLst>
+                                          <p:attrName>style.visibility</p:attrName>
+                                        </p:attrNameLst>
+                                      </p:cBhvr>
+                                      <p:to>
+                                        <p:strVal val="visible"/>
+                                      </p:to>
+                                    </p:set>
+                                  </p:childTnLst>
+                                </p:cTn>
+                              </p:par>
+                              <p:par>
+                                <p:cTn id="11" presetID="1" presetClass="entr" presetSubtype="0" fill="hold" nodeType="withEffect">
+                                  <p:stCondLst>
+                                    <p:cond delay="0"/>
+                                  </p:stCondLst>
+                                  <p:childTnLst>
+                                    <p:set>
+                                      <p:cBhvr>
+                                        <p:cTn id="12" dur="1" fill="hold">
+                                          <p:stCondLst>
+                                            <p:cond delay="0"/>
+                                          </p:stCondLst>
+                                        </p:cTn>
+                                        <p:tgtEl>
+                                          <p:spTgt spid="3">
+                                            <p:txEl>
+                                              <p:pRg st="2" end="2"/>
+                                            </p:txEl>
+                                          </p:spTgt>
+                                        </p:tgtEl>
+                                        <p:attrNameLst>
+                                          <p:attrName>style.visibility</p:attrName>
+                                        </p:attrNameLst>
+                                      </p:cBhvr>
+                                      <p:to>
+                                        <p:strVal val="visible"/>
+                                      </p:to>
+                                    </p:set>
+                                  </p:childTnLst>
+                                </p:cTn>
+                              </p:par>
+                            </p:childTnLst>
+                          </p:cTn>
+                        </p:par>
+                      </p:childTnLst>
+                    </p:cTn>
+                  </p:par>
+                  <p:par>
+                    <p:cTn id="13" fill="hold">
+                      <p:stCondLst>
+                        <p:cond delay="indefinite"/>
+                      </p:stCondLst>
+                      <p:childTnLst>
+                        <p:par>
+                          <p:cTn id="14" fill="hold">
+                            <p:stCondLst>
+                              <p:cond delay="0"/>
+                            </p:stCondLst>
+                            <p:childTnLst>
+                              <p:par>
+                                <p:cTn id="15" presetID="1" presetClass="entr" presetSubtype="0" fill="hold" nodeType="clickEffect">
+                                  <p:stCondLst>
+                                    <p:cond delay="0"/>
+                                  </p:stCondLst>
+                                  <p:childTnLst>
+                                    <p:set>
+                                      <p:cBhvr>
+                                        <p:cTn id="16" dur="1" fill="hold">
+                                          <p:stCondLst>
+                                            <p:cond delay="0"/>
+                                          </p:stCondLst>
+                                        </p:cTn>
+                                        <p:tgtEl>
+                                          <p:spTgt spid="3">
+                                            <p:txEl>
+                                              <p:pRg st="3" end="3"/>
+                                            </p:txEl>
+                                          </p:spTgt>
+                                        </p:tgtEl>
+                                        <p:attrNameLst>
+                                          <p:attrName>style.visibility</p:attrName>
+                                        </p:attrNameLst>
+                                      </p:cBhvr>
+                                      <p:to>
+                                        <p:strVal val="visible"/>
+                                      </p:to>
+                                    </p:set>
+                                  </p:childTnLst>
+                                </p:cTn>
+                              </p:par>
+                            </p:childTnLst>
+                          </p:cTn>
+                        </p:par>
+                      </p:childTnLst>
+                    </p:cTn>
+                  </p:par>
+                  <p:par>
+                    <p:cTn id="17" fill="hold">
+                      <p:stCondLst>
+                        <p:cond delay="indefinite"/>
+                      </p:stCondLst>
+                      <p:childTnLst>
+                        <p:par>
+                          <p:cTn id="18" fill="hold">
+                            <p:stCondLst>
+                              <p:cond delay="0"/>
+                            </p:stCondLst>
+                            <p:childTnLst>
+                              <p:par>
+                                <p:cTn id="19" presetID="1" presetClass="entr" presetSubtype="0" fill="hold" nodeType="clickEffect">
+                                  <p:stCondLst>
+                                    <p:cond delay="0"/>
+                                  </p:stCondLst>
+                                  <p:childTnLst>
+                                    <p:set>
+                                      <p:cBhvr>
+                                        <p:cTn id="20" dur="1" fill="hold">
+                                          <p:stCondLst>
+                                            <p:cond delay="0"/>
+                                          </p:stCondLst>
+                                        </p:cTn>
+                                        <p:tgtEl>
+                                          <p:spTgt spid="3">
+                                            <p:txEl>
+                                              <p:pRg st="4" end="4"/>
+                                            </p:txEl>
+                                          </p:spTgt>
+                                        </p:tgtEl>
+                                        <p:attrNameLst>
+                                          <p:attrName>style.visibility</p:attrName>
+                                        </p:attrNameLst>
+                                      </p:cBhvr>
+                                      <p:to>
+                                        <p:strVal val="visible"/>
+                                      </p:to>
+                                    </p:set>
+                                  </p:childTnLst>
+                                </p:cTn>
+                              </p:par>
+                            </p:childTnLst>
+                          </p:cTn>
+                        </p:par>
+                      </p:childTnLst>
+                    </p:cTn>
+                  </p:par>
+                  <p:par>
+                    <p:cTn id="21" fill="hold">
+                      <p:stCondLst>
+                        <p:cond delay="indefinite"/>
+                      </p:stCondLst>
+                      <p:childTnLst>
+                        <p:par>
+                          <p:cTn id="22" fill="hold">
+                            <p:stCondLst>
+                              <p:cond delay="0"/>
+                            </p:stCondLst>
+                            <p:childTnLst>
+                              <p:par>
+                                <p:cTn id="23" presetID="1" presetClass="entr" presetSubtype="0" fill="hold" nodeType="clickEffect">
+                                  <p:stCondLst>
+                                    <p:cond delay="0"/>
+                                  </p:stCondLst>
+                                  <p:childTnLst>
+                                    <p:set>
+                                      <p:cBhvr>
+                                        <p:cTn id="24" dur="1" fill="hold">
+                                          <p:stCondLst>
+                                            <p:cond delay="0"/>
+                                          </p:stCondLst>
+                                        </p:cTn>
+                                        <p:tgtEl>
+                                          <p:spTgt spid="3">
+                                            <p:txEl>
+                                              <p:pRg st="5" end="5"/>
+                                            </p:txEl>
+                                          </p:spTgt>
+                                        </p:tgtEl>
+                                        <p:attrNameLst>
+                                          <p:attrName>style.visibility</p:attrName>
+                                        </p:attrNameLst>
+                                      </p:cBhvr>
+                                      <p:to>
+                                        <p:strVal val="visible"/>
+                                      </p:to>
+                                    </p:set>
+                                  </p:childTnLst>
+                                </p:cTn>
+                              </p:par>
+                            </p:childTnLst>
+                          </p:cTn>
+                        </p:par>
+                      </p:childTnLst>
+                    </p:cTn>
+                  </p:par>
+                  <p:par>
+                    <p:cTn id="25" fill="hold">
+                      <p:stCondLst>
+                        <p:cond delay="indefinite"/>
+                      </p:stCondLst>
+                      <p:childTnLst>
+                        <p:par>
+                          <p:cTn id="26" fill="hold">
+                            <p:stCondLst>
+                              <p:cond delay="0"/>
+                            </p:stCondLst>
+                            <p:childTnLst>
+                              <p:par>
+                                <p:cTn id="27" presetID="1" presetClass="entr" presetSubtype="0" fill="hold" nodeType="clickEffect">
+                                  <p:stCondLst>
+                                    <p:cond delay="0"/>
+                                  </p:stCondLst>
+                                  <p:childTnLst>
+                                    <p:set>
+                                      <p:cBhvr>
+                                        <p:cTn id="28" dur="1" fill="hold">
+                                          <p:stCondLst>
+                                            <p:cond delay="0"/>
+                                          </p:stCondLst>
+                                        </p:cTn>
+                                        <p:tgtEl>
+                                          <p:spTgt spid="3">
+                                            <p:txEl>
+                                              <p:pRg st="6" end="6"/>
+                                            </p:txEl>
+                                          </p:spTgt>
+                                        </p:tgtEl>
+                                        <p:attrNameLst>
+                                          <p:attrName>style.visibility</p:attrName>
+                                        </p:attrNameLst>
+                                      </p:cBhvr>
+                                      <p:to>
+                                        <p:strVal val="visible"/>
+                                      </p:to>
+                                    </p:set>
+                                  </p:childTnLst>
+                                </p:cTn>
+                              </p:par>
+                            </p:childTnLst>
+                          </p:cTn>
+                        </p:par>
+                      </p:childTnLst>
+                    </p:cTn>
+                  </p:par>
+                  <p:par>
+                    <p:cTn id="29" fill="hold">
+                      <p:stCondLst>
+                        <p:cond delay="indefinite"/>
+                      </p:stCondLst>
+                      <p:childTnLst>
+                        <p:par>
+                          <p:cTn id="30" fill="hold">
+                            <p:stCondLst>
+                              <p:cond delay="0"/>
+                            </p:stCondLst>
+                            <p:childTnLst>
+                              <p:par>
+                                <p:cTn id="31" presetID="1" presetClass="entr" presetSubtype="0" fill="hold" nodeType="clickEffect">
+                                  <p:stCondLst>
+                                    <p:cond delay="0"/>
+                                  </p:stCondLst>
+                                  <p:childTnLst>
+                                    <p:set>
+                                      <p:cBhvr>
+                                        <p:cTn id="32" dur="1" fill="hold">
+                                          <p:stCondLst>
+                                            <p:cond delay="0"/>
+                                          </p:stCondLst>
+                                        </p:cTn>
+                                        <p:tgtEl>
+                                          <p:spTgt spid="3">
+                                            <p:txEl>
+                                              <p:pRg st="7" end="7"/>
+                                            </p:txEl>
+                                          </p:spTgt>
+                                        </p:tgtEl>
+                                        <p:attrNameLst>
+                                          <p:attrName>style.visibility</p:attrName>
+                                        </p:attrNameLst>
+                                      </p:cBhvr>
+                                      <p:to>
+                                        <p:strVal val="visible"/>
+                                      </p:to>
+                                    </p:set>
+                                  </p:childTnLst>
+                                </p:cTn>
+                              </p:par>
+                            </p:childTnLst>
+                          </p:cTn>
+                        </p:par>
+                      </p:childTnLst>
+                    </p:cTn>
+                  </p:par>
+                  <p:par>
+                    <p:cTn id="33" fill="hold">
+                      <p:stCondLst>
+                        <p:cond delay="indefinite"/>
+                      </p:stCondLst>
+                      <p:childTnLst>
+                        <p:par>
+                          <p:cTn id="34" fill="hold">
+                            <p:stCondLst>
+                              <p:cond delay="0"/>
+                            </p:stCondLst>
+                            <p:childTnLst>
+                              <p:par>
+                                <p:cTn id="35" presetID="1" presetClass="entr" presetSubtype="0" fill="hold" nodeType="clickEffect">
+                                  <p:stCondLst>
+                                    <p:cond delay="0"/>
+                                  </p:stCondLst>
+                                  <p:childTnLst>
+                                    <p:set>
+                                      <p:cBhvr>
+                                        <p:cTn id="36" dur="1" fill="hold">
+                                          <p:stCondLst>
+                                            <p:cond delay="0"/>
+                                          </p:stCondLst>
+                                        </p:cTn>
+                                        <p:tgtEl>
+                                          <p:spTgt spid="3">
+                                            <p:txEl>
+                                              <p:pRg st="8" end="8"/>
+                                            </p:txEl>
+                                          </p:spTgt>
+                                        </p:tgtEl>
+                                        <p:attrNameLst>
+                                          <p:attrName>style.visibility</p:attrName>
+                                        </p:attrNameLst>
+                                      </p:cBhvr>
+                                      <p:to>
+                                        <p:strVal val="visible"/>
+                                      </p:to>
+                                    </p:set>
+                                  </p:childTnLst>
+                                </p:cTn>
+                              </p:par>
+                              <p:par>
+                                <p:cTn id="37" presetID="1" presetClass="entr" presetSubtype="0" fill="hold" nodeType="withEffect">
+                                  <p:stCondLst>
+                                    <p:cond delay="0"/>
+                                  </p:stCondLst>
+                                  <p:childTnLst>
+                                    <p:set>
+                                      <p:cBhvr>
+                                        <p:cTn id="38" dur="1" fill="hold">
+                                          <p:stCondLst>
+                                            <p:cond delay="0"/>
+                                          </p:stCondLst>
+                                        </p:cTn>
+                                        <p:tgtEl>
+                                          <p:spTgt spid="3">
+                                            <p:txEl>
+                                              <p:pRg st="9" end="9"/>
+                                            </p:txEl>
+                                          </p:spTgt>
+                                        </p:tgtEl>
+                                        <p:attrNameLst>
+                                          <p:attrName>style.visibility</p:attrName>
+                                        </p:attrNameLst>
+                                      </p:cBhvr>
+                                      <p:to>
+                                        <p:strVal val="visible"/>
+                                      </p:to>
+                                    </p:set>
+                                  </p:childTnLst>
+                                </p:cTn>
+                              </p:par>
+                            </p:childTnLst>
+                          </p:cTn>
+                        </p:par>
+                      </p:childTnLst>
+                    </p:cTn>
+                  </p:par>
+                </p:childTnLst>
+              </p:cTn>
+              <p:prevCondLst>
+                <p:cond evt="onPrev" delay="0">
+                  <p:tgtEl>
+                    <p:sldTgt/>
+                  </p:tgtEl>
+                </p:cond>
+              </p:prevCondLst>
+              <p:nextCondLst>
+                <p:cond evt="onNext" delay="0">
+                  <p:tgtEl>
+                    <p:sldTgt/>
+                  </p:tgtEl>
+                </p:cond>
+              </p:nextCondLst>
+            </p:seq>
+          </p:childTnLst>
+        </p:cTn>
+      </p:par>
+    </p:tnLst>
+  </p:timing>
 </p:sld>
 </file>
 
@@ -11987,6 +15911,449 @@
   <p:clrMapOvr>
     <a:masterClrMapping/>
   </p:clrMapOvr>
+  <p:timing>
+    <p:tnLst>
+      <p:par>
+        <p:cTn id="1" dur="indefinite" restart="never" nodeType="tmRoot">
+          <p:childTnLst>
+            <p:seq concurrent="1" nextAc="seek">
+              <p:cTn id="2" dur="indefinite" nodeType="mainSeq">
+                <p:childTnLst>
+                  <p:par>
+                    <p:cTn id="3" fill="hold">
+                      <p:stCondLst>
+                        <p:cond delay="indefinite"/>
+                      </p:stCondLst>
+                      <p:childTnLst>
+                        <p:par>
+                          <p:cTn id="4" fill="hold">
+                            <p:stCondLst>
+                              <p:cond delay="0"/>
+                            </p:stCondLst>
+                            <p:childTnLst>
+                              <p:par>
+                                <p:cTn id="5" presetID="1" presetClass="entr" presetSubtype="0" fill="hold" nodeType="clickEffect">
+                                  <p:stCondLst>
+                                    <p:cond delay="0"/>
+                                  </p:stCondLst>
+                                  <p:childTnLst>
+                                    <p:set>
+                                      <p:cBhvr>
+                                        <p:cTn id="6" dur="1" fill="hold">
+                                          <p:stCondLst>
+                                            <p:cond delay="0"/>
+                                          </p:stCondLst>
+                                        </p:cTn>
+                                        <p:tgtEl>
+                                          <p:spTgt spid="3">
+                                            <p:txEl>
+                                              <p:pRg st="0" end="0"/>
+                                            </p:txEl>
+                                          </p:spTgt>
+                                        </p:tgtEl>
+                                        <p:attrNameLst>
+                                          <p:attrName>style.visibility</p:attrName>
+                                        </p:attrNameLst>
+                                      </p:cBhvr>
+                                      <p:to>
+                                        <p:strVal val="visible"/>
+                                      </p:to>
+                                    </p:set>
+                                  </p:childTnLst>
+                                </p:cTn>
+                              </p:par>
+                            </p:childTnLst>
+                          </p:cTn>
+                        </p:par>
+                      </p:childTnLst>
+                    </p:cTn>
+                  </p:par>
+                  <p:par>
+                    <p:cTn id="7" fill="hold">
+                      <p:stCondLst>
+                        <p:cond delay="indefinite"/>
+                      </p:stCondLst>
+                      <p:childTnLst>
+                        <p:par>
+                          <p:cTn id="8" fill="hold">
+                            <p:stCondLst>
+                              <p:cond delay="0"/>
+                            </p:stCondLst>
+                            <p:childTnLst>
+                              <p:par>
+                                <p:cTn id="9" presetID="1" presetClass="entr" presetSubtype="0" fill="hold" nodeType="clickEffect">
+                                  <p:stCondLst>
+                                    <p:cond delay="0"/>
+                                  </p:stCondLst>
+                                  <p:childTnLst>
+                                    <p:set>
+                                      <p:cBhvr>
+                                        <p:cTn id="10" dur="1" fill="hold">
+                                          <p:stCondLst>
+                                            <p:cond delay="0"/>
+                                          </p:stCondLst>
+                                        </p:cTn>
+                                        <p:tgtEl>
+                                          <p:spTgt spid="3">
+                                            <p:txEl>
+                                              <p:pRg st="1" end="1"/>
+                                            </p:txEl>
+                                          </p:spTgt>
+                                        </p:tgtEl>
+                                        <p:attrNameLst>
+                                          <p:attrName>style.visibility</p:attrName>
+                                        </p:attrNameLst>
+                                      </p:cBhvr>
+                                      <p:to>
+                                        <p:strVal val="visible"/>
+                                      </p:to>
+                                    </p:set>
+                                  </p:childTnLst>
+                                </p:cTn>
+                              </p:par>
+                              <p:par>
+                                <p:cTn id="11" presetID="1" presetClass="entr" presetSubtype="0" fill="hold" nodeType="withEffect">
+                                  <p:stCondLst>
+                                    <p:cond delay="0"/>
+                                  </p:stCondLst>
+                                  <p:childTnLst>
+                                    <p:set>
+                                      <p:cBhvr>
+                                        <p:cTn id="12" dur="1" fill="hold">
+                                          <p:stCondLst>
+                                            <p:cond delay="0"/>
+                                          </p:stCondLst>
+                                        </p:cTn>
+                                        <p:tgtEl>
+                                          <p:spTgt spid="3">
+                                            <p:txEl>
+                                              <p:pRg st="2" end="2"/>
+                                            </p:txEl>
+                                          </p:spTgt>
+                                        </p:tgtEl>
+                                        <p:attrNameLst>
+                                          <p:attrName>style.visibility</p:attrName>
+                                        </p:attrNameLst>
+                                      </p:cBhvr>
+                                      <p:to>
+                                        <p:strVal val="visible"/>
+                                      </p:to>
+                                    </p:set>
+                                  </p:childTnLst>
+                                </p:cTn>
+                              </p:par>
+                              <p:par>
+                                <p:cTn id="13" presetID="1" presetClass="entr" presetSubtype="0" fill="hold" nodeType="withEffect">
+                                  <p:stCondLst>
+                                    <p:cond delay="0"/>
+                                  </p:stCondLst>
+                                  <p:childTnLst>
+                                    <p:set>
+                                      <p:cBhvr>
+                                        <p:cTn id="14" dur="1" fill="hold">
+                                          <p:stCondLst>
+                                            <p:cond delay="0"/>
+                                          </p:stCondLst>
+                                        </p:cTn>
+                                        <p:tgtEl>
+                                          <p:spTgt spid="3">
+                                            <p:txEl>
+                                              <p:pRg st="3" end="3"/>
+                                            </p:txEl>
+                                          </p:spTgt>
+                                        </p:tgtEl>
+                                        <p:attrNameLst>
+                                          <p:attrName>style.visibility</p:attrName>
+                                        </p:attrNameLst>
+                                      </p:cBhvr>
+                                      <p:to>
+                                        <p:strVal val="visible"/>
+                                      </p:to>
+                                    </p:set>
+                                  </p:childTnLst>
+                                </p:cTn>
+                              </p:par>
+                              <p:par>
+                                <p:cTn id="15" presetID="1" presetClass="entr" presetSubtype="0" fill="hold" nodeType="withEffect">
+                                  <p:stCondLst>
+                                    <p:cond delay="0"/>
+                                  </p:stCondLst>
+                                  <p:childTnLst>
+                                    <p:set>
+                                      <p:cBhvr>
+                                        <p:cTn id="16" dur="1" fill="hold">
+                                          <p:stCondLst>
+                                            <p:cond delay="0"/>
+                                          </p:stCondLst>
+                                        </p:cTn>
+                                        <p:tgtEl>
+                                          <p:spTgt spid="3">
+                                            <p:txEl>
+                                              <p:pRg st="4" end="4"/>
+                                            </p:txEl>
+                                          </p:spTgt>
+                                        </p:tgtEl>
+                                        <p:attrNameLst>
+                                          <p:attrName>style.visibility</p:attrName>
+                                        </p:attrNameLst>
+                                      </p:cBhvr>
+                                      <p:to>
+                                        <p:strVal val="visible"/>
+                                      </p:to>
+                                    </p:set>
+                                  </p:childTnLst>
+                                </p:cTn>
+                              </p:par>
+                            </p:childTnLst>
+                          </p:cTn>
+                        </p:par>
+                      </p:childTnLst>
+                    </p:cTn>
+                  </p:par>
+                  <p:par>
+                    <p:cTn id="17" fill="hold">
+                      <p:stCondLst>
+                        <p:cond delay="indefinite"/>
+                      </p:stCondLst>
+                      <p:childTnLst>
+                        <p:par>
+                          <p:cTn id="18" fill="hold">
+                            <p:stCondLst>
+                              <p:cond delay="0"/>
+                            </p:stCondLst>
+                            <p:childTnLst>
+                              <p:par>
+                                <p:cTn id="19" presetID="1" presetClass="entr" presetSubtype="0" fill="hold" nodeType="clickEffect">
+                                  <p:stCondLst>
+                                    <p:cond delay="0"/>
+                                  </p:stCondLst>
+                                  <p:childTnLst>
+                                    <p:set>
+                                      <p:cBhvr>
+                                        <p:cTn id="20" dur="1" fill="hold">
+                                          <p:stCondLst>
+                                            <p:cond delay="0"/>
+                                          </p:stCondLst>
+                                        </p:cTn>
+                                        <p:tgtEl>
+                                          <p:spTgt spid="3">
+                                            <p:txEl>
+                                              <p:pRg st="5" end="5"/>
+                                            </p:txEl>
+                                          </p:spTgt>
+                                        </p:tgtEl>
+                                        <p:attrNameLst>
+                                          <p:attrName>style.visibility</p:attrName>
+                                        </p:attrNameLst>
+                                      </p:cBhvr>
+                                      <p:to>
+                                        <p:strVal val="visible"/>
+                                      </p:to>
+                                    </p:set>
+                                  </p:childTnLst>
+                                </p:cTn>
+                              </p:par>
+                              <p:par>
+                                <p:cTn id="21" presetID="1" presetClass="entr" presetSubtype="0" fill="hold" nodeType="withEffect">
+                                  <p:stCondLst>
+                                    <p:cond delay="0"/>
+                                  </p:stCondLst>
+                                  <p:childTnLst>
+                                    <p:set>
+                                      <p:cBhvr>
+                                        <p:cTn id="22" dur="1" fill="hold">
+                                          <p:stCondLst>
+                                            <p:cond delay="0"/>
+                                          </p:stCondLst>
+                                        </p:cTn>
+                                        <p:tgtEl>
+                                          <p:spTgt spid="3">
+                                            <p:txEl>
+                                              <p:pRg st="6" end="6"/>
+                                            </p:txEl>
+                                          </p:spTgt>
+                                        </p:tgtEl>
+                                        <p:attrNameLst>
+                                          <p:attrName>style.visibility</p:attrName>
+                                        </p:attrNameLst>
+                                      </p:cBhvr>
+                                      <p:to>
+                                        <p:strVal val="visible"/>
+                                      </p:to>
+                                    </p:set>
+                                  </p:childTnLst>
+                                </p:cTn>
+                              </p:par>
+                            </p:childTnLst>
+                          </p:cTn>
+                        </p:par>
+                      </p:childTnLst>
+                    </p:cTn>
+                  </p:par>
+                  <p:par>
+                    <p:cTn id="23" fill="hold">
+                      <p:stCondLst>
+                        <p:cond delay="indefinite"/>
+                      </p:stCondLst>
+                      <p:childTnLst>
+                        <p:par>
+                          <p:cTn id="24" fill="hold">
+                            <p:stCondLst>
+                              <p:cond delay="0"/>
+                            </p:stCondLst>
+                            <p:childTnLst>
+                              <p:par>
+                                <p:cTn id="25" presetID="1" presetClass="entr" presetSubtype="0" fill="hold" nodeType="clickEffect">
+                                  <p:stCondLst>
+                                    <p:cond delay="0"/>
+                                  </p:stCondLst>
+                                  <p:childTnLst>
+                                    <p:set>
+                                      <p:cBhvr>
+                                        <p:cTn id="26" dur="1" fill="hold">
+                                          <p:stCondLst>
+                                            <p:cond delay="0"/>
+                                          </p:stCondLst>
+                                        </p:cTn>
+                                        <p:tgtEl>
+                                          <p:spTgt spid="3">
+                                            <p:txEl>
+                                              <p:pRg st="7" end="7"/>
+                                            </p:txEl>
+                                          </p:spTgt>
+                                        </p:tgtEl>
+                                        <p:attrNameLst>
+                                          <p:attrName>style.visibility</p:attrName>
+                                        </p:attrNameLst>
+                                      </p:cBhvr>
+                                      <p:to>
+                                        <p:strVal val="visible"/>
+                                      </p:to>
+                                    </p:set>
+                                  </p:childTnLst>
+                                </p:cTn>
+                              </p:par>
+                              <p:par>
+                                <p:cTn id="27" presetID="1" presetClass="entr" presetSubtype="0" fill="hold" nodeType="withEffect">
+                                  <p:stCondLst>
+                                    <p:cond delay="0"/>
+                                  </p:stCondLst>
+                                  <p:childTnLst>
+                                    <p:set>
+                                      <p:cBhvr>
+                                        <p:cTn id="28" dur="1" fill="hold">
+                                          <p:stCondLst>
+                                            <p:cond delay="0"/>
+                                          </p:stCondLst>
+                                        </p:cTn>
+                                        <p:tgtEl>
+                                          <p:spTgt spid="3">
+                                            <p:txEl>
+                                              <p:pRg st="8" end="8"/>
+                                            </p:txEl>
+                                          </p:spTgt>
+                                        </p:tgtEl>
+                                        <p:attrNameLst>
+                                          <p:attrName>style.visibility</p:attrName>
+                                        </p:attrNameLst>
+                                      </p:cBhvr>
+                                      <p:to>
+                                        <p:strVal val="visible"/>
+                                      </p:to>
+                                    </p:set>
+                                  </p:childTnLst>
+                                </p:cTn>
+                              </p:par>
+                              <p:par>
+                                <p:cTn id="29" presetID="1" presetClass="entr" presetSubtype="0" fill="hold" nodeType="withEffect">
+                                  <p:stCondLst>
+                                    <p:cond delay="0"/>
+                                  </p:stCondLst>
+                                  <p:childTnLst>
+                                    <p:set>
+                                      <p:cBhvr>
+                                        <p:cTn id="30" dur="1" fill="hold">
+                                          <p:stCondLst>
+                                            <p:cond delay="0"/>
+                                          </p:stCondLst>
+                                        </p:cTn>
+                                        <p:tgtEl>
+                                          <p:spTgt spid="3">
+                                            <p:txEl>
+                                              <p:pRg st="9" end="9"/>
+                                            </p:txEl>
+                                          </p:spTgt>
+                                        </p:tgtEl>
+                                        <p:attrNameLst>
+                                          <p:attrName>style.visibility</p:attrName>
+                                        </p:attrNameLst>
+                                      </p:cBhvr>
+                                      <p:to>
+                                        <p:strVal val="visible"/>
+                                      </p:to>
+                                    </p:set>
+                                  </p:childTnLst>
+                                </p:cTn>
+                              </p:par>
+                              <p:par>
+                                <p:cTn id="31" presetID="1" presetClass="entr" presetSubtype="0" fill="hold" nodeType="withEffect">
+                                  <p:stCondLst>
+                                    <p:cond delay="0"/>
+                                  </p:stCondLst>
+                                  <p:childTnLst>
+                                    <p:set>
+                                      <p:cBhvr>
+                                        <p:cTn id="32" dur="1" fill="hold">
+                                          <p:stCondLst>
+                                            <p:cond delay="0"/>
+                                          </p:stCondLst>
+                                        </p:cTn>
+                                        <p:tgtEl>
+                                          <p:spTgt spid="3">
+                                            <p:txEl>
+                                              <p:pRg st="10" end="10"/>
+                                            </p:txEl>
+                                          </p:spTgt>
+                                        </p:tgtEl>
+                                        <p:attrNameLst>
+                                          <p:attrName>style.visibility</p:attrName>
+                                        </p:attrNameLst>
+                                      </p:cBhvr>
+                                      <p:to>
+                                        <p:strVal val="visible"/>
+                                      </p:to>
+                                    </p:set>
+                                  </p:childTnLst>
+                                </p:cTn>
+                              </p:par>
+                            </p:childTnLst>
+                          </p:cTn>
+                        </p:par>
+                      </p:childTnLst>
+                    </p:cTn>
+                  </p:par>
+                </p:childTnLst>
+              </p:cTn>
+              <p:prevCondLst>
+                <p:cond evt="onPrev" delay="0">
+                  <p:tgtEl>
+                    <p:sldTgt/>
+                  </p:tgtEl>
+                </p:cond>
+              </p:prevCondLst>
+              <p:nextCondLst>
+                <p:cond evt="onNext" delay="0">
+                  <p:tgtEl>
+                    <p:sldTgt/>
+                  </p:tgtEl>
+                </p:cond>
+              </p:nextCondLst>
+            </p:seq>
+          </p:childTnLst>
+        </p:cTn>
+      </p:par>
+    </p:tnLst>
+  </p:timing>
 </p:sld>
 </file>
 
@@ -12194,6 +16561,573 @@
   <p:clrMapOvr>
     <a:masterClrMapping/>
   </p:clrMapOvr>
+  <p:timing>
+    <p:tnLst>
+      <p:par>
+        <p:cTn id="1" dur="indefinite" restart="never" nodeType="tmRoot">
+          <p:childTnLst>
+            <p:seq concurrent="1" nextAc="seek">
+              <p:cTn id="2" dur="indefinite" nodeType="mainSeq">
+                <p:childTnLst>
+                  <p:par>
+                    <p:cTn id="3" fill="hold">
+                      <p:stCondLst>
+                        <p:cond delay="indefinite"/>
+                      </p:stCondLst>
+                      <p:childTnLst>
+                        <p:par>
+                          <p:cTn id="4" fill="hold">
+                            <p:stCondLst>
+                              <p:cond delay="0"/>
+                            </p:stCondLst>
+                            <p:childTnLst>
+                              <p:par>
+                                <p:cTn id="5" presetID="1" presetClass="entr" presetSubtype="0" fill="hold" nodeType="clickEffect">
+                                  <p:stCondLst>
+                                    <p:cond delay="0"/>
+                                  </p:stCondLst>
+                                  <p:childTnLst>
+                                    <p:set>
+                                      <p:cBhvr>
+                                        <p:cTn id="6" dur="1" fill="hold">
+                                          <p:stCondLst>
+                                            <p:cond delay="0"/>
+                                          </p:stCondLst>
+                                        </p:cTn>
+                                        <p:tgtEl>
+                                          <p:spTgt spid="3">
+                                            <p:txEl>
+                                              <p:pRg st="0" end="0"/>
+                                            </p:txEl>
+                                          </p:spTgt>
+                                        </p:tgtEl>
+                                        <p:attrNameLst>
+                                          <p:attrName>style.visibility</p:attrName>
+                                        </p:attrNameLst>
+                                      </p:cBhvr>
+                                      <p:to>
+                                        <p:strVal val="visible"/>
+                                      </p:to>
+                                    </p:set>
+                                  </p:childTnLst>
+                                </p:cTn>
+                              </p:par>
+                            </p:childTnLst>
+                          </p:cTn>
+                        </p:par>
+                      </p:childTnLst>
+                    </p:cTn>
+                  </p:par>
+                  <p:par>
+                    <p:cTn id="7" fill="hold">
+                      <p:stCondLst>
+                        <p:cond delay="indefinite"/>
+                      </p:stCondLst>
+                      <p:childTnLst>
+                        <p:par>
+                          <p:cTn id="8" fill="hold">
+                            <p:stCondLst>
+                              <p:cond delay="0"/>
+                            </p:stCondLst>
+                            <p:childTnLst>
+                              <p:par>
+                                <p:cTn id="9" presetID="1" presetClass="entr" presetSubtype="0" fill="hold" nodeType="clickEffect">
+                                  <p:stCondLst>
+                                    <p:cond delay="0"/>
+                                  </p:stCondLst>
+                                  <p:childTnLst>
+                                    <p:set>
+                                      <p:cBhvr>
+                                        <p:cTn id="10" dur="1" fill="hold">
+                                          <p:stCondLst>
+                                            <p:cond delay="0"/>
+                                          </p:stCondLst>
+                                        </p:cTn>
+                                        <p:tgtEl>
+                                          <p:spTgt spid="3">
+                                            <p:txEl>
+                                              <p:pRg st="1" end="1"/>
+                                            </p:txEl>
+                                          </p:spTgt>
+                                        </p:tgtEl>
+                                        <p:attrNameLst>
+                                          <p:attrName>style.visibility</p:attrName>
+                                        </p:attrNameLst>
+                                      </p:cBhvr>
+                                      <p:to>
+                                        <p:strVal val="visible"/>
+                                      </p:to>
+                                    </p:set>
+                                  </p:childTnLst>
+                                </p:cTn>
+                              </p:par>
+                              <p:par>
+                                <p:cTn id="11" presetID="1" presetClass="entr" presetSubtype="0" fill="hold" nodeType="withEffect">
+                                  <p:stCondLst>
+                                    <p:cond delay="0"/>
+                                  </p:stCondLst>
+                                  <p:childTnLst>
+                                    <p:set>
+                                      <p:cBhvr>
+                                        <p:cTn id="12" dur="1" fill="hold">
+                                          <p:stCondLst>
+                                            <p:cond delay="0"/>
+                                          </p:stCondLst>
+                                        </p:cTn>
+                                        <p:tgtEl>
+                                          <p:spTgt spid="3">
+                                            <p:txEl>
+                                              <p:pRg st="2" end="2"/>
+                                            </p:txEl>
+                                          </p:spTgt>
+                                        </p:tgtEl>
+                                        <p:attrNameLst>
+                                          <p:attrName>style.visibility</p:attrName>
+                                        </p:attrNameLst>
+                                      </p:cBhvr>
+                                      <p:to>
+                                        <p:strVal val="visible"/>
+                                      </p:to>
+                                    </p:set>
+                                  </p:childTnLst>
+                                </p:cTn>
+                              </p:par>
+                              <p:par>
+                                <p:cTn id="13" presetID="1" presetClass="entr" presetSubtype="0" fill="hold" nodeType="withEffect">
+                                  <p:stCondLst>
+                                    <p:cond delay="0"/>
+                                  </p:stCondLst>
+                                  <p:childTnLst>
+                                    <p:set>
+                                      <p:cBhvr>
+                                        <p:cTn id="14" dur="1" fill="hold">
+                                          <p:stCondLst>
+                                            <p:cond delay="0"/>
+                                          </p:stCondLst>
+                                        </p:cTn>
+                                        <p:tgtEl>
+                                          <p:spTgt spid="3">
+                                            <p:txEl>
+                                              <p:pRg st="3" end="3"/>
+                                            </p:txEl>
+                                          </p:spTgt>
+                                        </p:tgtEl>
+                                        <p:attrNameLst>
+                                          <p:attrName>style.visibility</p:attrName>
+                                        </p:attrNameLst>
+                                      </p:cBhvr>
+                                      <p:to>
+                                        <p:strVal val="visible"/>
+                                      </p:to>
+                                    </p:set>
+                                  </p:childTnLst>
+                                </p:cTn>
+                              </p:par>
+                              <p:par>
+                                <p:cTn id="15" presetID="1" presetClass="entr" presetSubtype="0" fill="hold" nodeType="withEffect">
+                                  <p:stCondLst>
+                                    <p:cond delay="0"/>
+                                  </p:stCondLst>
+                                  <p:childTnLst>
+                                    <p:set>
+                                      <p:cBhvr>
+                                        <p:cTn id="16" dur="1" fill="hold">
+                                          <p:stCondLst>
+                                            <p:cond delay="0"/>
+                                          </p:stCondLst>
+                                        </p:cTn>
+                                        <p:tgtEl>
+                                          <p:spTgt spid="3">
+                                            <p:txEl>
+                                              <p:pRg st="4" end="4"/>
+                                            </p:txEl>
+                                          </p:spTgt>
+                                        </p:tgtEl>
+                                        <p:attrNameLst>
+                                          <p:attrName>style.visibility</p:attrName>
+                                        </p:attrNameLst>
+                                      </p:cBhvr>
+                                      <p:to>
+                                        <p:strVal val="visible"/>
+                                      </p:to>
+                                    </p:set>
+                                  </p:childTnLst>
+                                </p:cTn>
+                              </p:par>
+                              <p:par>
+                                <p:cTn id="17" presetID="1" presetClass="entr" presetSubtype="0" fill="hold" nodeType="withEffect">
+                                  <p:stCondLst>
+                                    <p:cond delay="0"/>
+                                  </p:stCondLst>
+                                  <p:childTnLst>
+                                    <p:set>
+                                      <p:cBhvr>
+                                        <p:cTn id="18" dur="1" fill="hold">
+                                          <p:stCondLst>
+                                            <p:cond delay="0"/>
+                                          </p:stCondLst>
+                                        </p:cTn>
+                                        <p:tgtEl>
+                                          <p:spTgt spid="3">
+                                            <p:txEl>
+                                              <p:pRg st="5" end="5"/>
+                                            </p:txEl>
+                                          </p:spTgt>
+                                        </p:tgtEl>
+                                        <p:attrNameLst>
+                                          <p:attrName>style.visibility</p:attrName>
+                                        </p:attrNameLst>
+                                      </p:cBhvr>
+                                      <p:to>
+                                        <p:strVal val="visible"/>
+                                      </p:to>
+                                    </p:set>
+                                  </p:childTnLst>
+                                </p:cTn>
+                              </p:par>
+                            </p:childTnLst>
+                          </p:cTn>
+                        </p:par>
+                      </p:childTnLst>
+                    </p:cTn>
+                  </p:par>
+                  <p:par>
+                    <p:cTn id="19" fill="hold">
+                      <p:stCondLst>
+                        <p:cond delay="indefinite"/>
+                      </p:stCondLst>
+                      <p:childTnLst>
+                        <p:par>
+                          <p:cTn id="20" fill="hold">
+                            <p:stCondLst>
+                              <p:cond delay="0"/>
+                            </p:stCondLst>
+                            <p:childTnLst>
+                              <p:par>
+                                <p:cTn id="21" presetID="1" presetClass="entr" presetSubtype="0" fill="hold" nodeType="clickEffect">
+                                  <p:stCondLst>
+                                    <p:cond delay="0"/>
+                                  </p:stCondLst>
+                                  <p:childTnLst>
+                                    <p:set>
+                                      <p:cBhvr>
+                                        <p:cTn id="22" dur="1" fill="hold">
+                                          <p:stCondLst>
+                                            <p:cond delay="0"/>
+                                          </p:stCondLst>
+                                        </p:cTn>
+                                        <p:tgtEl>
+                                          <p:spTgt spid="4">
+                                            <p:txEl>
+                                              <p:pRg st="0" end="0"/>
+                                            </p:txEl>
+                                          </p:spTgt>
+                                        </p:tgtEl>
+                                        <p:attrNameLst>
+                                          <p:attrName>style.visibility</p:attrName>
+                                        </p:attrNameLst>
+                                      </p:cBhvr>
+                                      <p:to>
+                                        <p:strVal val="visible"/>
+                                      </p:to>
+                                    </p:set>
+                                  </p:childTnLst>
+                                </p:cTn>
+                              </p:par>
+                              <p:par>
+                                <p:cTn id="23" presetID="1" presetClass="entr" presetSubtype="0" fill="hold" nodeType="withEffect">
+                                  <p:stCondLst>
+                                    <p:cond delay="0"/>
+                                  </p:stCondLst>
+                                  <p:childTnLst>
+                                    <p:set>
+                                      <p:cBhvr>
+                                        <p:cTn id="24" dur="1" fill="hold">
+                                          <p:stCondLst>
+                                            <p:cond delay="0"/>
+                                          </p:stCondLst>
+                                        </p:cTn>
+                                        <p:tgtEl>
+                                          <p:spTgt spid="4">
+                                            <p:txEl>
+                                              <p:pRg st="1" end="1"/>
+                                            </p:txEl>
+                                          </p:spTgt>
+                                        </p:tgtEl>
+                                        <p:attrNameLst>
+                                          <p:attrName>style.visibility</p:attrName>
+                                        </p:attrNameLst>
+                                      </p:cBhvr>
+                                      <p:to>
+                                        <p:strVal val="visible"/>
+                                      </p:to>
+                                    </p:set>
+                                  </p:childTnLst>
+                                </p:cTn>
+                              </p:par>
+                              <p:par>
+                                <p:cTn id="25" presetID="1" presetClass="entr" presetSubtype="0" fill="hold" nodeType="withEffect">
+                                  <p:stCondLst>
+                                    <p:cond delay="0"/>
+                                  </p:stCondLst>
+                                  <p:childTnLst>
+                                    <p:set>
+                                      <p:cBhvr>
+                                        <p:cTn id="26" dur="1" fill="hold">
+                                          <p:stCondLst>
+                                            <p:cond delay="0"/>
+                                          </p:stCondLst>
+                                        </p:cTn>
+                                        <p:tgtEl>
+                                          <p:spTgt spid="4">
+                                            <p:txEl>
+                                              <p:pRg st="2" end="2"/>
+                                            </p:txEl>
+                                          </p:spTgt>
+                                        </p:tgtEl>
+                                        <p:attrNameLst>
+                                          <p:attrName>style.visibility</p:attrName>
+                                        </p:attrNameLst>
+                                      </p:cBhvr>
+                                      <p:to>
+                                        <p:strVal val="visible"/>
+                                      </p:to>
+                                    </p:set>
+                                  </p:childTnLst>
+                                </p:cTn>
+                              </p:par>
+                              <p:par>
+                                <p:cTn id="27" presetID="1" presetClass="entr" presetSubtype="0" fill="hold" nodeType="withEffect">
+                                  <p:stCondLst>
+                                    <p:cond delay="0"/>
+                                  </p:stCondLst>
+                                  <p:childTnLst>
+                                    <p:set>
+                                      <p:cBhvr>
+                                        <p:cTn id="28" dur="1" fill="hold">
+                                          <p:stCondLst>
+                                            <p:cond delay="0"/>
+                                          </p:stCondLst>
+                                        </p:cTn>
+                                        <p:tgtEl>
+                                          <p:spTgt spid="4">
+                                            <p:txEl>
+                                              <p:pRg st="3" end="3"/>
+                                            </p:txEl>
+                                          </p:spTgt>
+                                        </p:tgtEl>
+                                        <p:attrNameLst>
+                                          <p:attrName>style.visibility</p:attrName>
+                                        </p:attrNameLst>
+                                      </p:cBhvr>
+                                      <p:to>
+                                        <p:strVal val="visible"/>
+                                      </p:to>
+                                    </p:set>
+                                  </p:childTnLst>
+                                </p:cTn>
+                              </p:par>
+                              <p:par>
+                                <p:cTn id="29" presetID="1" presetClass="entr" presetSubtype="0" fill="hold" nodeType="withEffect">
+                                  <p:stCondLst>
+                                    <p:cond delay="0"/>
+                                  </p:stCondLst>
+                                  <p:childTnLst>
+                                    <p:set>
+                                      <p:cBhvr>
+                                        <p:cTn id="30" dur="1" fill="hold">
+                                          <p:stCondLst>
+                                            <p:cond delay="0"/>
+                                          </p:stCondLst>
+                                        </p:cTn>
+                                        <p:tgtEl>
+                                          <p:spTgt spid="4">
+                                            <p:txEl>
+                                              <p:pRg st="4" end="4"/>
+                                            </p:txEl>
+                                          </p:spTgt>
+                                        </p:tgtEl>
+                                        <p:attrNameLst>
+                                          <p:attrName>style.visibility</p:attrName>
+                                        </p:attrNameLst>
+                                      </p:cBhvr>
+                                      <p:to>
+                                        <p:strVal val="visible"/>
+                                      </p:to>
+                                    </p:set>
+                                  </p:childTnLst>
+                                </p:cTn>
+                              </p:par>
+                            </p:childTnLst>
+                          </p:cTn>
+                        </p:par>
+                      </p:childTnLst>
+                    </p:cTn>
+                  </p:par>
+                  <p:par>
+                    <p:cTn id="31" fill="hold">
+                      <p:stCondLst>
+                        <p:cond delay="indefinite"/>
+                      </p:stCondLst>
+                      <p:childTnLst>
+                        <p:par>
+                          <p:cTn id="32" fill="hold">
+                            <p:stCondLst>
+                              <p:cond delay="0"/>
+                            </p:stCondLst>
+                            <p:childTnLst>
+                              <p:par>
+                                <p:cTn id="33" presetID="1" presetClass="entr" presetSubtype="0" fill="hold" nodeType="clickEffect">
+                                  <p:stCondLst>
+                                    <p:cond delay="0"/>
+                                  </p:stCondLst>
+                                  <p:childTnLst>
+                                    <p:set>
+                                      <p:cBhvr>
+                                        <p:cTn id="34" dur="1" fill="hold">
+                                          <p:stCondLst>
+                                            <p:cond delay="0"/>
+                                          </p:stCondLst>
+                                        </p:cTn>
+                                        <p:tgtEl>
+                                          <p:spTgt spid="4">
+                                            <p:txEl>
+                                              <p:pRg st="5" end="5"/>
+                                            </p:txEl>
+                                          </p:spTgt>
+                                        </p:tgtEl>
+                                        <p:attrNameLst>
+                                          <p:attrName>style.visibility</p:attrName>
+                                        </p:attrNameLst>
+                                      </p:cBhvr>
+                                      <p:to>
+                                        <p:strVal val="visible"/>
+                                      </p:to>
+                                    </p:set>
+                                  </p:childTnLst>
+                                </p:cTn>
+                              </p:par>
+                              <p:par>
+                                <p:cTn id="35" presetID="1" presetClass="entr" presetSubtype="0" fill="hold" nodeType="withEffect">
+                                  <p:stCondLst>
+                                    <p:cond delay="0"/>
+                                  </p:stCondLst>
+                                  <p:childTnLst>
+                                    <p:set>
+                                      <p:cBhvr>
+                                        <p:cTn id="36" dur="1" fill="hold">
+                                          <p:stCondLst>
+                                            <p:cond delay="0"/>
+                                          </p:stCondLst>
+                                        </p:cTn>
+                                        <p:tgtEl>
+                                          <p:spTgt spid="4">
+                                            <p:txEl>
+                                              <p:pRg st="6" end="6"/>
+                                            </p:txEl>
+                                          </p:spTgt>
+                                        </p:tgtEl>
+                                        <p:attrNameLst>
+                                          <p:attrName>style.visibility</p:attrName>
+                                        </p:attrNameLst>
+                                      </p:cBhvr>
+                                      <p:to>
+                                        <p:strVal val="visible"/>
+                                      </p:to>
+                                    </p:set>
+                                  </p:childTnLst>
+                                </p:cTn>
+                              </p:par>
+                              <p:par>
+                                <p:cTn id="37" presetID="1" presetClass="entr" presetSubtype="0" fill="hold" nodeType="withEffect">
+                                  <p:stCondLst>
+                                    <p:cond delay="0"/>
+                                  </p:stCondLst>
+                                  <p:childTnLst>
+                                    <p:set>
+                                      <p:cBhvr>
+                                        <p:cTn id="38" dur="1" fill="hold">
+                                          <p:stCondLst>
+                                            <p:cond delay="0"/>
+                                          </p:stCondLst>
+                                        </p:cTn>
+                                        <p:tgtEl>
+                                          <p:spTgt spid="4">
+                                            <p:txEl>
+                                              <p:pRg st="7" end="7"/>
+                                            </p:txEl>
+                                          </p:spTgt>
+                                        </p:tgtEl>
+                                        <p:attrNameLst>
+                                          <p:attrName>style.visibility</p:attrName>
+                                        </p:attrNameLst>
+                                      </p:cBhvr>
+                                      <p:to>
+                                        <p:strVal val="visible"/>
+                                      </p:to>
+                                    </p:set>
+                                  </p:childTnLst>
+                                </p:cTn>
+                              </p:par>
+                              <p:par>
+                                <p:cTn id="39" presetID="1" presetClass="entr" presetSubtype="0" fill="hold" nodeType="withEffect">
+                                  <p:stCondLst>
+                                    <p:cond delay="0"/>
+                                  </p:stCondLst>
+                                  <p:childTnLst>
+                                    <p:set>
+                                      <p:cBhvr>
+                                        <p:cTn id="40" dur="1" fill="hold">
+                                          <p:stCondLst>
+                                            <p:cond delay="0"/>
+                                          </p:stCondLst>
+                                        </p:cTn>
+                                        <p:tgtEl>
+                                          <p:spTgt spid="4">
+                                            <p:txEl>
+                                              <p:pRg st="8" end="8"/>
+                                            </p:txEl>
+                                          </p:spTgt>
+                                        </p:tgtEl>
+                                        <p:attrNameLst>
+                                          <p:attrName>style.visibility</p:attrName>
+                                        </p:attrNameLst>
+                                      </p:cBhvr>
+                                      <p:to>
+                                        <p:strVal val="visible"/>
+                                      </p:to>
+                                    </p:set>
+                                  </p:childTnLst>
+                                </p:cTn>
+                              </p:par>
+                            </p:childTnLst>
+                          </p:cTn>
+                        </p:par>
+                      </p:childTnLst>
+                    </p:cTn>
+                  </p:par>
+                </p:childTnLst>
+              </p:cTn>
+              <p:prevCondLst>
+                <p:cond evt="onPrev" delay="0">
+                  <p:tgtEl>
+                    <p:sldTgt/>
+                  </p:tgtEl>
+                </p:cond>
+              </p:prevCondLst>
+              <p:nextCondLst>
+                <p:cond evt="onNext" delay="0">
+                  <p:tgtEl>
+                    <p:sldTgt/>
+                  </p:tgtEl>
+                </p:cond>
+              </p:nextCondLst>
+            </p:seq>
+          </p:childTnLst>
+        </p:cTn>
+      </p:par>
+    </p:tnLst>
+  </p:timing>
 </p:sld>
 </file>
 
@@ -12398,6 +17332,552 @@
   <p:clrMapOvr>
     <a:masterClrMapping/>
   </p:clrMapOvr>
+  <p:timing>
+    <p:tnLst>
+      <p:par>
+        <p:cTn id="1" dur="indefinite" restart="never" nodeType="tmRoot">
+          <p:childTnLst>
+            <p:seq concurrent="1" nextAc="seek">
+              <p:cTn id="2" dur="indefinite" nodeType="mainSeq">
+                <p:childTnLst>
+                  <p:par>
+                    <p:cTn id="3" fill="hold">
+                      <p:stCondLst>
+                        <p:cond delay="indefinite"/>
+                      </p:stCondLst>
+                      <p:childTnLst>
+                        <p:par>
+                          <p:cTn id="4" fill="hold">
+                            <p:stCondLst>
+                              <p:cond delay="0"/>
+                            </p:stCondLst>
+                            <p:childTnLst>
+                              <p:par>
+                                <p:cTn id="5" presetID="1" presetClass="entr" presetSubtype="0" fill="hold" nodeType="clickEffect">
+                                  <p:stCondLst>
+                                    <p:cond delay="0"/>
+                                  </p:stCondLst>
+                                  <p:childTnLst>
+                                    <p:set>
+                                      <p:cBhvr>
+                                        <p:cTn id="6" dur="1" fill="hold">
+                                          <p:stCondLst>
+                                            <p:cond delay="0"/>
+                                          </p:stCondLst>
+                                        </p:cTn>
+                                        <p:tgtEl>
+                                          <p:spTgt spid="3">
+                                            <p:txEl>
+                                              <p:pRg st="0" end="0"/>
+                                            </p:txEl>
+                                          </p:spTgt>
+                                        </p:tgtEl>
+                                        <p:attrNameLst>
+                                          <p:attrName>style.visibility</p:attrName>
+                                        </p:attrNameLst>
+                                      </p:cBhvr>
+                                      <p:to>
+                                        <p:strVal val="visible"/>
+                                      </p:to>
+                                    </p:set>
+                                  </p:childTnLst>
+                                </p:cTn>
+                              </p:par>
+                              <p:par>
+                                <p:cTn id="7" presetID="1" presetClass="entr" presetSubtype="0" fill="hold" nodeType="withEffect">
+                                  <p:stCondLst>
+                                    <p:cond delay="0"/>
+                                  </p:stCondLst>
+                                  <p:childTnLst>
+                                    <p:set>
+                                      <p:cBhvr>
+                                        <p:cTn id="8" dur="1" fill="hold">
+                                          <p:stCondLst>
+                                            <p:cond delay="0"/>
+                                          </p:stCondLst>
+                                        </p:cTn>
+                                        <p:tgtEl>
+                                          <p:spTgt spid="3">
+                                            <p:txEl>
+                                              <p:pRg st="1" end="1"/>
+                                            </p:txEl>
+                                          </p:spTgt>
+                                        </p:tgtEl>
+                                        <p:attrNameLst>
+                                          <p:attrName>style.visibility</p:attrName>
+                                        </p:attrNameLst>
+                                      </p:cBhvr>
+                                      <p:to>
+                                        <p:strVal val="visible"/>
+                                      </p:to>
+                                    </p:set>
+                                  </p:childTnLst>
+                                </p:cTn>
+                              </p:par>
+                            </p:childTnLst>
+                          </p:cTn>
+                        </p:par>
+                      </p:childTnLst>
+                    </p:cTn>
+                  </p:par>
+                  <p:par>
+                    <p:cTn id="9" fill="hold">
+                      <p:stCondLst>
+                        <p:cond delay="indefinite"/>
+                      </p:stCondLst>
+                      <p:childTnLst>
+                        <p:par>
+                          <p:cTn id="10" fill="hold">
+                            <p:stCondLst>
+                              <p:cond delay="0"/>
+                            </p:stCondLst>
+                            <p:childTnLst>
+                              <p:par>
+                                <p:cTn id="11" presetID="1" presetClass="entr" presetSubtype="0" fill="hold" nodeType="clickEffect">
+                                  <p:stCondLst>
+                                    <p:cond delay="0"/>
+                                  </p:stCondLst>
+                                  <p:childTnLst>
+                                    <p:set>
+                                      <p:cBhvr>
+                                        <p:cTn id="12" dur="1" fill="hold">
+                                          <p:stCondLst>
+                                            <p:cond delay="0"/>
+                                          </p:stCondLst>
+                                        </p:cTn>
+                                        <p:tgtEl>
+                                          <p:spTgt spid="3">
+                                            <p:txEl>
+                                              <p:pRg st="2" end="2"/>
+                                            </p:txEl>
+                                          </p:spTgt>
+                                        </p:tgtEl>
+                                        <p:attrNameLst>
+                                          <p:attrName>style.visibility</p:attrName>
+                                        </p:attrNameLst>
+                                      </p:cBhvr>
+                                      <p:to>
+                                        <p:strVal val="visible"/>
+                                      </p:to>
+                                    </p:set>
+                                  </p:childTnLst>
+                                </p:cTn>
+                              </p:par>
+                            </p:childTnLst>
+                          </p:cTn>
+                        </p:par>
+                      </p:childTnLst>
+                    </p:cTn>
+                  </p:par>
+                  <p:par>
+                    <p:cTn id="13" fill="hold">
+                      <p:stCondLst>
+                        <p:cond delay="indefinite"/>
+                      </p:stCondLst>
+                      <p:childTnLst>
+                        <p:par>
+                          <p:cTn id="14" fill="hold">
+                            <p:stCondLst>
+                              <p:cond delay="0"/>
+                            </p:stCondLst>
+                            <p:childTnLst>
+                              <p:par>
+                                <p:cTn id="15" presetID="1" presetClass="entr" presetSubtype="0" fill="hold" nodeType="clickEffect">
+                                  <p:stCondLst>
+                                    <p:cond delay="0"/>
+                                  </p:stCondLst>
+                                  <p:childTnLst>
+                                    <p:set>
+                                      <p:cBhvr>
+                                        <p:cTn id="16" dur="1" fill="hold">
+                                          <p:stCondLst>
+                                            <p:cond delay="0"/>
+                                          </p:stCondLst>
+                                        </p:cTn>
+                                        <p:tgtEl>
+                                          <p:spTgt spid="3">
+                                            <p:txEl>
+                                              <p:pRg st="3" end="3"/>
+                                            </p:txEl>
+                                          </p:spTgt>
+                                        </p:tgtEl>
+                                        <p:attrNameLst>
+                                          <p:attrName>style.visibility</p:attrName>
+                                        </p:attrNameLst>
+                                      </p:cBhvr>
+                                      <p:to>
+                                        <p:strVal val="visible"/>
+                                      </p:to>
+                                    </p:set>
+                                  </p:childTnLst>
+                                </p:cTn>
+                              </p:par>
+                            </p:childTnLst>
+                          </p:cTn>
+                        </p:par>
+                      </p:childTnLst>
+                    </p:cTn>
+                  </p:par>
+                  <p:par>
+                    <p:cTn id="17" fill="hold">
+                      <p:stCondLst>
+                        <p:cond delay="indefinite"/>
+                      </p:stCondLst>
+                      <p:childTnLst>
+                        <p:par>
+                          <p:cTn id="18" fill="hold">
+                            <p:stCondLst>
+                              <p:cond delay="0"/>
+                            </p:stCondLst>
+                            <p:childTnLst>
+                              <p:par>
+                                <p:cTn id="19" presetID="1" presetClass="entr" presetSubtype="0" fill="hold" nodeType="clickEffect">
+                                  <p:stCondLst>
+                                    <p:cond delay="0"/>
+                                  </p:stCondLst>
+                                  <p:childTnLst>
+                                    <p:set>
+                                      <p:cBhvr>
+                                        <p:cTn id="20" dur="1" fill="hold">
+                                          <p:stCondLst>
+                                            <p:cond delay="0"/>
+                                          </p:stCondLst>
+                                        </p:cTn>
+                                        <p:tgtEl>
+                                          <p:spTgt spid="3">
+                                            <p:txEl>
+                                              <p:pRg st="4" end="4"/>
+                                            </p:txEl>
+                                          </p:spTgt>
+                                        </p:tgtEl>
+                                        <p:attrNameLst>
+                                          <p:attrName>style.visibility</p:attrName>
+                                        </p:attrNameLst>
+                                      </p:cBhvr>
+                                      <p:to>
+                                        <p:strVal val="visible"/>
+                                      </p:to>
+                                    </p:set>
+                                  </p:childTnLst>
+                                </p:cTn>
+                              </p:par>
+                            </p:childTnLst>
+                          </p:cTn>
+                        </p:par>
+                      </p:childTnLst>
+                    </p:cTn>
+                  </p:par>
+                  <p:par>
+                    <p:cTn id="21" fill="hold">
+                      <p:stCondLst>
+                        <p:cond delay="indefinite"/>
+                      </p:stCondLst>
+                      <p:childTnLst>
+                        <p:par>
+                          <p:cTn id="22" fill="hold">
+                            <p:stCondLst>
+                              <p:cond delay="0"/>
+                            </p:stCondLst>
+                            <p:childTnLst>
+                              <p:par>
+                                <p:cTn id="23" presetID="1" presetClass="entr" presetSubtype="0" fill="hold" nodeType="clickEffect">
+                                  <p:stCondLst>
+                                    <p:cond delay="0"/>
+                                  </p:stCondLst>
+                                  <p:childTnLst>
+                                    <p:set>
+                                      <p:cBhvr>
+                                        <p:cTn id="24" dur="1" fill="hold">
+                                          <p:stCondLst>
+                                            <p:cond delay="0"/>
+                                          </p:stCondLst>
+                                        </p:cTn>
+                                        <p:tgtEl>
+                                          <p:spTgt spid="3">
+                                            <p:txEl>
+                                              <p:pRg st="5" end="5"/>
+                                            </p:txEl>
+                                          </p:spTgt>
+                                        </p:tgtEl>
+                                        <p:attrNameLst>
+                                          <p:attrName>style.visibility</p:attrName>
+                                        </p:attrNameLst>
+                                      </p:cBhvr>
+                                      <p:to>
+                                        <p:strVal val="visible"/>
+                                      </p:to>
+                                    </p:set>
+                                  </p:childTnLst>
+                                </p:cTn>
+                              </p:par>
+                            </p:childTnLst>
+                          </p:cTn>
+                        </p:par>
+                      </p:childTnLst>
+                    </p:cTn>
+                  </p:par>
+                  <p:par>
+                    <p:cTn id="25" fill="hold">
+                      <p:stCondLst>
+                        <p:cond delay="indefinite"/>
+                      </p:stCondLst>
+                      <p:childTnLst>
+                        <p:par>
+                          <p:cTn id="26" fill="hold">
+                            <p:stCondLst>
+                              <p:cond delay="0"/>
+                            </p:stCondLst>
+                            <p:childTnLst>
+                              <p:par>
+                                <p:cTn id="27" presetID="1" presetClass="entr" presetSubtype="0" fill="hold" nodeType="clickEffect">
+                                  <p:stCondLst>
+                                    <p:cond delay="0"/>
+                                  </p:stCondLst>
+                                  <p:childTnLst>
+                                    <p:set>
+                                      <p:cBhvr>
+                                        <p:cTn id="28" dur="1" fill="hold">
+                                          <p:stCondLst>
+                                            <p:cond delay="0"/>
+                                          </p:stCondLst>
+                                        </p:cTn>
+                                        <p:tgtEl>
+                                          <p:spTgt spid="4">
+                                            <p:txEl>
+                                              <p:pRg st="0" end="0"/>
+                                            </p:txEl>
+                                          </p:spTgt>
+                                        </p:tgtEl>
+                                        <p:attrNameLst>
+                                          <p:attrName>style.visibility</p:attrName>
+                                        </p:attrNameLst>
+                                      </p:cBhvr>
+                                      <p:to>
+                                        <p:strVal val="visible"/>
+                                      </p:to>
+                                    </p:set>
+                                  </p:childTnLst>
+                                </p:cTn>
+                              </p:par>
+                              <p:par>
+                                <p:cTn id="29" presetID="1" presetClass="entr" presetSubtype="0" fill="hold" nodeType="withEffect">
+                                  <p:stCondLst>
+                                    <p:cond delay="0"/>
+                                  </p:stCondLst>
+                                  <p:childTnLst>
+                                    <p:set>
+                                      <p:cBhvr>
+                                        <p:cTn id="30" dur="1" fill="hold">
+                                          <p:stCondLst>
+                                            <p:cond delay="0"/>
+                                          </p:stCondLst>
+                                        </p:cTn>
+                                        <p:tgtEl>
+                                          <p:spTgt spid="4">
+                                            <p:txEl>
+                                              <p:pRg st="1" end="1"/>
+                                            </p:txEl>
+                                          </p:spTgt>
+                                        </p:tgtEl>
+                                        <p:attrNameLst>
+                                          <p:attrName>style.visibility</p:attrName>
+                                        </p:attrNameLst>
+                                      </p:cBhvr>
+                                      <p:to>
+                                        <p:strVal val="visible"/>
+                                      </p:to>
+                                    </p:set>
+                                  </p:childTnLst>
+                                </p:cTn>
+                              </p:par>
+                            </p:childTnLst>
+                          </p:cTn>
+                        </p:par>
+                      </p:childTnLst>
+                    </p:cTn>
+                  </p:par>
+                  <p:par>
+                    <p:cTn id="31" fill="hold">
+                      <p:stCondLst>
+                        <p:cond delay="indefinite"/>
+                      </p:stCondLst>
+                      <p:childTnLst>
+                        <p:par>
+                          <p:cTn id="32" fill="hold">
+                            <p:stCondLst>
+                              <p:cond delay="0"/>
+                            </p:stCondLst>
+                            <p:childTnLst>
+                              <p:par>
+                                <p:cTn id="33" presetID="1" presetClass="entr" presetSubtype="0" fill="hold" nodeType="clickEffect">
+                                  <p:stCondLst>
+                                    <p:cond delay="0"/>
+                                  </p:stCondLst>
+                                  <p:childTnLst>
+                                    <p:set>
+                                      <p:cBhvr>
+                                        <p:cTn id="34" dur="1" fill="hold">
+                                          <p:stCondLst>
+                                            <p:cond delay="0"/>
+                                          </p:stCondLst>
+                                        </p:cTn>
+                                        <p:tgtEl>
+                                          <p:spTgt spid="4">
+                                            <p:txEl>
+                                              <p:pRg st="2" end="2"/>
+                                            </p:txEl>
+                                          </p:spTgt>
+                                        </p:tgtEl>
+                                        <p:attrNameLst>
+                                          <p:attrName>style.visibility</p:attrName>
+                                        </p:attrNameLst>
+                                      </p:cBhvr>
+                                      <p:to>
+                                        <p:strVal val="visible"/>
+                                      </p:to>
+                                    </p:set>
+                                  </p:childTnLst>
+                                </p:cTn>
+                              </p:par>
+                              <p:par>
+                                <p:cTn id="35" presetID="1" presetClass="entr" presetSubtype="0" fill="hold" nodeType="withEffect">
+                                  <p:stCondLst>
+                                    <p:cond delay="0"/>
+                                  </p:stCondLst>
+                                  <p:childTnLst>
+                                    <p:set>
+                                      <p:cBhvr>
+                                        <p:cTn id="36" dur="1" fill="hold">
+                                          <p:stCondLst>
+                                            <p:cond delay="0"/>
+                                          </p:stCondLst>
+                                        </p:cTn>
+                                        <p:tgtEl>
+                                          <p:spTgt spid="4">
+                                            <p:txEl>
+                                              <p:pRg st="3" end="3"/>
+                                            </p:txEl>
+                                          </p:spTgt>
+                                        </p:tgtEl>
+                                        <p:attrNameLst>
+                                          <p:attrName>style.visibility</p:attrName>
+                                        </p:attrNameLst>
+                                      </p:cBhvr>
+                                      <p:to>
+                                        <p:strVal val="visible"/>
+                                      </p:to>
+                                    </p:set>
+                                  </p:childTnLst>
+                                </p:cTn>
+                              </p:par>
+                            </p:childTnLst>
+                          </p:cTn>
+                        </p:par>
+                      </p:childTnLst>
+                    </p:cTn>
+                  </p:par>
+                  <p:par>
+                    <p:cTn id="37" fill="hold">
+                      <p:stCondLst>
+                        <p:cond delay="indefinite"/>
+                      </p:stCondLst>
+                      <p:childTnLst>
+                        <p:par>
+                          <p:cTn id="38" fill="hold">
+                            <p:stCondLst>
+                              <p:cond delay="0"/>
+                            </p:stCondLst>
+                            <p:childTnLst>
+                              <p:par>
+                                <p:cTn id="39" presetID="1" presetClass="entr" presetSubtype="0" fill="hold" nodeType="clickEffect">
+                                  <p:stCondLst>
+                                    <p:cond delay="0"/>
+                                  </p:stCondLst>
+                                  <p:childTnLst>
+                                    <p:set>
+                                      <p:cBhvr>
+                                        <p:cTn id="40" dur="1" fill="hold">
+                                          <p:stCondLst>
+                                            <p:cond delay="0"/>
+                                          </p:stCondLst>
+                                        </p:cTn>
+                                        <p:tgtEl>
+                                          <p:spTgt spid="4">
+                                            <p:txEl>
+                                              <p:pRg st="4" end="4"/>
+                                            </p:txEl>
+                                          </p:spTgt>
+                                        </p:tgtEl>
+                                        <p:attrNameLst>
+                                          <p:attrName>style.visibility</p:attrName>
+                                        </p:attrNameLst>
+                                      </p:cBhvr>
+                                      <p:to>
+                                        <p:strVal val="visible"/>
+                                      </p:to>
+                                    </p:set>
+                                  </p:childTnLst>
+                                </p:cTn>
+                              </p:par>
+                              <p:par>
+                                <p:cTn id="41" presetID="1" presetClass="entr" presetSubtype="0" fill="hold" nodeType="withEffect">
+                                  <p:stCondLst>
+                                    <p:cond delay="0"/>
+                                  </p:stCondLst>
+                                  <p:childTnLst>
+                                    <p:set>
+                                      <p:cBhvr>
+                                        <p:cTn id="42" dur="1" fill="hold">
+                                          <p:stCondLst>
+                                            <p:cond delay="0"/>
+                                          </p:stCondLst>
+                                        </p:cTn>
+                                        <p:tgtEl>
+                                          <p:spTgt spid="4">
+                                            <p:txEl>
+                                              <p:pRg st="5" end="5"/>
+                                            </p:txEl>
+                                          </p:spTgt>
+                                        </p:tgtEl>
+                                        <p:attrNameLst>
+                                          <p:attrName>style.visibility</p:attrName>
+                                        </p:attrNameLst>
+                                      </p:cBhvr>
+                                      <p:to>
+                                        <p:strVal val="visible"/>
+                                      </p:to>
+                                    </p:set>
+                                  </p:childTnLst>
+                                </p:cTn>
+                              </p:par>
+                            </p:childTnLst>
+                          </p:cTn>
+                        </p:par>
+                      </p:childTnLst>
+                    </p:cTn>
+                  </p:par>
+                </p:childTnLst>
+              </p:cTn>
+              <p:prevCondLst>
+                <p:cond evt="onPrev" delay="0">
+                  <p:tgtEl>
+                    <p:sldTgt/>
+                  </p:tgtEl>
+                </p:cond>
+              </p:prevCondLst>
+              <p:nextCondLst>
+                <p:cond evt="onNext" delay="0">
+                  <p:tgtEl>
+                    <p:sldTgt/>
+                  </p:tgtEl>
+                </p:cond>
+              </p:nextCondLst>
+            </p:seq>
+          </p:childTnLst>
+        </p:cTn>
+      </p:par>
+    </p:tnLst>
+  </p:timing>
 </p:sld>
 </file>
 
@@ -12555,7 +18035,9 @@
                 <a:solidFill>
                   <a:srgbClr val="333333"/>
                 </a:solidFill>
-                <a:latin typeface="Consolas" panose="020B0609020204030204" pitchFamily="49" charset="0"/>
+                <a:latin typeface="Menlo" panose="020B0609030804020204" pitchFamily="49" charset="0"/>
+                <a:ea typeface="Menlo" panose="020B0609030804020204" pitchFamily="49" charset="0"/>
+                <a:cs typeface="Menlo" panose="020B0609030804020204" pitchFamily="49" charset="0"/>
               </a:rPr>
               <a:t>main()</a:t>
             </a:r>
@@ -12584,9 +18066,20 @@
                 <a:solidFill>
                   <a:srgbClr val="333333"/>
                 </a:solidFill>
+                <a:latin typeface="Menlo" panose="020B0609030804020204" pitchFamily="49" charset="0"/>
+                <a:ea typeface="Menlo" panose="020B0609030804020204" pitchFamily="49" charset="0"/>
+                <a:cs typeface="Menlo" panose="020B0609030804020204" pitchFamily="49" charset="0"/>
+              </a:rPr>
+              <a:t>int</a:t>
+            </a:r>
+            <a:r>
+              <a:rPr lang="en-US" dirty="0">
+                <a:solidFill>
+                  <a:srgbClr val="333333"/>
+                </a:solidFill>
                 <a:latin typeface="Consolas" panose="020B0609020204030204" pitchFamily="49" charset="0"/>
               </a:rPr>
-              <a:t>int </a:t>
+              <a:t> </a:t>
             </a:r>
           </a:p>
           <a:p>
@@ -12759,6 +18252,400 @@
   <p:clrMapOvr>
     <a:masterClrMapping/>
   </p:clrMapOvr>
+  <p:timing>
+    <p:tnLst>
+      <p:par>
+        <p:cTn id="1" dur="indefinite" restart="never" nodeType="tmRoot">
+          <p:childTnLst>
+            <p:seq concurrent="1" nextAc="seek">
+              <p:cTn id="2" dur="indefinite" nodeType="mainSeq">
+                <p:childTnLst>
+                  <p:par>
+                    <p:cTn id="3" fill="hold">
+                      <p:stCondLst>
+                        <p:cond delay="indefinite"/>
+                      </p:stCondLst>
+                      <p:childTnLst>
+                        <p:par>
+                          <p:cTn id="4" fill="hold">
+                            <p:stCondLst>
+                              <p:cond delay="0"/>
+                            </p:stCondLst>
+                            <p:childTnLst>
+                              <p:par>
+                                <p:cTn id="5" presetID="1" presetClass="entr" presetSubtype="0" fill="hold" nodeType="clickEffect">
+                                  <p:stCondLst>
+                                    <p:cond delay="0"/>
+                                  </p:stCondLst>
+                                  <p:childTnLst>
+                                    <p:set>
+                                      <p:cBhvr>
+                                        <p:cTn id="6" dur="1" fill="hold">
+                                          <p:stCondLst>
+                                            <p:cond delay="0"/>
+                                          </p:stCondLst>
+                                        </p:cTn>
+                                        <p:tgtEl>
+                                          <p:spTgt spid="3">
+                                            <p:txEl>
+                                              <p:pRg st="0" end="0"/>
+                                            </p:txEl>
+                                          </p:spTgt>
+                                        </p:tgtEl>
+                                        <p:attrNameLst>
+                                          <p:attrName>style.visibility</p:attrName>
+                                        </p:attrNameLst>
+                                      </p:cBhvr>
+                                      <p:to>
+                                        <p:strVal val="visible"/>
+                                      </p:to>
+                                    </p:set>
+                                  </p:childTnLst>
+                                </p:cTn>
+                              </p:par>
+                              <p:par>
+                                <p:cTn id="7" presetID="1" presetClass="entr" presetSubtype="0" fill="hold" nodeType="withEffect">
+                                  <p:stCondLst>
+                                    <p:cond delay="0"/>
+                                  </p:stCondLst>
+                                  <p:childTnLst>
+                                    <p:set>
+                                      <p:cBhvr>
+                                        <p:cTn id="8" dur="1" fill="hold">
+                                          <p:stCondLst>
+                                            <p:cond delay="0"/>
+                                          </p:stCondLst>
+                                        </p:cTn>
+                                        <p:tgtEl>
+                                          <p:spTgt spid="3">
+                                            <p:txEl>
+                                              <p:pRg st="1" end="1"/>
+                                            </p:txEl>
+                                          </p:spTgt>
+                                        </p:tgtEl>
+                                        <p:attrNameLst>
+                                          <p:attrName>style.visibility</p:attrName>
+                                        </p:attrNameLst>
+                                      </p:cBhvr>
+                                      <p:to>
+                                        <p:strVal val="visible"/>
+                                      </p:to>
+                                    </p:set>
+                                  </p:childTnLst>
+                                </p:cTn>
+                              </p:par>
+                            </p:childTnLst>
+                          </p:cTn>
+                        </p:par>
+                      </p:childTnLst>
+                    </p:cTn>
+                  </p:par>
+                  <p:par>
+                    <p:cTn id="9" fill="hold">
+                      <p:stCondLst>
+                        <p:cond delay="indefinite"/>
+                      </p:stCondLst>
+                      <p:childTnLst>
+                        <p:par>
+                          <p:cTn id="10" fill="hold">
+                            <p:stCondLst>
+                              <p:cond delay="0"/>
+                            </p:stCondLst>
+                            <p:childTnLst>
+                              <p:par>
+                                <p:cTn id="11" presetID="1" presetClass="entr" presetSubtype="0" fill="hold" nodeType="clickEffect">
+                                  <p:stCondLst>
+                                    <p:cond delay="0"/>
+                                  </p:stCondLst>
+                                  <p:childTnLst>
+                                    <p:set>
+                                      <p:cBhvr>
+                                        <p:cTn id="12" dur="1" fill="hold">
+                                          <p:stCondLst>
+                                            <p:cond delay="0"/>
+                                          </p:stCondLst>
+                                        </p:cTn>
+                                        <p:tgtEl>
+                                          <p:spTgt spid="4">
+                                            <p:txEl>
+                                              <p:pRg st="0" end="0"/>
+                                            </p:txEl>
+                                          </p:spTgt>
+                                        </p:tgtEl>
+                                        <p:attrNameLst>
+                                          <p:attrName>style.visibility</p:attrName>
+                                        </p:attrNameLst>
+                                      </p:cBhvr>
+                                      <p:to>
+                                        <p:strVal val="visible"/>
+                                      </p:to>
+                                    </p:set>
+                                  </p:childTnLst>
+                                </p:cTn>
+                              </p:par>
+                              <p:par>
+                                <p:cTn id="13" presetID="1" presetClass="entr" presetSubtype="0" fill="hold" nodeType="withEffect">
+                                  <p:stCondLst>
+                                    <p:cond delay="0"/>
+                                  </p:stCondLst>
+                                  <p:childTnLst>
+                                    <p:set>
+                                      <p:cBhvr>
+                                        <p:cTn id="14" dur="1" fill="hold">
+                                          <p:stCondLst>
+                                            <p:cond delay="0"/>
+                                          </p:stCondLst>
+                                        </p:cTn>
+                                        <p:tgtEl>
+                                          <p:spTgt spid="4">
+                                            <p:txEl>
+                                              <p:pRg st="1" end="1"/>
+                                            </p:txEl>
+                                          </p:spTgt>
+                                        </p:tgtEl>
+                                        <p:attrNameLst>
+                                          <p:attrName>style.visibility</p:attrName>
+                                        </p:attrNameLst>
+                                      </p:cBhvr>
+                                      <p:to>
+                                        <p:strVal val="visible"/>
+                                      </p:to>
+                                    </p:set>
+                                  </p:childTnLst>
+                                </p:cTn>
+                              </p:par>
+                              <p:par>
+                                <p:cTn id="15" presetID="1" presetClass="entr" presetSubtype="0" fill="hold" nodeType="withEffect">
+                                  <p:stCondLst>
+                                    <p:cond delay="0"/>
+                                  </p:stCondLst>
+                                  <p:childTnLst>
+                                    <p:set>
+                                      <p:cBhvr>
+                                        <p:cTn id="16" dur="1" fill="hold">
+                                          <p:stCondLst>
+                                            <p:cond delay="0"/>
+                                          </p:stCondLst>
+                                        </p:cTn>
+                                        <p:tgtEl>
+                                          <p:spTgt spid="4">
+                                            <p:txEl>
+                                              <p:pRg st="2" end="2"/>
+                                            </p:txEl>
+                                          </p:spTgt>
+                                        </p:tgtEl>
+                                        <p:attrNameLst>
+                                          <p:attrName>style.visibility</p:attrName>
+                                        </p:attrNameLst>
+                                      </p:cBhvr>
+                                      <p:to>
+                                        <p:strVal val="visible"/>
+                                      </p:to>
+                                    </p:set>
+                                  </p:childTnLst>
+                                </p:cTn>
+                              </p:par>
+                            </p:childTnLst>
+                          </p:cTn>
+                        </p:par>
+                      </p:childTnLst>
+                    </p:cTn>
+                  </p:par>
+                  <p:par>
+                    <p:cTn id="17" fill="hold">
+                      <p:stCondLst>
+                        <p:cond delay="indefinite"/>
+                      </p:stCondLst>
+                      <p:childTnLst>
+                        <p:par>
+                          <p:cTn id="18" fill="hold">
+                            <p:stCondLst>
+                              <p:cond delay="0"/>
+                            </p:stCondLst>
+                            <p:childTnLst>
+                              <p:par>
+                                <p:cTn id="19" presetID="1" presetClass="entr" presetSubtype="0" fill="hold" nodeType="clickEffect">
+                                  <p:stCondLst>
+                                    <p:cond delay="0"/>
+                                  </p:stCondLst>
+                                  <p:childTnLst>
+                                    <p:set>
+                                      <p:cBhvr>
+                                        <p:cTn id="20" dur="1" fill="hold">
+                                          <p:stCondLst>
+                                            <p:cond delay="0"/>
+                                          </p:stCondLst>
+                                        </p:cTn>
+                                        <p:tgtEl>
+                                          <p:spTgt spid="3">
+                                            <p:txEl>
+                                              <p:pRg st="2" end="2"/>
+                                            </p:txEl>
+                                          </p:spTgt>
+                                        </p:tgtEl>
+                                        <p:attrNameLst>
+                                          <p:attrName>style.visibility</p:attrName>
+                                        </p:attrNameLst>
+                                      </p:cBhvr>
+                                      <p:to>
+                                        <p:strVal val="visible"/>
+                                      </p:to>
+                                    </p:set>
+                                  </p:childTnLst>
+                                </p:cTn>
+                              </p:par>
+                              <p:par>
+                                <p:cTn id="21" presetID="1" presetClass="entr" presetSubtype="0" fill="hold" nodeType="withEffect">
+                                  <p:stCondLst>
+                                    <p:cond delay="0"/>
+                                  </p:stCondLst>
+                                  <p:childTnLst>
+                                    <p:set>
+                                      <p:cBhvr>
+                                        <p:cTn id="22" dur="1" fill="hold">
+                                          <p:stCondLst>
+                                            <p:cond delay="0"/>
+                                          </p:stCondLst>
+                                        </p:cTn>
+                                        <p:tgtEl>
+                                          <p:spTgt spid="3">
+                                            <p:txEl>
+                                              <p:pRg st="3" end="3"/>
+                                            </p:txEl>
+                                          </p:spTgt>
+                                        </p:tgtEl>
+                                        <p:attrNameLst>
+                                          <p:attrName>style.visibility</p:attrName>
+                                        </p:attrNameLst>
+                                      </p:cBhvr>
+                                      <p:to>
+                                        <p:strVal val="visible"/>
+                                      </p:to>
+                                    </p:set>
+                                  </p:childTnLst>
+                                </p:cTn>
+                              </p:par>
+                              <p:par>
+                                <p:cTn id="23" presetID="1" presetClass="entr" presetSubtype="0" fill="hold" nodeType="withEffect">
+                                  <p:stCondLst>
+                                    <p:cond delay="0"/>
+                                  </p:stCondLst>
+                                  <p:childTnLst>
+                                    <p:set>
+                                      <p:cBhvr>
+                                        <p:cTn id="24" dur="1" fill="hold">
+                                          <p:stCondLst>
+                                            <p:cond delay="0"/>
+                                          </p:stCondLst>
+                                        </p:cTn>
+                                        <p:tgtEl>
+                                          <p:spTgt spid="3">
+                                            <p:txEl>
+                                              <p:pRg st="4" end="4"/>
+                                            </p:txEl>
+                                          </p:spTgt>
+                                        </p:tgtEl>
+                                        <p:attrNameLst>
+                                          <p:attrName>style.visibility</p:attrName>
+                                        </p:attrNameLst>
+                                      </p:cBhvr>
+                                      <p:to>
+                                        <p:strVal val="visible"/>
+                                      </p:to>
+                                    </p:set>
+                                  </p:childTnLst>
+                                </p:cTn>
+                              </p:par>
+                              <p:par>
+                                <p:cTn id="25" presetID="1" presetClass="entr" presetSubtype="0" fill="hold" nodeType="withEffect">
+                                  <p:stCondLst>
+                                    <p:cond delay="0"/>
+                                  </p:stCondLst>
+                                  <p:childTnLst>
+                                    <p:set>
+                                      <p:cBhvr>
+                                        <p:cTn id="26" dur="1" fill="hold">
+                                          <p:stCondLst>
+                                            <p:cond delay="0"/>
+                                          </p:stCondLst>
+                                        </p:cTn>
+                                        <p:tgtEl>
+                                          <p:spTgt spid="3">
+                                            <p:txEl>
+                                              <p:pRg st="5" end="5"/>
+                                            </p:txEl>
+                                          </p:spTgt>
+                                        </p:tgtEl>
+                                        <p:attrNameLst>
+                                          <p:attrName>style.visibility</p:attrName>
+                                        </p:attrNameLst>
+                                      </p:cBhvr>
+                                      <p:to>
+                                        <p:strVal val="visible"/>
+                                      </p:to>
+                                    </p:set>
+                                  </p:childTnLst>
+                                </p:cTn>
+                              </p:par>
+                              <p:par>
+                                <p:cTn id="27" presetID="1" presetClass="entr" presetSubtype="0" fill="hold" nodeType="withEffect">
+                                  <p:stCondLst>
+                                    <p:cond delay="0"/>
+                                  </p:stCondLst>
+                                  <p:childTnLst>
+                                    <p:set>
+                                      <p:cBhvr>
+                                        <p:cTn id="28" dur="1" fill="hold">
+                                          <p:stCondLst>
+                                            <p:cond delay="0"/>
+                                          </p:stCondLst>
+                                        </p:cTn>
+                                        <p:tgtEl>
+                                          <p:spTgt spid="3">
+                                            <p:txEl>
+                                              <p:pRg st="6" end="6"/>
+                                            </p:txEl>
+                                          </p:spTgt>
+                                        </p:tgtEl>
+                                        <p:attrNameLst>
+                                          <p:attrName>style.visibility</p:attrName>
+                                        </p:attrNameLst>
+                                      </p:cBhvr>
+                                      <p:to>
+                                        <p:strVal val="visible"/>
+                                      </p:to>
+                                    </p:set>
+                                  </p:childTnLst>
+                                </p:cTn>
+                              </p:par>
+                            </p:childTnLst>
+                          </p:cTn>
+                        </p:par>
+                      </p:childTnLst>
+                    </p:cTn>
+                  </p:par>
+                </p:childTnLst>
+              </p:cTn>
+              <p:prevCondLst>
+                <p:cond evt="onPrev" delay="0">
+                  <p:tgtEl>
+                    <p:sldTgt/>
+                  </p:tgtEl>
+                </p:cond>
+              </p:prevCondLst>
+              <p:nextCondLst>
+                <p:cond evt="onNext" delay="0">
+                  <p:tgtEl>
+                    <p:sldTgt/>
+                  </p:tgtEl>
+                </p:cond>
+              </p:nextCondLst>
+            </p:seq>
+          </p:childTnLst>
+        </p:cTn>
+      </p:par>
+    </p:tnLst>
+  </p:timing>
 </p:sld>
 </file>
 
@@ -12852,7 +18739,9 @@
                 <a:solidFill>
                   <a:srgbClr val="333333"/>
                 </a:solidFill>
-                <a:latin typeface="Consolas" panose="020B0609020204030204" pitchFamily="49" charset="0"/>
+                <a:latin typeface="Menlo" panose="020B0609030804020204" pitchFamily="49" charset="0"/>
+                <a:ea typeface="Menlo" panose="020B0609030804020204" pitchFamily="49" charset="0"/>
+                <a:cs typeface="Menlo" panose="020B0609030804020204" pitchFamily="49" charset="0"/>
               </a:rPr>
               <a:t>iostream</a:t>
             </a:r>
@@ -12864,7 +18753,9 @@
                 <a:solidFill>
                   <a:srgbClr val="333333"/>
                 </a:solidFill>
-                <a:latin typeface="Consolas" panose="020B0609020204030204" pitchFamily="49" charset="0"/>
+                <a:latin typeface="Menlo" panose="020B0609030804020204" pitchFamily="49" charset="0"/>
+                <a:ea typeface="Menlo" panose="020B0609030804020204" pitchFamily="49" charset="0"/>
+                <a:cs typeface="Menlo" panose="020B0609030804020204" pitchFamily="49" charset="0"/>
               </a:rPr>
               <a:t>istream</a:t>
             </a:r>
@@ -12873,7 +18764,9 @@
                 <a:solidFill>
                   <a:srgbClr val="333333"/>
                 </a:solidFill>
-                <a:latin typeface="Consolas" panose="020B0609020204030204" pitchFamily="49" charset="0"/>
+                <a:latin typeface="Menlo" panose="020B0609030804020204" pitchFamily="49" charset="0"/>
+                <a:ea typeface="Menlo" panose="020B0609030804020204" pitchFamily="49" charset="0"/>
+                <a:cs typeface="Menlo" panose="020B0609030804020204" pitchFamily="49" charset="0"/>
               </a:rPr>
               <a:t> </a:t>
             </a:r>
@@ -12882,7 +18775,9 @@
                 <a:solidFill>
                   <a:srgbClr val="333333"/>
                 </a:solidFill>
-                <a:latin typeface="Consolas" panose="020B0609020204030204" pitchFamily="49" charset="0"/>
+                <a:latin typeface="Menlo" panose="020B0609030804020204" pitchFamily="49" charset="0"/>
+                <a:ea typeface="Menlo" panose="020B0609030804020204" pitchFamily="49" charset="0"/>
+                <a:cs typeface="Menlo" panose="020B0609030804020204" pitchFamily="49" charset="0"/>
               </a:rPr>
               <a:t>cin</a:t>
             </a:r>
@@ -12890,7 +18785,9 @@
               <a:solidFill>
                 <a:srgbClr val="333333"/>
               </a:solidFill>
-              <a:latin typeface="Consolas" panose="020B0609020204030204" pitchFamily="49" charset="0"/>
+              <a:latin typeface="Menlo" panose="020B0609030804020204" pitchFamily="49" charset="0"/>
+              <a:ea typeface="Menlo" panose="020B0609030804020204" pitchFamily="49" charset="0"/>
+              <a:cs typeface="Menlo" panose="020B0609030804020204" pitchFamily="49" charset="0"/>
             </a:endParaRPr>
           </a:p>
           <a:p>
@@ -12900,7 +18797,9 @@
                 <a:solidFill>
                   <a:srgbClr val="333333"/>
                 </a:solidFill>
-                <a:latin typeface="Consolas" panose="020B0609020204030204" pitchFamily="49" charset="0"/>
+                <a:latin typeface="Menlo" panose="020B0609030804020204" pitchFamily="49" charset="0"/>
+                <a:ea typeface="Menlo" panose="020B0609030804020204" pitchFamily="49" charset="0"/>
+                <a:cs typeface="Menlo" panose="020B0609030804020204" pitchFamily="49" charset="0"/>
               </a:rPr>
               <a:t>ostream</a:t>
             </a:r>
@@ -12909,7 +18808,9 @@
                 <a:solidFill>
                   <a:srgbClr val="333333"/>
                 </a:solidFill>
-                <a:latin typeface="Consolas" panose="020B0609020204030204" pitchFamily="49" charset="0"/>
+                <a:latin typeface="Menlo" panose="020B0609030804020204" pitchFamily="49" charset="0"/>
+                <a:ea typeface="Menlo" panose="020B0609030804020204" pitchFamily="49" charset="0"/>
+                <a:cs typeface="Menlo" panose="020B0609030804020204" pitchFamily="49" charset="0"/>
               </a:rPr>
               <a:t> </a:t>
             </a:r>
@@ -12918,7 +18819,9 @@
                 <a:solidFill>
                   <a:srgbClr val="333333"/>
                 </a:solidFill>
-                <a:latin typeface="Consolas" panose="020B0609020204030204" pitchFamily="49" charset="0"/>
+                <a:latin typeface="Menlo" panose="020B0609030804020204" pitchFamily="49" charset="0"/>
+                <a:ea typeface="Menlo" panose="020B0609030804020204" pitchFamily="49" charset="0"/>
+                <a:cs typeface="Menlo" panose="020B0609030804020204" pitchFamily="49" charset="0"/>
               </a:rPr>
               <a:t>cout</a:t>
             </a:r>
@@ -12926,7 +18829,9 @@
               <a:solidFill>
                 <a:srgbClr val="333333"/>
               </a:solidFill>
-              <a:latin typeface="Consolas" panose="020B0609020204030204" pitchFamily="49" charset="0"/>
+              <a:latin typeface="Menlo" panose="020B0609030804020204" pitchFamily="49" charset="0"/>
+              <a:ea typeface="Menlo" panose="020B0609030804020204" pitchFamily="49" charset="0"/>
+              <a:cs typeface="Menlo" panose="020B0609030804020204" pitchFamily="49" charset="0"/>
             </a:endParaRPr>
           </a:p>
           <a:p>
@@ -12944,8 +18849,16 @@
           <a:p>
             <a:pPr lvl="1"/>
             <a:r>
+              <a:rPr lang="en-US" dirty="0">
+                <a:latin typeface="Menlo" panose="020B0609030804020204" pitchFamily="49" charset="0"/>
+                <a:ea typeface="Menlo" panose="020B0609030804020204" pitchFamily="49" charset="0"/>
+                <a:cs typeface="Menlo" panose="020B0609030804020204" pitchFamily="49" charset="0"/>
+              </a:rPr>
+              <a:t>&lt;&lt;,&gt;&gt; </a:t>
+            </a:r>
+            <a:r>
               <a:rPr lang="en-US" dirty="0"/>
-              <a:t>&lt;&lt;, &gt;&gt; operators</a:t>
+              <a:t>operators</a:t>
             </a:r>
           </a:p>
           <a:p>
@@ -13901,6 +19814,733 @@
   <p:clrMapOvr>
     <a:masterClrMapping/>
   </p:clrMapOvr>
+  <p:timing>
+    <p:tnLst>
+      <p:par>
+        <p:cTn id="1" dur="indefinite" restart="never" nodeType="tmRoot">
+          <p:childTnLst>
+            <p:seq concurrent="1" nextAc="seek">
+              <p:cTn id="2" dur="indefinite" nodeType="mainSeq">
+                <p:childTnLst>
+                  <p:par>
+                    <p:cTn id="3" fill="hold">
+                      <p:stCondLst>
+                        <p:cond delay="indefinite"/>
+                      </p:stCondLst>
+                      <p:childTnLst>
+                        <p:par>
+                          <p:cTn id="4" fill="hold">
+                            <p:stCondLst>
+                              <p:cond delay="0"/>
+                            </p:stCondLst>
+                            <p:childTnLst>
+                              <p:par>
+                                <p:cTn id="5" presetID="1" presetClass="entr" presetSubtype="0" fill="hold" nodeType="clickEffect">
+                                  <p:stCondLst>
+                                    <p:cond delay="0"/>
+                                  </p:stCondLst>
+                                  <p:childTnLst>
+                                    <p:set>
+                                      <p:cBhvr>
+                                        <p:cTn id="6" dur="1" fill="hold">
+                                          <p:stCondLst>
+                                            <p:cond delay="0"/>
+                                          </p:stCondLst>
+                                        </p:cTn>
+                                        <p:tgtEl>
+                                          <p:spTgt spid="3">
+                                            <p:txEl>
+                                              <p:pRg st="0" end="0"/>
+                                            </p:txEl>
+                                          </p:spTgt>
+                                        </p:tgtEl>
+                                        <p:attrNameLst>
+                                          <p:attrName>style.visibility</p:attrName>
+                                        </p:attrNameLst>
+                                      </p:cBhvr>
+                                      <p:to>
+                                        <p:strVal val="visible"/>
+                                      </p:to>
+                                    </p:set>
+                                  </p:childTnLst>
+                                </p:cTn>
+                              </p:par>
+                              <p:par>
+                                <p:cTn id="7" presetID="1" presetClass="entr" presetSubtype="0" fill="hold" nodeType="withEffect">
+                                  <p:stCondLst>
+                                    <p:cond delay="0"/>
+                                  </p:stCondLst>
+                                  <p:childTnLst>
+                                    <p:set>
+                                      <p:cBhvr>
+                                        <p:cTn id="8" dur="1" fill="hold">
+                                          <p:stCondLst>
+                                            <p:cond delay="0"/>
+                                          </p:stCondLst>
+                                        </p:cTn>
+                                        <p:tgtEl>
+                                          <p:spTgt spid="3">
+                                            <p:txEl>
+                                              <p:pRg st="1" end="1"/>
+                                            </p:txEl>
+                                          </p:spTgt>
+                                        </p:tgtEl>
+                                        <p:attrNameLst>
+                                          <p:attrName>style.visibility</p:attrName>
+                                        </p:attrNameLst>
+                                      </p:cBhvr>
+                                      <p:to>
+                                        <p:strVal val="visible"/>
+                                      </p:to>
+                                    </p:set>
+                                  </p:childTnLst>
+                                </p:cTn>
+                              </p:par>
+                              <p:par>
+                                <p:cTn id="9" presetID="1" presetClass="entr" presetSubtype="0" fill="hold" nodeType="withEffect">
+                                  <p:stCondLst>
+                                    <p:cond delay="0"/>
+                                  </p:stCondLst>
+                                  <p:childTnLst>
+                                    <p:set>
+                                      <p:cBhvr>
+                                        <p:cTn id="10" dur="1" fill="hold">
+                                          <p:stCondLst>
+                                            <p:cond delay="0"/>
+                                          </p:stCondLst>
+                                        </p:cTn>
+                                        <p:tgtEl>
+                                          <p:spTgt spid="3">
+                                            <p:txEl>
+                                              <p:pRg st="2" end="2"/>
+                                            </p:txEl>
+                                          </p:spTgt>
+                                        </p:tgtEl>
+                                        <p:attrNameLst>
+                                          <p:attrName>style.visibility</p:attrName>
+                                        </p:attrNameLst>
+                                      </p:cBhvr>
+                                      <p:to>
+                                        <p:strVal val="visible"/>
+                                      </p:to>
+                                    </p:set>
+                                  </p:childTnLst>
+                                </p:cTn>
+                              </p:par>
+                              <p:par>
+                                <p:cTn id="11" presetID="1" presetClass="entr" presetSubtype="0" fill="hold" nodeType="withEffect">
+                                  <p:stCondLst>
+                                    <p:cond delay="0"/>
+                                  </p:stCondLst>
+                                  <p:childTnLst>
+                                    <p:set>
+                                      <p:cBhvr>
+                                        <p:cTn id="12" dur="1" fill="hold">
+                                          <p:stCondLst>
+                                            <p:cond delay="0"/>
+                                          </p:stCondLst>
+                                        </p:cTn>
+                                        <p:tgtEl>
+                                          <p:spTgt spid="3">
+                                            <p:txEl>
+                                              <p:pRg st="3" end="3"/>
+                                            </p:txEl>
+                                          </p:spTgt>
+                                        </p:tgtEl>
+                                        <p:attrNameLst>
+                                          <p:attrName>style.visibility</p:attrName>
+                                        </p:attrNameLst>
+                                      </p:cBhvr>
+                                      <p:to>
+                                        <p:strVal val="visible"/>
+                                      </p:to>
+                                    </p:set>
+                                  </p:childTnLst>
+                                </p:cTn>
+                              </p:par>
+                            </p:childTnLst>
+                          </p:cTn>
+                        </p:par>
+                      </p:childTnLst>
+                    </p:cTn>
+                  </p:par>
+                  <p:par>
+                    <p:cTn id="13" fill="hold">
+                      <p:stCondLst>
+                        <p:cond delay="indefinite"/>
+                      </p:stCondLst>
+                      <p:childTnLst>
+                        <p:par>
+                          <p:cTn id="14" fill="hold">
+                            <p:stCondLst>
+                              <p:cond delay="0"/>
+                            </p:stCondLst>
+                            <p:childTnLst>
+                              <p:par>
+                                <p:cTn id="15" presetID="1" presetClass="entr" presetSubtype="0" fill="hold" nodeType="clickEffect">
+                                  <p:stCondLst>
+                                    <p:cond delay="0"/>
+                                  </p:stCondLst>
+                                  <p:childTnLst>
+                                    <p:set>
+                                      <p:cBhvr>
+                                        <p:cTn id="16" dur="1" fill="hold">
+                                          <p:stCondLst>
+                                            <p:cond delay="0"/>
+                                          </p:stCondLst>
+                                        </p:cTn>
+                                        <p:tgtEl>
+                                          <p:spTgt spid="4">
+                                            <p:txEl>
+                                              <p:pRg st="0" end="0"/>
+                                            </p:txEl>
+                                          </p:spTgt>
+                                        </p:tgtEl>
+                                        <p:attrNameLst>
+                                          <p:attrName>style.visibility</p:attrName>
+                                        </p:attrNameLst>
+                                      </p:cBhvr>
+                                      <p:to>
+                                        <p:strVal val="visible"/>
+                                      </p:to>
+                                    </p:set>
+                                  </p:childTnLst>
+                                </p:cTn>
+                              </p:par>
+                              <p:par>
+                                <p:cTn id="17" presetID="1" presetClass="entr" presetSubtype="0" fill="hold" nodeType="withEffect">
+                                  <p:stCondLst>
+                                    <p:cond delay="0"/>
+                                  </p:stCondLst>
+                                  <p:childTnLst>
+                                    <p:set>
+                                      <p:cBhvr>
+                                        <p:cTn id="18" dur="1" fill="hold">
+                                          <p:stCondLst>
+                                            <p:cond delay="0"/>
+                                          </p:stCondLst>
+                                        </p:cTn>
+                                        <p:tgtEl>
+                                          <p:spTgt spid="4">
+                                            <p:txEl>
+                                              <p:pRg st="1" end="1"/>
+                                            </p:txEl>
+                                          </p:spTgt>
+                                        </p:tgtEl>
+                                        <p:attrNameLst>
+                                          <p:attrName>style.visibility</p:attrName>
+                                        </p:attrNameLst>
+                                      </p:cBhvr>
+                                      <p:to>
+                                        <p:strVal val="visible"/>
+                                      </p:to>
+                                    </p:set>
+                                  </p:childTnLst>
+                                </p:cTn>
+                              </p:par>
+                              <p:par>
+                                <p:cTn id="19" presetID="1" presetClass="entr" presetSubtype="0" fill="hold" nodeType="withEffect">
+                                  <p:stCondLst>
+                                    <p:cond delay="0"/>
+                                  </p:stCondLst>
+                                  <p:childTnLst>
+                                    <p:set>
+                                      <p:cBhvr>
+                                        <p:cTn id="20" dur="1" fill="hold">
+                                          <p:stCondLst>
+                                            <p:cond delay="0"/>
+                                          </p:stCondLst>
+                                        </p:cTn>
+                                        <p:tgtEl>
+                                          <p:spTgt spid="4">
+                                            <p:txEl>
+                                              <p:pRg st="2" end="2"/>
+                                            </p:txEl>
+                                          </p:spTgt>
+                                        </p:tgtEl>
+                                        <p:attrNameLst>
+                                          <p:attrName>style.visibility</p:attrName>
+                                        </p:attrNameLst>
+                                      </p:cBhvr>
+                                      <p:to>
+                                        <p:strVal val="visible"/>
+                                      </p:to>
+                                    </p:set>
+                                  </p:childTnLst>
+                                </p:cTn>
+                              </p:par>
+                              <p:par>
+                                <p:cTn id="21" presetID="1" presetClass="entr" presetSubtype="0" fill="hold" nodeType="withEffect">
+                                  <p:stCondLst>
+                                    <p:cond delay="0"/>
+                                  </p:stCondLst>
+                                  <p:childTnLst>
+                                    <p:set>
+                                      <p:cBhvr>
+                                        <p:cTn id="22" dur="1" fill="hold">
+                                          <p:stCondLst>
+                                            <p:cond delay="0"/>
+                                          </p:stCondLst>
+                                        </p:cTn>
+                                        <p:tgtEl>
+                                          <p:spTgt spid="4">
+                                            <p:txEl>
+                                              <p:pRg st="3" end="3"/>
+                                            </p:txEl>
+                                          </p:spTgt>
+                                        </p:tgtEl>
+                                        <p:attrNameLst>
+                                          <p:attrName>style.visibility</p:attrName>
+                                        </p:attrNameLst>
+                                      </p:cBhvr>
+                                      <p:to>
+                                        <p:strVal val="visible"/>
+                                      </p:to>
+                                    </p:set>
+                                  </p:childTnLst>
+                                </p:cTn>
+                              </p:par>
+                              <p:par>
+                                <p:cTn id="23" presetID="1" presetClass="entr" presetSubtype="0" fill="hold" nodeType="withEffect">
+                                  <p:stCondLst>
+                                    <p:cond delay="0"/>
+                                  </p:stCondLst>
+                                  <p:childTnLst>
+                                    <p:set>
+                                      <p:cBhvr>
+                                        <p:cTn id="24" dur="1" fill="hold">
+                                          <p:stCondLst>
+                                            <p:cond delay="0"/>
+                                          </p:stCondLst>
+                                        </p:cTn>
+                                        <p:tgtEl>
+                                          <p:spTgt spid="4">
+                                            <p:txEl>
+                                              <p:pRg st="4" end="4"/>
+                                            </p:txEl>
+                                          </p:spTgt>
+                                        </p:tgtEl>
+                                        <p:attrNameLst>
+                                          <p:attrName>style.visibility</p:attrName>
+                                        </p:attrNameLst>
+                                      </p:cBhvr>
+                                      <p:to>
+                                        <p:strVal val="visible"/>
+                                      </p:to>
+                                    </p:set>
+                                  </p:childTnLst>
+                                </p:cTn>
+                              </p:par>
+                              <p:par>
+                                <p:cTn id="25" presetID="1" presetClass="entr" presetSubtype="0" fill="hold" nodeType="withEffect">
+                                  <p:stCondLst>
+                                    <p:cond delay="0"/>
+                                  </p:stCondLst>
+                                  <p:childTnLst>
+                                    <p:set>
+                                      <p:cBhvr>
+                                        <p:cTn id="26" dur="1" fill="hold">
+                                          <p:stCondLst>
+                                            <p:cond delay="0"/>
+                                          </p:stCondLst>
+                                        </p:cTn>
+                                        <p:tgtEl>
+                                          <p:spTgt spid="4">
+                                            <p:txEl>
+                                              <p:pRg st="5" end="5"/>
+                                            </p:txEl>
+                                          </p:spTgt>
+                                        </p:tgtEl>
+                                        <p:attrNameLst>
+                                          <p:attrName>style.visibility</p:attrName>
+                                        </p:attrNameLst>
+                                      </p:cBhvr>
+                                      <p:to>
+                                        <p:strVal val="visible"/>
+                                      </p:to>
+                                    </p:set>
+                                  </p:childTnLst>
+                                </p:cTn>
+                              </p:par>
+                              <p:par>
+                                <p:cTn id="27" presetID="1" presetClass="entr" presetSubtype="0" fill="hold" nodeType="withEffect">
+                                  <p:stCondLst>
+                                    <p:cond delay="0"/>
+                                  </p:stCondLst>
+                                  <p:childTnLst>
+                                    <p:set>
+                                      <p:cBhvr>
+                                        <p:cTn id="28" dur="1" fill="hold">
+                                          <p:stCondLst>
+                                            <p:cond delay="0"/>
+                                          </p:stCondLst>
+                                        </p:cTn>
+                                        <p:tgtEl>
+                                          <p:spTgt spid="4">
+                                            <p:txEl>
+                                              <p:pRg st="6" end="6"/>
+                                            </p:txEl>
+                                          </p:spTgt>
+                                        </p:tgtEl>
+                                        <p:attrNameLst>
+                                          <p:attrName>style.visibility</p:attrName>
+                                        </p:attrNameLst>
+                                      </p:cBhvr>
+                                      <p:to>
+                                        <p:strVal val="visible"/>
+                                      </p:to>
+                                    </p:set>
+                                  </p:childTnLst>
+                                </p:cTn>
+                              </p:par>
+                              <p:par>
+                                <p:cTn id="29" presetID="1" presetClass="entr" presetSubtype="0" fill="hold" nodeType="withEffect">
+                                  <p:stCondLst>
+                                    <p:cond delay="0"/>
+                                  </p:stCondLst>
+                                  <p:childTnLst>
+                                    <p:set>
+                                      <p:cBhvr>
+                                        <p:cTn id="30" dur="1" fill="hold">
+                                          <p:stCondLst>
+                                            <p:cond delay="0"/>
+                                          </p:stCondLst>
+                                        </p:cTn>
+                                        <p:tgtEl>
+                                          <p:spTgt spid="4">
+                                            <p:txEl>
+                                              <p:pRg st="7" end="7"/>
+                                            </p:txEl>
+                                          </p:spTgt>
+                                        </p:tgtEl>
+                                        <p:attrNameLst>
+                                          <p:attrName>style.visibility</p:attrName>
+                                        </p:attrNameLst>
+                                      </p:cBhvr>
+                                      <p:to>
+                                        <p:strVal val="visible"/>
+                                      </p:to>
+                                    </p:set>
+                                  </p:childTnLst>
+                                </p:cTn>
+                              </p:par>
+                              <p:par>
+                                <p:cTn id="31" presetID="1" presetClass="entr" presetSubtype="0" fill="hold" nodeType="withEffect">
+                                  <p:stCondLst>
+                                    <p:cond delay="0"/>
+                                  </p:stCondLst>
+                                  <p:childTnLst>
+                                    <p:set>
+                                      <p:cBhvr>
+                                        <p:cTn id="32" dur="1" fill="hold">
+                                          <p:stCondLst>
+                                            <p:cond delay="0"/>
+                                          </p:stCondLst>
+                                        </p:cTn>
+                                        <p:tgtEl>
+                                          <p:spTgt spid="4">
+                                            <p:txEl>
+                                              <p:pRg st="8" end="8"/>
+                                            </p:txEl>
+                                          </p:spTgt>
+                                        </p:tgtEl>
+                                        <p:attrNameLst>
+                                          <p:attrName>style.visibility</p:attrName>
+                                        </p:attrNameLst>
+                                      </p:cBhvr>
+                                      <p:to>
+                                        <p:strVal val="visible"/>
+                                      </p:to>
+                                    </p:set>
+                                  </p:childTnLst>
+                                </p:cTn>
+                              </p:par>
+                            </p:childTnLst>
+                          </p:cTn>
+                        </p:par>
+                      </p:childTnLst>
+                    </p:cTn>
+                  </p:par>
+                  <p:par>
+                    <p:cTn id="33" fill="hold">
+                      <p:stCondLst>
+                        <p:cond delay="indefinite"/>
+                      </p:stCondLst>
+                      <p:childTnLst>
+                        <p:par>
+                          <p:cTn id="34" fill="hold">
+                            <p:stCondLst>
+                              <p:cond delay="0"/>
+                            </p:stCondLst>
+                            <p:childTnLst>
+                              <p:par>
+                                <p:cTn id="35" presetID="1" presetClass="entr" presetSubtype="0" fill="hold" nodeType="clickEffect">
+                                  <p:stCondLst>
+                                    <p:cond delay="0"/>
+                                  </p:stCondLst>
+                                  <p:childTnLst>
+                                    <p:set>
+                                      <p:cBhvr>
+                                        <p:cTn id="36" dur="1" fill="hold">
+                                          <p:stCondLst>
+                                            <p:cond delay="0"/>
+                                          </p:stCondLst>
+                                        </p:cTn>
+                                        <p:tgtEl>
+                                          <p:spTgt spid="3">
+                                            <p:txEl>
+                                              <p:pRg st="4" end="4"/>
+                                            </p:txEl>
+                                          </p:spTgt>
+                                        </p:tgtEl>
+                                        <p:attrNameLst>
+                                          <p:attrName>style.visibility</p:attrName>
+                                        </p:attrNameLst>
+                                      </p:cBhvr>
+                                      <p:to>
+                                        <p:strVal val="visible"/>
+                                      </p:to>
+                                    </p:set>
+                                  </p:childTnLst>
+                                </p:cTn>
+                              </p:par>
+                            </p:childTnLst>
+                          </p:cTn>
+                        </p:par>
+                      </p:childTnLst>
+                    </p:cTn>
+                  </p:par>
+                  <p:par>
+                    <p:cTn id="37" fill="hold">
+                      <p:stCondLst>
+                        <p:cond delay="indefinite"/>
+                      </p:stCondLst>
+                      <p:childTnLst>
+                        <p:par>
+                          <p:cTn id="38" fill="hold">
+                            <p:stCondLst>
+                              <p:cond delay="0"/>
+                            </p:stCondLst>
+                            <p:childTnLst>
+                              <p:par>
+                                <p:cTn id="39" presetID="1" presetClass="entr" presetSubtype="0" fill="hold" nodeType="clickEffect">
+                                  <p:stCondLst>
+                                    <p:cond delay="0"/>
+                                  </p:stCondLst>
+                                  <p:childTnLst>
+                                    <p:set>
+                                      <p:cBhvr>
+                                        <p:cTn id="40" dur="1" fill="hold">
+                                          <p:stCondLst>
+                                            <p:cond delay="0"/>
+                                          </p:stCondLst>
+                                        </p:cTn>
+                                        <p:tgtEl>
+                                          <p:spTgt spid="3">
+                                            <p:txEl>
+                                              <p:pRg st="5" end="5"/>
+                                            </p:txEl>
+                                          </p:spTgt>
+                                        </p:tgtEl>
+                                        <p:attrNameLst>
+                                          <p:attrName>style.visibility</p:attrName>
+                                        </p:attrNameLst>
+                                      </p:cBhvr>
+                                      <p:to>
+                                        <p:strVal val="visible"/>
+                                      </p:to>
+                                    </p:set>
+                                  </p:childTnLst>
+                                </p:cTn>
+                              </p:par>
+                              <p:par>
+                                <p:cTn id="41" presetID="1" presetClass="entr" presetSubtype="0" fill="hold" nodeType="withEffect">
+                                  <p:stCondLst>
+                                    <p:cond delay="0"/>
+                                  </p:stCondLst>
+                                  <p:childTnLst>
+                                    <p:set>
+                                      <p:cBhvr>
+                                        <p:cTn id="42" dur="1" fill="hold">
+                                          <p:stCondLst>
+                                            <p:cond delay="0"/>
+                                          </p:stCondLst>
+                                        </p:cTn>
+                                        <p:tgtEl>
+                                          <p:spTgt spid="3">
+                                            <p:txEl>
+                                              <p:pRg st="6" end="6"/>
+                                            </p:txEl>
+                                          </p:spTgt>
+                                        </p:tgtEl>
+                                        <p:attrNameLst>
+                                          <p:attrName>style.visibility</p:attrName>
+                                        </p:attrNameLst>
+                                      </p:cBhvr>
+                                      <p:to>
+                                        <p:strVal val="visible"/>
+                                      </p:to>
+                                    </p:set>
+                                  </p:childTnLst>
+                                </p:cTn>
+                              </p:par>
+                              <p:par>
+                                <p:cTn id="43" presetID="1" presetClass="entr" presetSubtype="0" fill="hold" nodeType="withEffect">
+                                  <p:stCondLst>
+                                    <p:cond delay="0"/>
+                                  </p:stCondLst>
+                                  <p:childTnLst>
+                                    <p:set>
+                                      <p:cBhvr>
+                                        <p:cTn id="44" dur="1" fill="hold">
+                                          <p:stCondLst>
+                                            <p:cond delay="0"/>
+                                          </p:stCondLst>
+                                        </p:cTn>
+                                        <p:tgtEl>
+                                          <p:spTgt spid="3">
+                                            <p:txEl>
+                                              <p:pRg st="7" end="7"/>
+                                            </p:txEl>
+                                          </p:spTgt>
+                                        </p:tgtEl>
+                                        <p:attrNameLst>
+                                          <p:attrName>style.visibility</p:attrName>
+                                        </p:attrNameLst>
+                                      </p:cBhvr>
+                                      <p:to>
+                                        <p:strVal val="visible"/>
+                                      </p:to>
+                                    </p:set>
+                                  </p:childTnLst>
+                                </p:cTn>
+                              </p:par>
+                            </p:childTnLst>
+                          </p:cTn>
+                        </p:par>
+                      </p:childTnLst>
+                    </p:cTn>
+                  </p:par>
+                  <p:par>
+                    <p:cTn id="45" fill="hold">
+                      <p:stCondLst>
+                        <p:cond delay="indefinite"/>
+                      </p:stCondLst>
+                      <p:childTnLst>
+                        <p:par>
+                          <p:cTn id="46" fill="hold">
+                            <p:stCondLst>
+                              <p:cond delay="0"/>
+                            </p:stCondLst>
+                            <p:childTnLst>
+                              <p:par>
+                                <p:cTn id="47" presetID="1" presetClass="entr" presetSubtype="0" fill="hold" nodeType="clickEffect">
+                                  <p:stCondLst>
+                                    <p:cond delay="0"/>
+                                  </p:stCondLst>
+                                  <p:childTnLst>
+                                    <p:set>
+                                      <p:cBhvr>
+                                        <p:cTn id="48" dur="1" fill="hold">
+                                          <p:stCondLst>
+                                            <p:cond delay="0"/>
+                                          </p:stCondLst>
+                                        </p:cTn>
+                                        <p:tgtEl>
+                                          <p:spTgt spid="3">
+                                            <p:txEl>
+                                              <p:pRg st="8" end="8"/>
+                                            </p:txEl>
+                                          </p:spTgt>
+                                        </p:tgtEl>
+                                        <p:attrNameLst>
+                                          <p:attrName>style.visibility</p:attrName>
+                                        </p:attrNameLst>
+                                      </p:cBhvr>
+                                      <p:to>
+                                        <p:strVal val="visible"/>
+                                      </p:to>
+                                    </p:set>
+                                  </p:childTnLst>
+                                </p:cTn>
+                              </p:par>
+                            </p:childTnLst>
+                          </p:cTn>
+                        </p:par>
+                      </p:childTnLst>
+                    </p:cTn>
+                  </p:par>
+                  <p:par>
+                    <p:cTn id="49" fill="hold">
+                      <p:stCondLst>
+                        <p:cond delay="indefinite"/>
+                      </p:stCondLst>
+                      <p:childTnLst>
+                        <p:par>
+                          <p:cTn id="50" fill="hold">
+                            <p:stCondLst>
+                              <p:cond delay="0"/>
+                            </p:stCondLst>
+                            <p:childTnLst>
+                              <p:par>
+                                <p:cTn id="51" presetID="1" presetClass="entr" presetSubtype="0" fill="hold" nodeType="clickEffect">
+                                  <p:stCondLst>
+                                    <p:cond delay="0"/>
+                                  </p:stCondLst>
+                                  <p:childTnLst>
+                                    <p:set>
+                                      <p:cBhvr>
+                                        <p:cTn id="52" dur="1" fill="hold">
+                                          <p:stCondLst>
+                                            <p:cond delay="0"/>
+                                          </p:stCondLst>
+                                        </p:cTn>
+                                        <p:tgtEl>
+                                          <p:spTgt spid="3">
+                                            <p:txEl>
+                                              <p:pRg st="9" end="9"/>
+                                            </p:txEl>
+                                          </p:spTgt>
+                                        </p:tgtEl>
+                                        <p:attrNameLst>
+                                          <p:attrName>style.visibility</p:attrName>
+                                        </p:attrNameLst>
+                                      </p:cBhvr>
+                                      <p:to>
+                                        <p:strVal val="visible"/>
+                                      </p:to>
+                                    </p:set>
+                                  </p:childTnLst>
+                                </p:cTn>
+                              </p:par>
+                            </p:childTnLst>
+                          </p:cTn>
+                        </p:par>
+                      </p:childTnLst>
+                    </p:cTn>
+                  </p:par>
+                </p:childTnLst>
+              </p:cTn>
+              <p:prevCondLst>
+                <p:cond evt="onPrev" delay="0">
+                  <p:tgtEl>
+                    <p:sldTgt/>
+                  </p:tgtEl>
+                </p:cond>
+              </p:prevCondLst>
+              <p:nextCondLst>
+                <p:cond evt="onNext" delay="0">
+                  <p:tgtEl>
+                    <p:sldTgt/>
+                  </p:tgtEl>
+                </p:cond>
+              </p:nextCondLst>
+            </p:seq>
+          </p:childTnLst>
+        </p:cTn>
+      </p:par>
+    </p:tnLst>
+  </p:timing>
 </p:sld>
 </file>
 
@@ -14334,6 +20974,382 @@
   <p:clrMapOvr>
     <a:masterClrMapping/>
   </p:clrMapOvr>
+  <p:timing>
+    <p:tnLst>
+      <p:par>
+        <p:cTn id="1" dur="indefinite" restart="never" nodeType="tmRoot">
+          <p:childTnLst>
+            <p:seq concurrent="1" nextAc="seek">
+              <p:cTn id="2" dur="indefinite" nodeType="mainSeq">
+                <p:childTnLst>
+                  <p:par>
+                    <p:cTn id="3" fill="hold">
+                      <p:stCondLst>
+                        <p:cond delay="indefinite"/>
+                      </p:stCondLst>
+                      <p:childTnLst>
+                        <p:par>
+                          <p:cTn id="4" fill="hold">
+                            <p:stCondLst>
+                              <p:cond delay="0"/>
+                            </p:stCondLst>
+                            <p:childTnLst>
+                              <p:par>
+                                <p:cTn id="5" presetID="1" presetClass="entr" presetSubtype="0" fill="hold" nodeType="clickEffect">
+                                  <p:stCondLst>
+                                    <p:cond delay="0"/>
+                                  </p:stCondLst>
+                                  <p:childTnLst>
+                                    <p:set>
+                                      <p:cBhvr>
+                                        <p:cTn id="6" dur="1" fill="hold">
+                                          <p:stCondLst>
+                                            <p:cond delay="0"/>
+                                          </p:stCondLst>
+                                        </p:cTn>
+                                        <p:tgtEl>
+                                          <p:spTgt spid="3">
+                                            <p:txEl>
+                                              <p:pRg st="0" end="0"/>
+                                            </p:txEl>
+                                          </p:spTgt>
+                                        </p:tgtEl>
+                                        <p:attrNameLst>
+                                          <p:attrName>style.visibility</p:attrName>
+                                        </p:attrNameLst>
+                                      </p:cBhvr>
+                                      <p:to>
+                                        <p:strVal val="visible"/>
+                                      </p:to>
+                                    </p:set>
+                                  </p:childTnLst>
+                                </p:cTn>
+                              </p:par>
+                              <p:par>
+                                <p:cTn id="7" presetID="1" presetClass="entr" presetSubtype="0" fill="hold" nodeType="withEffect">
+                                  <p:stCondLst>
+                                    <p:cond delay="0"/>
+                                  </p:stCondLst>
+                                  <p:childTnLst>
+                                    <p:set>
+                                      <p:cBhvr>
+                                        <p:cTn id="8" dur="1" fill="hold">
+                                          <p:stCondLst>
+                                            <p:cond delay="0"/>
+                                          </p:stCondLst>
+                                        </p:cTn>
+                                        <p:tgtEl>
+                                          <p:spTgt spid="3">
+                                            <p:txEl>
+                                              <p:pRg st="1" end="1"/>
+                                            </p:txEl>
+                                          </p:spTgt>
+                                        </p:tgtEl>
+                                        <p:attrNameLst>
+                                          <p:attrName>style.visibility</p:attrName>
+                                        </p:attrNameLst>
+                                      </p:cBhvr>
+                                      <p:to>
+                                        <p:strVal val="visible"/>
+                                      </p:to>
+                                    </p:set>
+                                  </p:childTnLst>
+                                </p:cTn>
+                              </p:par>
+                              <p:par>
+                                <p:cTn id="9" presetID="1" presetClass="entr" presetSubtype="0" fill="hold" nodeType="withEffect">
+                                  <p:stCondLst>
+                                    <p:cond delay="0"/>
+                                  </p:stCondLst>
+                                  <p:childTnLst>
+                                    <p:set>
+                                      <p:cBhvr>
+                                        <p:cTn id="10" dur="1" fill="hold">
+                                          <p:stCondLst>
+                                            <p:cond delay="0"/>
+                                          </p:stCondLst>
+                                        </p:cTn>
+                                        <p:tgtEl>
+                                          <p:spTgt spid="3">
+                                            <p:txEl>
+                                              <p:pRg st="2" end="2"/>
+                                            </p:txEl>
+                                          </p:spTgt>
+                                        </p:tgtEl>
+                                        <p:attrNameLst>
+                                          <p:attrName>style.visibility</p:attrName>
+                                        </p:attrNameLst>
+                                      </p:cBhvr>
+                                      <p:to>
+                                        <p:strVal val="visible"/>
+                                      </p:to>
+                                    </p:set>
+                                  </p:childTnLst>
+                                </p:cTn>
+                              </p:par>
+                            </p:childTnLst>
+                          </p:cTn>
+                        </p:par>
+                      </p:childTnLst>
+                    </p:cTn>
+                  </p:par>
+                  <p:par>
+                    <p:cTn id="11" fill="hold">
+                      <p:stCondLst>
+                        <p:cond delay="indefinite"/>
+                      </p:stCondLst>
+                      <p:childTnLst>
+                        <p:par>
+                          <p:cTn id="12" fill="hold">
+                            <p:stCondLst>
+                              <p:cond delay="0"/>
+                            </p:stCondLst>
+                            <p:childTnLst>
+                              <p:par>
+                                <p:cTn id="13" presetID="1" presetClass="entr" presetSubtype="0" fill="hold" nodeType="clickEffect">
+                                  <p:stCondLst>
+                                    <p:cond delay="0"/>
+                                  </p:stCondLst>
+                                  <p:childTnLst>
+                                    <p:set>
+                                      <p:cBhvr>
+                                        <p:cTn id="14" dur="1" fill="hold">
+                                          <p:stCondLst>
+                                            <p:cond delay="0"/>
+                                          </p:stCondLst>
+                                        </p:cTn>
+                                        <p:tgtEl>
+                                          <p:spTgt spid="4">
+                                            <p:txEl>
+                                              <p:pRg st="0" end="0"/>
+                                            </p:txEl>
+                                          </p:spTgt>
+                                        </p:tgtEl>
+                                        <p:attrNameLst>
+                                          <p:attrName>style.visibility</p:attrName>
+                                        </p:attrNameLst>
+                                      </p:cBhvr>
+                                      <p:to>
+                                        <p:strVal val="visible"/>
+                                      </p:to>
+                                    </p:set>
+                                  </p:childTnLst>
+                                </p:cTn>
+                              </p:par>
+                              <p:par>
+                                <p:cTn id="15" presetID="1" presetClass="entr" presetSubtype="0" fill="hold" nodeType="withEffect">
+                                  <p:stCondLst>
+                                    <p:cond delay="0"/>
+                                  </p:stCondLst>
+                                  <p:childTnLst>
+                                    <p:set>
+                                      <p:cBhvr>
+                                        <p:cTn id="16" dur="1" fill="hold">
+                                          <p:stCondLst>
+                                            <p:cond delay="0"/>
+                                          </p:stCondLst>
+                                        </p:cTn>
+                                        <p:tgtEl>
+                                          <p:spTgt spid="4">
+                                            <p:txEl>
+                                              <p:pRg st="2" end="2"/>
+                                            </p:txEl>
+                                          </p:spTgt>
+                                        </p:tgtEl>
+                                        <p:attrNameLst>
+                                          <p:attrName>style.visibility</p:attrName>
+                                        </p:attrNameLst>
+                                      </p:cBhvr>
+                                      <p:to>
+                                        <p:strVal val="visible"/>
+                                      </p:to>
+                                    </p:set>
+                                  </p:childTnLst>
+                                </p:cTn>
+                              </p:par>
+                              <p:par>
+                                <p:cTn id="17" presetID="1" presetClass="entr" presetSubtype="0" fill="hold" nodeType="withEffect">
+                                  <p:stCondLst>
+                                    <p:cond delay="0"/>
+                                  </p:stCondLst>
+                                  <p:childTnLst>
+                                    <p:set>
+                                      <p:cBhvr>
+                                        <p:cTn id="18" dur="1" fill="hold">
+                                          <p:stCondLst>
+                                            <p:cond delay="0"/>
+                                          </p:stCondLst>
+                                        </p:cTn>
+                                        <p:tgtEl>
+                                          <p:spTgt spid="4">
+                                            <p:txEl>
+                                              <p:pRg st="3" end="3"/>
+                                            </p:txEl>
+                                          </p:spTgt>
+                                        </p:tgtEl>
+                                        <p:attrNameLst>
+                                          <p:attrName>style.visibility</p:attrName>
+                                        </p:attrNameLst>
+                                      </p:cBhvr>
+                                      <p:to>
+                                        <p:strVal val="visible"/>
+                                      </p:to>
+                                    </p:set>
+                                  </p:childTnLst>
+                                </p:cTn>
+                              </p:par>
+                              <p:par>
+                                <p:cTn id="19" presetID="1" presetClass="entr" presetSubtype="0" fill="hold" nodeType="withEffect">
+                                  <p:stCondLst>
+                                    <p:cond delay="0"/>
+                                  </p:stCondLst>
+                                  <p:childTnLst>
+                                    <p:set>
+                                      <p:cBhvr>
+                                        <p:cTn id="20" dur="1" fill="hold">
+                                          <p:stCondLst>
+                                            <p:cond delay="0"/>
+                                          </p:stCondLst>
+                                        </p:cTn>
+                                        <p:tgtEl>
+                                          <p:spTgt spid="4">
+                                            <p:txEl>
+                                              <p:pRg st="4" end="4"/>
+                                            </p:txEl>
+                                          </p:spTgt>
+                                        </p:tgtEl>
+                                        <p:attrNameLst>
+                                          <p:attrName>style.visibility</p:attrName>
+                                        </p:attrNameLst>
+                                      </p:cBhvr>
+                                      <p:to>
+                                        <p:strVal val="visible"/>
+                                      </p:to>
+                                    </p:set>
+                                  </p:childTnLst>
+                                </p:cTn>
+                              </p:par>
+                              <p:par>
+                                <p:cTn id="21" presetID="1" presetClass="entr" presetSubtype="0" fill="hold" nodeType="withEffect">
+                                  <p:stCondLst>
+                                    <p:cond delay="0"/>
+                                  </p:stCondLst>
+                                  <p:childTnLst>
+                                    <p:set>
+                                      <p:cBhvr>
+                                        <p:cTn id="22" dur="1" fill="hold">
+                                          <p:stCondLst>
+                                            <p:cond delay="0"/>
+                                          </p:stCondLst>
+                                        </p:cTn>
+                                        <p:tgtEl>
+                                          <p:spTgt spid="4">
+                                            <p:txEl>
+                                              <p:pRg st="6" end="6"/>
+                                            </p:txEl>
+                                          </p:spTgt>
+                                        </p:tgtEl>
+                                        <p:attrNameLst>
+                                          <p:attrName>style.visibility</p:attrName>
+                                        </p:attrNameLst>
+                                      </p:cBhvr>
+                                      <p:to>
+                                        <p:strVal val="visible"/>
+                                      </p:to>
+                                    </p:set>
+                                  </p:childTnLst>
+                                </p:cTn>
+                              </p:par>
+                              <p:par>
+                                <p:cTn id="23" presetID="1" presetClass="entr" presetSubtype="0" fill="hold" nodeType="withEffect">
+                                  <p:stCondLst>
+                                    <p:cond delay="0"/>
+                                  </p:stCondLst>
+                                  <p:childTnLst>
+                                    <p:set>
+                                      <p:cBhvr>
+                                        <p:cTn id="24" dur="1" fill="hold">
+                                          <p:stCondLst>
+                                            <p:cond delay="0"/>
+                                          </p:stCondLst>
+                                        </p:cTn>
+                                        <p:tgtEl>
+                                          <p:spTgt spid="4">
+                                            <p:txEl>
+                                              <p:pRg st="7" end="7"/>
+                                            </p:txEl>
+                                          </p:spTgt>
+                                        </p:tgtEl>
+                                        <p:attrNameLst>
+                                          <p:attrName>style.visibility</p:attrName>
+                                        </p:attrNameLst>
+                                      </p:cBhvr>
+                                      <p:to>
+                                        <p:strVal val="visible"/>
+                                      </p:to>
+                                    </p:set>
+                                  </p:childTnLst>
+                                </p:cTn>
+                              </p:par>
+                              <p:par>
+                                <p:cTn id="25" presetID="1" presetClass="entr" presetSubtype="0" fill="hold" nodeType="withEffect">
+                                  <p:stCondLst>
+                                    <p:cond delay="0"/>
+                                  </p:stCondLst>
+                                  <p:childTnLst>
+                                    <p:set>
+                                      <p:cBhvr>
+                                        <p:cTn id="26" dur="1" fill="hold">
+                                          <p:stCondLst>
+                                            <p:cond delay="0"/>
+                                          </p:stCondLst>
+                                        </p:cTn>
+                                        <p:tgtEl>
+                                          <p:spTgt spid="4">
+                                            <p:txEl>
+                                              <p:pRg st="8" end="8"/>
+                                            </p:txEl>
+                                          </p:spTgt>
+                                        </p:tgtEl>
+                                        <p:attrNameLst>
+                                          <p:attrName>style.visibility</p:attrName>
+                                        </p:attrNameLst>
+                                      </p:cBhvr>
+                                      <p:to>
+                                        <p:strVal val="visible"/>
+                                      </p:to>
+                                    </p:set>
+                                  </p:childTnLst>
+                                </p:cTn>
+                              </p:par>
+                            </p:childTnLst>
+                          </p:cTn>
+                        </p:par>
+                      </p:childTnLst>
+                    </p:cTn>
+                  </p:par>
+                </p:childTnLst>
+              </p:cTn>
+              <p:prevCondLst>
+                <p:cond evt="onPrev" delay="0">
+                  <p:tgtEl>
+                    <p:sldTgt/>
+                  </p:tgtEl>
+                </p:cond>
+              </p:prevCondLst>
+              <p:nextCondLst>
+                <p:cond evt="onNext" delay="0">
+                  <p:tgtEl>
+                    <p:sldTgt/>
+                  </p:tgtEl>
+                </p:cond>
+              </p:nextCondLst>
+            </p:seq>
+          </p:childTnLst>
+        </p:cTn>
+      </p:par>
+    </p:tnLst>
+  </p:timing>
 </p:sld>
 </file>
 
